--- a/Midterm-Presentation/Presentation/Presentation-5-5-FL.pptx
+++ b/Midterm-Presentation/Presentation/Presentation-5-5-FL.pptx
@@ -221,7 +221,7 @@
           <a:p>
             <a:fld id="{3B2A63D3-FCF2-8648-B1D4-91CB73412C68}" type="datetimeFigureOut">
               <a:rPr kumimoji="1" lang="zh-CN" altLang="en-US" smtClean="0"/>
-              <a:t>2021/5/4</a:t>
+              <a:t>2021/6/2</a:t>
             </a:fld>
             <a:endParaRPr kumimoji="1" lang="zh-CN" altLang="en-US"/>
           </a:p>
@@ -743,7 +743,7 @@
           <a:p>
             <a:fld id="{3D1201C3-1FB8-914B-B7D5-C8759CA841C7}" type="datetimeFigureOut">
               <a:rPr kumimoji="1" lang="zh-CN" altLang="en-US" smtClean="0"/>
-              <a:t>2021/5/4</a:t>
+              <a:t>2021/6/2</a:t>
             </a:fld>
             <a:endParaRPr kumimoji="1" lang="zh-CN" altLang="en-US"/>
           </a:p>
@@ -1238,7 +1238,7 @@
           <a:p>
             <a:fld id="{3D1201C3-1FB8-914B-B7D5-C8759CA841C7}" type="datetimeFigureOut">
               <a:rPr kumimoji="1" lang="zh-CN" altLang="en-US" smtClean="0"/>
-              <a:t>2021/5/4</a:t>
+              <a:t>2021/6/2</a:t>
             </a:fld>
             <a:endParaRPr kumimoji="1" lang="zh-CN" altLang="en-US"/>
           </a:p>
@@ -1418,7 +1418,7 @@
           <a:p>
             <a:fld id="{3D1201C3-1FB8-914B-B7D5-C8759CA841C7}" type="datetimeFigureOut">
               <a:rPr kumimoji="1" lang="zh-CN" altLang="en-US" smtClean="0"/>
-              <a:t>2021/5/4</a:t>
+              <a:t>2021/6/2</a:t>
             </a:fld>
             <a:endParaRPr kumimoji="1" lang="zh-CN" altLang="en-US"/>
           </a:p>
@@ -1588,7 +1588,7 @@
           <a:p>
             <a:fld id="{3D1201C3-1FB8-914B-B7D5-C8759CA841C7}" type="datetimeFigureOut">
               <a:rPr kumimoji="1" lang="zh-CN" altLang="en-US" smtClean="0"/>
-              <a:t>2021/5/4</a:t>
+              <a:t>2021/6/2</a:t>
             </a:fld>
             <a:endParaRPr kumimoji="1" lang="zh-CN" altLang="en-US"/>
           </a:p>
@@ -1832,7 +1832,7 @@
           <a:p>
             <a:fld id="{3D1201C3-1FB8-914B-B7D5-C8759CA841C7}" type="datetimeFigureOut">
               <a:rPr kumimoji="1" lang="zh-CN" altLang="en-US" smtClean="0"/>
-              <a:t>2021/5/4</a:t>
+              <a:t>2021/6/2</a:t>
             </a:fld>
             <a:endParaRPr kumimoji="1" lang="zh-CN" altLang="en-US"/>
           </a:p>
@@ -2064,7 +2064,7 @@
           <a:p>
             <a:fld id="{3D1201C3-1FB8-914B-B7D5-C8759CA841C7}" type="datetimeFigureOut">
               <a:rPr kumimoji="1" lang="zh-CN" altLang="en-US" smtClean="0"/>
-              <a:t>2021/5/4</a:t>
+              <a:t>2021/6/2</a:t>
             </a:fld>
             <a:endParaRPr kumimoji="1" lang="zh-CN" altLang="en-US"/>
           </a:p>
@@ -2431,7 +2431,7 @@
           <a:p>
             <a:fld id="{3D1201C3-1FB8-914B-B7D5-C8759CA841C7}" type="datetimeFigureOut">
               <a:rPr kumimoji="1" lang="zh-CN" altLang="en-US" smtClean="0"/>
-              <a:t>2021/5/4</a:t>
+              <a:t>2021/6/2</a:t>
             </a:fld>
             <a:endParaRPr kumimoji="1" lang="zh-CN" altLang="en-US"/>
           </a:p>
@@ -2549,7 +2549,7 @@
           <a:p>
             <a:fld id="{3D1201C3-1FB8-914B-B7D5-C8759CA841C7}" type="datetimeFigureOut">
               <a:rPr kumimoji="1" lang="zh-CN" altLang="en-US" smtClean="0"/>
-              <a:t>2021/5/4</a:t>
+              <a:t>2021/6/2</a:t>
             </a:fld>
             <a:endParaRPr kumimoji="1" lang="zh-CN" altLang="en-US"/>
           </a:p>
@@ -2644,7 +2644,7 @@
           <a:p>
             <a:fld id="{3D1201C3-1FB8-914B-B7D5-C8759CA841C7}" type="datetimeFigureOut">
               <a:rPr kumimoji="1" lang="zh-CN" altLang="en-US" smtClean="0"/>
-              <a:t>2021/5/4</a:t>
+              <a:t>2021/6/2</a:t>
             </a:fld>
             <a:endParaRPr kumimoji="1" lang="zh-CN" altLang="en-US"/>
           </a:p>
@@ -2921,7 +2921,7 @@
           <a:p>
             <a:fld id="{3D1201C3-1FB8-914B-B7D5-C8759CA841C7}" type="datetimeFigureOut">
               <a:rPr kumimoji="1" lang="zh-CN" altLang="en-US" smtClean="0"/>
-              <a:t>2021/5/4</a:t>
+              <a:t>2021/6/2</a:t>
             </a:fld>
             <a:endParaRPr kumimoji="1" lang="zh-CN" altLang="en-US"/>
           </a:p>
@@ -3178,7 +3178,7 @@
           <a:p>
             <a:fld id="{3D1201C3-1FB8-914B-B7D5-C8759CA841C7}" type="datetimeFigureOut">
               <a:rPr kumimoji="1" lang="zh-CN" altLang="en-US" smtClean="0"/>
-              <a:t>2021/5/4</a:t>
+              <a:t>2021/6/2</a:t>
             </a:fld>
             <a:endParaRPr kumimoji="1" lang="zh-CN" altLang="en-US"/>
           </a:p>
@@ -3391,7 +3391,7 @@
           <a:p>
             <a:fld id="{3D1201C3-1FB8-914B-B7D5-C8759CA841C7}" type="datetimeFigureOut">
               <a:rPr kumimoji="1" lang="zh-CN" altLang="en-US" smtClean="0"/>
-              <a:t>2021/5/4</a:t>
+              <a:t>2021/6/2</a:t>
             </a:fld>
             <a:endParaRPr kumimoji="1" lang="zh-CN" altLang="en-US"/>
           </a:p>
@@ -7502,10 +7502,10 @@
       </p:sp>
       <p:grpSp>
         <p:nvGrpSpPr>
-          <p:cNvPr id="120" name="组合 119">
+          <p:cNvPr id="7" name="组合 6">
             <a:extLst>
               <a:ext uri="{FF2B5EF4-FFF2-40B4-BE49-F238E27FC236}">
-                <a16:creationId xmlns:a16="http://schemas.microsoft.com/office/drawing/2014/main" id="{17469F81-A2C8-F249-B229-1C002ADED3B6}"/>
+                <a16:creationId xmlns:a16="http://schemas.microsoft.com/office/drawing/2014/main" id="{3138B703-6461-1E4D-8552-F635D663020C}"/>
               </a:ext>
             </a:extLst>
           </p:cNvPr>
@@ -7514,18 +7514,18 @@
         </p:nvGrpSpPr>
         <p:grpSpPr>
           <a:xfrm>
-            <a:off x="1137742" y="1642713"/>
-            <a:ext cx="10626223" cy="6546270"/>
-            <a:chOff x="1137742" y="1642713"/>
-            <a:chExt cx="10626223" cy="6546270"/>
+            <a:off x="1157620" y="1676678"/>
+            <a:ext cx="10626223" cy="6792495"/>
+            <a:chOff x="1157620" y="1676678"/>
+            <a:chExt cx="10626223" cy="6792495"/>
           </a:xfrm>
         </p:grpSpPr>
         <p:grpSp>
           <p:nvGrpSpPr>
-            <p:cNvPr id="9" name="组合 8">
+            <p:cNvPr id="120" name="组合 119">
               <a:extLst>
                 <a:ext uri="{FF2B5EF4-FFF2-40B4-BE49-F238E27FC236}">
-                  <a16:creationId xmlns:a16="http://schemas.microsoft.com/office/drawing/2014/main" id="{4058226F-C16E-3F4A-9D22-FDA8D911E3B7}"/>
+                  <a16:creationId xmlns:a16="http://schemas.microsoft.com/office/drawing/2014/main" id="{17469F81-A2C8-F249-B229-1C002ADED3B6}"/>
                 </a:ext>
               </a:extLst>
             </p:cNvPr>
@@ -7534,18 +7534,18 @@
           </p:nvGrpSpPr>
           <p:grpSpPr>
             <a:xfrm>
-              <a:off x="1137742" y="1642713"/>
-              <a:ext cx="10626223" cy="6546270"/>
-              <a:chOff x="525948" y="986221"/>
-              <a:chExt cx="11380209" cy="7010763"/>
+              <a:off x="1157620" y="1676678"/>
+              <a:ext cx="10626223" cy="6792495"/>
+              <a:chOff x="1137742" y="1642713"/>
+              <a:chExt cx="10626223" cy="6792495"/>
             </a:xfrm>
           </p:grpSpPr>
           <p:grpSp>
             <p:nvGrpSpPr>
-              <p:cNvPr id="12" name="组合 11">
+              <p:cNvPr id="9" name="组合 8">
                 <a:extLst>
                   <a:ext uri="{FF2B5EF4-FFF2-40B4-BE49-F238E27FC236}">
-                    <a16:creationId xmlns:a16="http://schemas.microsoft.com/office/drawing/2014/main" id="{8771DB35-72B4-F64E-AA3B-41D48A301228}"/>
+                    <a16:creationId xmlns:a16="http://schemas.microsoft.com/office/drawing/2014/main" id="{4058226F-C16E-3F4A-9D22-FDA8D911E3B7}"/>
                   </a:ext>
                 </a:extLst>
               </p:cNvPr>
@@ -7554,198 +7554,18 @@
             </p:nvGrpSpPr>
             <p:grpSpPr>
               <a:xfrm>
-                <a:off x="525948" y="1183990"/>
-                <a:ext cx="11380209" cy="6812994"/>
-                <a:chOff x="354591" y="719534"/>
-                <a:chExt cx="11380209" cy="6812994"/>
+                <a:off x="1137742" y="1642713"/>
+                <a:ext cx="10626223" cy="6792495"/>
+                <a:chOff x="525948" y="986221"/>
+                <a:chExt cx="11380209" cy="7274459"/>
               </a:xfrm>
             </p:grpSpPr>
-            <p:sp>
-              <p:nvSpPr>
-                <p:cNvPr id="15" name="文本框 14">
+            <p:grpSp>
+              <p:nvGrpSpPr>
+                <p:cNvPr id="12" name="组合 11">
                   <a:extLst>
                     <a:ext uri="{FF2B5EF4-FFF2-40B4-BE49-F238E27FC236}">
-                      <a16:creationId xmlns:a16="http://schemas.microsoft.com/office/drawing/2014/main" id="{5FD6926E-A9B4-8F48-BFF6-56BEA5A60106}"/>
-                    </a:ext>
-                  </a:extLst>
-                </p:cNvPr>
-                <p:cNvSpPr txBox="1"/>
-                <p:nvPr/>
-              </p:nvSpPr>
-              <p:spPr>
-                <a:xfrm>
-                  <a:off x="3323935" y="2575632"/>
-                  <a:ext cx="2740489" cy="362576"/>
-                </a:xfrm>
-                <a:prstGeom prst="rect">
-                  <a:avLst/>
-                </a:prstGeom>
-                <a:solidFill>
-                  <a:srgbClr val="4F81BD"/>
-                </a:solidFill>
-              </p:spPr>
-              <p:txBody>
-                <a:bodyPr wrap="square" rtlCol="0">
-                  <a:spAutoFit/>
-                </a:bodyPr>
-                <a:lstStyle/>
-                <a:p>
-                  <a:pPr algn="ctr"/>
-                  <a:r>
-                    <a:rPr lang="en-US" altLang="zh-CN" sz="1600" dirty="0">
-                      <a:solidFill>
-                        <a:schemeClr val="bg1"/>
-                      </a:solidFill>
-                      <a:latin typeface="微软雅黑" panose="020B0503020204020204" pitchFamily="34" charset="-122"/>
-                      <a:ea typeface="微软雅黑" panose="020B0503020204020204" pitchFamily="34" charset="-122"/>
-                    </a:rPr>
-                    <a:t>Research Significance</a:t>
-                  </a:r>
-                  <a:endParaRPr lang="zh-CN" altLang="en-US" sz="1600" dirty="0">
-                    <a:solidFill>
-                      <a:schemeClr val="bg1"/>
-                    </a:solidFill>
-                    <a:latin typeface="微软雅黑" panose="020B0503020204020204" pitchFamily="34" charset="-122"/>
-                    <a:ea typeface="微软雅黑" panose="020B0503020204020204" pitchFamily="34" charset="-122"/>
-                  </a:endParaRPr>
-                </a:p>
-              </p:txBody>
-            </p:sp>
-            <p:cxnSp>
-              <p:nvCxnSpPr>
-                <p:cNvPr id="16" name="直接连接符 14">
-                  <a:extLst>
-                    <a:ext uri="{FF2B5EF4-FFF2-40B4-BE49-F238E27FC236}">
-                      <a16:creationId xmlns:a16="http://schemas.microsoft.com/office/drawing/2014/main" id="{6734B596-82B5-A048-8494-462BAB85F99C}"/>
-                    </a:ext>
-                  </a:extLst>
-                </p:cNvPr>
-                <p:cNvCxnSpPr>
-                  <a:cxnSpLocks/>
-                </p:cNvCxnSpPr>
-                <p:nvPr/>
-              </p:nvCxnSpPr>
-              <p:spPr>
-                <a:xfrm>
-                  <a:off x="4649104" y="2955586"/>
-                  <a:ext cx="0" cy="251819"/>
-                </a:xfrm>
-                <a:prstGeom prst="line">
-                  <a:avLst/>
-                </a:prstGeom>
-                <a:ln w="19050"/>
-              </p:spPr>
-              <p:style>
-                <a:lnRef idx="1">
-                  <a:schemeClr val="dk1"/>
-                </a:lnRef>
-                <a:fillRef idx="0">
-                  <a:schemeClr val="dk1"/>
-                </a:fillRef>
-                <a:effectRef idx="0">
-                  <a:schemeClr val="dk1"/>
-                </a:effectRef>
-                <a:fontRef idx="minor">
-                  <a:schemeClr val="tx1"/>
-                </a:fontRef>
-              </p:style>
-            </p:cxnSp>
-            <p:sp>
-              <p:nvSpPr>
-                <p:cNvPr id="17" name="文本框 16">
-                  <a:extLst>
-                    <a:ext uri="{FF2B5EF4-FFF2-40B4-BE49-F238E27FC236}">
-                      <a16:creationId xmlns:a16="http://schemas.microsoft.com/office/drawing/2014/main" id="{5084A0B4-233B-0644-B7D7-EFD73C123472}"/>
-                    </a:ext>
-                  </a:extLst>
-                </p:cNvPr>
-                <p:cNvSpPr txBox="1"/>
-                <p:nvPr/>
-              </p:nvSpPr>
-              <p:spPr>
-                <a:xfrm>
-                  <a:off x="1612380" y="4021737"/>
-                  <a:ext cx="2123786" cy="329615"/>
-                </a:xfrm>
-                <a:prstGeom prst="rect">
-                  <a:avLst/>
-                </a:prstGeom>
-                <a:solidFill>
-                  <a:srgbClr val="C2C2C2"/>
-                </a:solidFill>
-              </p:spPr>
-              <p:txBody>
-                <a:bodyPr wrap="square" rtlCol="0">
-                  <a:spAutoFit/>
-                </a:bodyPr>
-                <a:lstStyle/>
-                <a:p>
-                  <a:pPr algn="ctr"/>
-                  <a:r>
-                    <a:rPr lang="en-US" altLang="zh-CN" sz="1400" b="1" dirty="0">
-                      <a:latin typeface="微软雅黑" panose="020B0503020204020204" pitchFamily="34" charset="-122"/>
-                      <a:ea typeface="微软雅黑" panose="020B0503020204020204" pitchFamily="34" charset="-122"/>
-                    </a:rPr>
-                    <a:t>Timelines of events</a:t>
-                  </a:r>
-                  <a:endParaRPr lang="zh-CN" altLang="en-US" sz="1200" b="1" dirty="0">
-                    <a:latin typeface="微软雅黑" panose="020B0503020204020204" pitchFamily="34" charset="-122"/>
-                    <a:ea typeface="微软雅黑" panose="020B0503020204020204" pitchFamily="34" charset="-122"/>
-                  </a:endParaRPr>
-                </a:p>
-              </p:txBody>
-            </p:sp>
-            <p:sp>
-              <p:nvSpPr>
-                <p:cNvPr id="18" name="文本框 17">
-                  <a:extLst>
-                    <a:ext uri="{FF2B5EF4-FFF2-40B4-BE49-F238E27FC236}">
-                      <a16:creationId xmlns:a16="http://schemas.microsoft.com/office/drawing/2014/main" id="{0644F0AE-FA02-5745-84F8-BA828C810A42}"/>
-                    </a:ext>
-                  </a:extLst>
-                </p:cNvPr>
-                <p:cNvSpPr txBox="1"/>
-                <p:nvPr/>
-              </p:nvSpPr>
-              <p:spPr>
-                <a:xfrm>
-                  <a:off x="4260632" y="4003604"/>
-                  <a:ext cx="1514555" cy="329615"/>
-                </a:xfrm>
-                <a:prstGeom prst="rect">
-                  <a:avLst/>
-                </a:prstGeom>
-                <a:solidFill>
-                  <a:srgbClr val="C2C2C2"/>
-                </a:solidFill>
-              </p:spPr>
-              <p:txBody>
-                <a:bodyPr wrap="square" rtlCol="0">
-                  <a:spAutoFit/>
-                </a:bodyPr>
-                <a:lstStyle/>
-                <a:p>
-                  <a:pPr algn="ctr"/>
-                  <a:r>
-                    <a:rPr lang="en-US" altLang="zh-CN" sz="1400" b="1" dirty="0">
-                      <a:latin typeface="微软雅黑" panose="020B0503020204020204" pitchFamily="34" charset="-122"/>
-                      <a:ea typeface="微软雅黑" panose="020B0503020204020204" pitchFamily="34" charset="-122"/>
-                    </a:rPr>
-                    <a:t>Structure</a:t>
-                  </a:r>
-                  <a:endParaRPr lang="zh-CN" altLang="en-US" sz="1400" b="1" dirty="0">
-                    <a:latin typeface="微软雅黑" panose="020B0503020204020204" pitchFamily="34" charset="-122"/>
-                    <a:ea typeface="微软雅黑" panose="020B0503020204020204" pitchFamily="34" charset="-122"/>
-                  </a:endParaRPr>
-                </a:p>
-              </p:txBody>
-            </p:sp>
-            <p:grpSp>
-              <p:nvGrpSpPr>
-                <p:cNvPr id="20" name="组合 19">
-                  <a:extLst>
-                    <a:ext uri="{FF2B5EF4-FFF2-40B4-BE49-F238E27FC236}">
-                      <a16:creationId xmlns:a16="http://schemas.microsoft.com/office/drawing/2014/main" id="{8F2FB785-2693-0A49-996C-453065B83611}"/>
+                      <a16:creationId xmlns:a16="http://schemas.microsoft.com/office/drawing/2014/main" id="{8771DB35-72B4-F64E-AA3B-41D48A301228}"/>
                     </a:ext>
                   </a:extLst>
                 </p:cNvPr>
@@ -7754,18 +7574,69 @@
               </p:nvGrpSpPr>
               <p:grpSpPr>
                 <a:xfrm>
-                  <a:off x="2485959" y="4316814"/>
-                  <a:ext cx="4810126" cy="198695"/>
-                  <a:chOff x="3994145" y="2004755"/>
-                  <a:chExt cx="4810126" cy="198695"/>
+                  <a:off x="525948" y="1183990"/>
+                  <a:ext cx="11380209" cy="7076690"/>
+                  <a:chOff x="354591" y="719534"/>
+                  <a:chExt cx="11380209" cy="7076690"/>
                 </a:xfrm>
               </p:grpSpPr>
+              <p:sp>
+                <p:nvSpPr>
+                  <p:cNvPr id="15" name="文本框 14">
+                    <a:extLst>
+                      <a:ext uri="{FF2B5EF4-FFF2-40B4-BE49-F238E27FC236}">
+                        <a16:creationId xmlns:a16="http://schemas.microsoft.com/office/drawing/2014/main" id="{5FD6926E-A9B4-8F48-BFF6-56BEA5A60106}"/>
+                      </a:ext>
+                    </a:extLst>
+                  </p:cNvPr>
+                  <p:cNvSpPr txBox="1"/>
+                  <p:nvPr/>
+                </p:nvSpPr>
+                <p:spPr>
+                  <a:xfrm>
+                    <a:off x="3323935" y="2575632"/>
+                    <a:ext cx="2740489" cy="362576"/>
+                  </a:xfrm>
+                  <a:prstGeom prst="rect">
+                    <a:avLst/>
+                  </a:prstGeom>
+                  <a:solidFill>
+                    <a:srgbClr val="4F81BD"/>
+                  </a:solidFill>
+                </p:spPr>
+                <p:txBody>
+                  <a:bodyPr wrap="square" rtlCol="0">
+                    <a:spAutoFit/>
+                  </a:bodyPr>
+                  <a:lstStyle/>
+                  <a:p>
+                    <a:pPr algn="ctr"/>
+                    <a:r>
+                      <a:rPr lang="en-US" altLang="zh-CN" sz="1600" dirty="0">
+                        <a:solidFill>
+                          <a:schemeClr val="bg1"/>
+                        </a:solidFill>
+                        <a:latin typeface="微软雅黑" panose="020B0503020204020204" pitchFamily="34" charset="-122"/>
+                        <a:ea typeface="微软雅黑" panose="020B0503020204020204" pitchFamily="34" charset="-122"/>
+                      </a:rPr>
+                      <a:t>Research Significance</a:t>
+                    </a:r>
+                    <a:endParaRPr lang="zh-CN" altLang="en-US" sz="1600" dirty="0">
+                      <a:solidFill>
+                        <a:schemeClr val="bg1"/>
+                      </a:solidFill>
+                      <a:latin typeface="微软雅黑" panose="020B0503020204020204" pitchFamily="34" charset="-122"/>
+                      <a:ea typeface="微软雅黑" panose="020B0503020204020204" pitchFamily="34" charset="-122"/>
+                    </a:endParaRPr>
+                  </a:p>
+                </p:txBody>
+              </p:sp>
               <p:cxnSp>
                 <p:nvCxnSpPr>
-                  <p:cNvPr id="100" name="直接连接符 127">
+                  <p:cNvPr id="16" name="直接连接符 14">
                     <a:extLst>
                       <a:ext uri="{FF2B5EF4-FFF2-40B4-BE49-F238E27FC236}">
-                        <a16:creationId xmlns:a16="http://schemas.microsoft.com/office/drawing/2014/main" id="{A96A1192-51A4-E54A-A082-9DE2F476DB12}"/>
+                        <a16:creationId xmlns:a16="http://schemas.microsoft.com/office/drawing/2014/main" id="{6734B596-82B5-A048-8494-462BAB85F99C}"/>
                       </a:ext>
                     </a:extLst>
                   </p:cNvPr>
@@ -7776,8 +7647,8 @@
                 </p:nvCxnSpPr>
                 <p:spPr>
                   <a:xfrm>
-                    <a:off x="3994145" y="2203450"/>
-                    <a:ext cx="4810126" cy="0"/>
+                    <a:off x="4649104" y="2955586"/>
+                    <a:ext cx="0" cy="251819"/>
                   </a:xfrm>
                   <a:prstGeom prst="line">
                     <a:avLst/>
@@ -7799,203 +7670,102 @@
                   </a:fontRef>
                 </p:style>
               </p:cxnSp>
-              <p:cxnSp>
-                <p:nvCxnSpPr>
-                  <p:cNvPr id="101" name="直接连接符 128">
+              <p:sp>
+                <p:nvSpPr>
+                  <p:cNvPr id="17" name="文本框 16">
                     <a:extLst>
                       <a:ext uri="{FF2B5EF4-FFF2-40B4-BE49-F238E27FC236}">
-                        <a16:creationId xmlns:a16="http://schemas.microsoft.com/office/drawing/2014/main" id="{45218813-0F56-4047-A938-CC3750C543A5}"/>
+                        <a16:creationId xmlns:a16="http://schemas.microsoft.com/office/drawing/2014/main" id="{5084A0B4-233B-0644-B7D7-EFD73C123472}"/>
                       </a:ext>
                     </a:extLst>
                   </p:cNvPr>
-                  <p:cNvCxnSpPr>
-                    <a:cxnSpLocks/>
-                  </p:cNvCxnSpPr>
+                  <p:cNvSpPr txBox="1"/>
                   <p:nvPr/>
-                </p:nvCxnSpPr>
+                </p:nvSpPr>
                 <p:spPr>
                   <a:xfrm>
-                    <a:off x="4003674" y="2017455"/>
-                    <a:ext cx="0" cy="185995"/>
+                    <a:off x="1612380" y="4021737"/>
+                    <a:ext cx="2123786" cy="329615"/>
                   </a:xfrm>
-                  <a:prstGeom prst="line">
+                  <a:prstGeom prst="rect">
                     <a:avLst/>
                   </a:prstGeom>
-                  <a:ln w="19050"/>
+                  <a:solidFill>
+                    <a:srgbClr val="C2C2C2"/>
+                  </a:solidFill>
                 </p:spPr>
-                <p:style>
-                  <a:lnRef idx="1">
-                    <a:schemeClr val="dk1"/>
-                  </a:lnRef>
-                  <a:fillRef idx="0">
-                    <a:schemeClr val="dk1"/>
-                  </a:fillRef>
-                  <a:effectRef idx="0">
-                    <a:schemeClr val="dk1"/>
-                  </a:effectRef>
-                  <a:fontRef idx="minor">
-                    <a:schemeClr val="tx1"/>
-                  </a:fontRef>
-                </p:style>
-              </p:cxnSp>
-              <p:cxnSp>
-                <p:nvCxnSpPr>
-                  <p:cNvPr id="102" name="直接连接符 129">
+                <p:txBody>
+                  <a:bodyPr wrap="square" rtlCol="0">
+                    <a:spAutoFit/>
+                  </a:bodyPr>
+                  <a:lstStyle/>
+                  <a:p>
+                    <a:pPr algn="ctr"/>
+                    <a:r>
+                      <a:rPr lang="en-US" altLang="zh-CN" sz="1400" b="1" dirty="0">
+                        <a:latin typeface="微软雅黑" panose="020B0503020204020204" pitchFamily="34" charset="-122"/>
+                        <a:ea typeface="微软雅黑" panose="020B0503020204020204" pitchFamily="34" charset="-122"/>
+                      </a:rPr>
+                      <a:t>Timelines of events</a:t>
+                    </a:r>
+                    <a:endParaRPr lang="zh-CN" altLang="en-US" sz="1200" b="1" dirty="0">
+                      <a:latin typeface="微软雅黑" panose="020B0503020204020204" pitchFamily="34" charset="-122"/>
+                      <a:ea typeface="微软雅黑" panose="020B0503020204020204" pitchFamily="34" charset="-122"/>
+                    </a:endParaRPr>
+                  </a:p>
+                </p:txBody>
+              </p:sp>
+              <p:sp>
+                <p:nvSpPr>
+                  <p:cNvPr id="18" name="文本框 17">
                     <a:extLst>
                       <a:ext uri="{FF2B5EF4-FFF2-40B4-BE49-F238E27FC236}">
-                        <a16:creationId xmlns:a16="http://schemas.microsoft.com/office/drawing/2014/main" id="{69CBD06D-BBA8-8749-BF7E-0887EBFC92C8}"/>
+                        <a16:creationId xmlns:a16="http://schemas.microsoft.com/office/drawing/2014/main" id="{0644F0AE-FA02-5745-84F8-BA828C810A42}"/>
                       </a:ext>
                     </a:extLst>
                   </p:cNvPr>
-                  <p:cNvCxnSpPr>
-                    <a:cxnSpLocks/>
-                  </p:cNvCxnSpPr>
+                  <p:cNvSpPr txBox="1"/>
                   <p:nvPr/>
-                </p:nvCxnSpPr>
+                </p:nvSpPr>
                 <p:spPr>
                   <a:xfrm>
-                    <a:off x="8797924" y="2004755"/>
-                    <a:ext cx="0" cy="185995"/>
+                    <a:off x="4260632" y="4003604"/>
+                    <a:ext cx="1514555" cy="329615"/>
                   </a:xfrm>
-                  <a:prstGeom prst="line">
+                  <a:prstGeom prst="rect">
                     <a:avLst/>
                   </a:prstGeom>
-                  <a:ln w="19050"/>
+                  <a:solidFill>
+                    <a:srgbClr val="C2C2C2"/>
+                  </a:solidFill>
                 </p:spPr>
-                <p:style>
-                  <a:lnRef idx="1">
-                    <a:schemeClr val="dk1"/>
-                  </a:lnRef>
-                  <a:fillRef idx="0">
-                    <a:schemeClr val="dk1"/>
-                  </a:fillRef>
-                  <a:effectRef idx="0">
-                    <a:schemeClr val="dk1"/>
-                  </a:effectRef>
-                  <a:fontRef idx="minor">
-                    <a:schemeClr val="tx1"/>
-                  </a:fontRef>
-                </p:style>
-              </p:cxnSp>
-            </p:grpSp>
-            <p:sp>
-              <p:nvSpPr>
-                <p:cNvPr id="24" name="文本框 23">
-                  <a:extLst>
-                    <a:ext uri="{FF2B5EF4-FFF2-40B4-BE49-F238E27FC236}">
-                      <a16:creationId xmlns:a16="http://schemas.microsoft.com/office/drawing/2014/main" id="{0E940556-857B-084D-916C-FBB9CADFE9EB}"/>
-                    </a:ext>
-                  </a:extLst>
-                </p:cNvPr>
-                <p:cNvSpPr txBox="1"/>
-                <p:nvPr/>
-              </p:nvSpPr>
-              <p:spPr>
-                <a:xfrm>
-                  <a:off x="3435507" y="1085839"/>
-                  <a:ext cx="2879848" cy="362576"/>
-                </a:xfrm>
-                <a:prstGeom prst="rect">
-                  <a:avLst/>
-                </a:prstGeom>
-                <a:solidFill>
-                  <a:srgbClr val="4F81BD"/>
-                </a:solidFill>
-              </p:spPr>
-              <p:txBody>
-                <a:bodyPr wrap="square" rtlCol="0">
-                  <a:spAutoFit/>
-                </a:bodyPr>
-                <a:lstStyle/>
-                <a:p>
-                  <a:pPr algn="ctr"/>
-                  <a:r>
-                    <a:rPr lang="en-US" altLang="zh-CN" sz="1600" dirty="0">
-                      <a:solidFill>
-                        <a:schemeClr val="bg1"/>
-                      </a:solidFill>
+                <p:txBody>
+                  <a:bodyPr wrap="square" rtlCol="0">
+                    <a:spAutoFit/>
+                  </a:bodyPr>
+                  <a:lstStyle/>
+                  <a:p>
+                    <a:pPr algn="ctr"/>
+                    <a:r>
+                      <a:rPr lang="en-US" altLang="zh-CN" sz="1400" b="1" dirty="0">
+                        <a:latin typeface="微软雅黑" panose="020B0503020204020204" pitchFamily="34" charset="-122"/>
+                        <a:ea typeface="微软雅黑" panose="020B0503020204020204" pitchFamily="34" charset="-122"/>
+                      </a:rPr>
+                      <a:t>Structure</a:t>
+                    </a:r>
+                    <a:endParaRPr lang="zh-CN" altLang="en-US" sz="1400" b="1" dirty="0">
                       <a:latin typeface="微软雅黑" panose="020B0503020204020204" pitchFamily="34" charset="-122"/>
                       <a:ea typeface="微软雅黑" panose="020B0503020204020204" pitchFamily="34" charset="-122"/>
-                    </a:rPr>
-                    <a:t>Research Background</a:t>
-                  </a:r>
-                  <a:endParaRPr lang="zh-CN" altLang="en-US" sz="1600" dirty="0">
-                    <a:solidFill>
-                      <a:schemeClr val="bg1"/>
-                    </a:solidFill>
-                    <a:latin typeface="微软雅黑" panose="020B0503020204020204" pitchFamily="34" charset="-122"/>
-                    <a:ea typeface="微软雅黑" panose="020B0503020204020204" pitchFamily="34" charset="-122"/>
-                  </a:endParaRPr>
-                </a:p>
-              </p:txBody>
-            </p:sp>
-            <p:grpSp>
-              <p:nvGrpSpPr>
-                <p:cNvPr id="25" name="组合 24">
-                  <a:extLst>
-                    <a:ext uri="{FF2B5EF4-FFF2-40B4-BE49-F238E27FC236}">
-                      <a16:creationId xmlns:a16="http://schemas.microsoft.com/office/drawing/2014/main" id="{31A95EAA-93C3-F84D-9E45-E8B7BC03E65B}"/>
-                    </a:ext>
-                  </a:extLst>
-                </p:cNvPr>
-                <p:cNvGrpSpPr/>
-                <p:nvPr/>
-              </p:nvGrpSpPr>
-              <p:grpSpPr>
-                <a:xfrm>
-                  <a:off x="2473262" y="3817009"/>
-                  <a:ext cx="5265686" cy="208504"/>
-                  <a:chOff x="3981448" y="1504950"/>
-                  <a:chExt cx="5265686" cy="208504"/>
-                </a:xfrm>
-              </p:grpSpPr>
-              <p:cxnSp>
-                <p:nvCxnSpPr>
-                  <p:cNvPr id="95" name="直接箭头连接符 121">
+                    </a:endParaRPr>
+                  </a:p>
+                </p:txBody>
+              </p:sp>
+              <p:grpSp>
+                <p:nvGrpSpPr>
+                  <p:cNvPr id="20" name="组合 19">
                     <a:extLst>
                       <a:ext uri="{FF2B5EF4-FFF2-40B4-BE49-F238E27FC236}">
-                        <a16:creationId xmlns:a16="http://schemas.microsoft.com/office/drawing/2014/main" id="{6F667C67-1E88-0043-A8FC-0634240496AB}"/>
-                      </a:ext>
-                    </a:extLst>
-                  </p:cNvPr>
-                  <p:cNvCxnSpPr>
-                    <a:cxnSpLocks/>
-                  </p:cNvCxnSpPr>
-                  <p:nvPr/>
-                </p:nvCxnSpPr>
-                <p:spPr>
-                  <a:xfrm>
-                    <a:off x="9231416" y="1527776"/>
-                    <a:ext cx="0" cy="185678"/>
-                  </a:xfrm>
-                  <a:prstGeom prst="straightConnector1">
-                    <a:avLst/>
-                  </a:prstGeom>
-                  <a:ln w="19050">
-                    <a:tailEnd type="triangle"/>
-                  </a:ln>
-                </p:spPr>
-                <p:style>
-                  <a:lnRef idx="1">
-                    <a:schemeClr val="dk1"/>
-                  </a:lnRef>
-                  <a:fillRef idx="0">
-                    <a:schemeClr val="dk1"/>
-                  </a:fillRef>
-                  <a:effectRef idx="0">
-                    <a:schemeClr val="dk1"/>
-                  </a:effectRef>
-                  <a:fontRef idx="minor">
-                    <a:schemeClr val="tx1"/>
-                  </a:fontRef>
-                </p:style>
-              </p:cxnSp>
-              <p:grpSp>
-                <p:nvGrpSpPr>
-                  <p:cNvPr id="96" name="组合 95">
-                    <a:extLst>
-                      <a:ext uri="{FF2B5EF4-FFF2-40B4-BE49-F238E27FC236}">
-                        <a16:creationId xmlns:a16="http://schemas.microsoft.com/office/drawing/2014/main" id="{3002528C-904F-584A-8299-F71A9FBAFD78}"/>
+                        <a16:creationId xmlns:a16="http://schemas.microsoft.com/office/drawing/2014/main" id="{8F2FB785-2693-0A49-996C-453065B83611}"/>
                       </a:ext>
                     </a:extLst>
                   </p:cNvPr>
@@ -8004,18 +7774,18 @@
                 </p:nvGrpSpPr>
                 <p:grpSpPr>
                   <a:xfrm>
-                    <a:off x="3981448" y="1504950"/>
-                    <a:ext cx="5265686" cy="208504"/>
-                    <a:chOff x="3981448" y="1504950"/>
-                    <a:chExt cx="5265686" cy="208504"/>
+                    <a:off x="2485959" y="4316814"/>
+                    <a:ext cx="4810126" cy="198695"/>
+                    <a:chOff x="3994145" y="2004755"/>
+                    <a:chExt cx="4810126" cy="198695"/>
                   </a:xfrm>
                 </p:grpSpPr>
                 <p:cxnSp>
                   <p:nvCxnSpPr>
-                    <p:cNvPr id="97" name="直接箭头连接符 123">
+                    <p:cNvPr id="100" name="直接连接符 127">
                       <a:extLst>
                         <a:ext uri="{FF2B5EF4-FFF2-40B4-BE49-F238E27FC236}">
-                          <a16:creationId xmlns:a16="http://schemas.microsoft.com/office/drawing/2014/main" id="{AE1EDC7C-E0DA-E14C-B31D-8EAA7AFF1BE3}"/>
+                          <a16:creationId xmlns:a16="http://schemas.microsoft.com/office/drawing/2014/main" id="{A96A1192-51A4-E54A-A082-9DE2F476DB12}"/>
                         </a:ext>
                       </a:extLst>
                     </p:cNvPr>
@@ -8026,7 +7796,196 @@
                   </p:nvCxnSpPr>
                   <p:spPr>
                     <a:xfrm>
-                      <a:off x="3994145" y="1504950"/>
+                      <a:off x="3994145" y="2203450"/>
+                      <a:ext cx="4810126" cy="0"/>
+                    </a:xfrm>
+                    <a:prstGeom prst="line">
+                      <a:avLst/>
+                    </a:prstGeom>
+                    <a:ln w="19050"/>
+                  </p:spPr>
+                  <p:style>
+                    <a:lnRef idx="1">
+                      <a:schemeClr val="dk1"/>
+                    </a:lnRef>
+                    <a:fillRef idx="0">
+                      <a:schemeClr val="dk1"/>
+                    </a:fillRef>
+                    <a:effectRef idx="0">
+                      <a:schemeClr val="dk1"/>
+                    </a:effectRef>
+                    <a:fontRef idx="minor">
+                      <a:schemeClr val="tx1"/>
+                    </a:fontRef>
+                  </p:style>
+                </p:cxnSp>
+                <p:cxnSp>
+                  <p:nvCxnSpPr>
+                    <p:cNvPr id="101" name="直接连接符 128">
+                      <a:extLst>
+                        <a:ext uri="{FF2B5EF4-FFF2-40B4-BE49-F238E27FC236}">
+                          <a16:creationId xmlns:a16="http://schemas.microsoft.com/office/drawing/2014/main" id="{45218813-0F56-4047-A938-CC3750C543A5}"/>
+                        </a:ext>
+                      </a:extLst>
+                    </p:cNvPr>
+                    <p:cNvCxnSpPr>
+                      <a:cxnSpLocks/>
+                    </p:cNvCxnSpPr>
+                    <p:nvPr/>
+                  </p:nvCxnSpPr>
+                  <p:spPr>
+                    <a:xfrm>
+                      <a:off x="4003674" y="2017455"/>
+                      <a:ext cx="0" cy="185995"/>
+                    </a:xfrm>
+                    <a:prstGeom prst="line">
+                      <a:avLst/>
+                    </a:prstGeom>
+                    <a:ln w="19050"/>
+                  </p:spPr>
+                  <p:style>
+                    <a:lnRef idx="1">
+                      <a:schemeClr val="dk1"/>
+                    </a:lnRef>
+                    <a:fillRef idx="0">
+                      <a:schemeClr val="dk1"/>
+                    </a:fillRef>
+                    <a:effectRef idx="0">
+                      <a:schemeClr val="dk1"/>
+                    </a:effectRef>
+                    <a:fontRef idx="minor">
+                      <a:schemeClr val="tx1"/>
+                    </a:fontRef>
+                  </p:style>
+                </p:cxnSp>
+                <p:cxnSp>
+                  <p:nvCxnSpPr>
+                    <p:cNvPr id="102" name="直接连接符 129">
+                      <a:extLst>
+                        <a:ext uri="{FF2B5EF4-FFF2-40B4-BE49-F238E27FC236}">
+                          <a16:creationId xmlns:a16="http://schemas.microsoft.com/office/drawing/2014/main" id="{69CBD06D-BBA8-8749-BF7E-0887EBFC92C8}"/>
+                        </a:ext>
+                      </a:extLst>
+                    </p:cNvPr>
+                    <p:cNvCxnSpPr>
+                      <a:cxnSpLocks/>
+                    </p:cNvCxnSpPr>
+                    <p:nvPr/>
+                  </p:nvCxnSpPr>
+                  <p:spPr>
+                    <a:xfrm>
+                      <a:off x="8797924" y="2004755"/>
+                      <a:ext cx="0" cy="185995"/>
+                    </a:xfrm>
+                    <a:prstGeom prst="line">
+                      <a:avLst/>
+                    </a:prstGeom>
+                    <a:ln w="19050"/>
+                  </p:spPr>
+                  <p:style>
+                    <a:lnRef idx="1">
+                      <a:schemeClr val="dk1"/>
+                    </a:lnRef>
+                    <a:fillRef idx="0">
+                      <a:schemeClr val="dk1"/>
+                    </a:fillRef>
+                    <a:effectRef idx="0">
+                      <a:schemeClr val="dk1"/>
+                    </a:effectRef>
+                    <a:fontRef idx="minor">
+                      <a:schemeClr val="tx1"/>
+                    </a:fontRef>
+                  </p:style>
+                </p:cxnSp>
+              </p:grpSp>
+              <p:sp>
+                <p:nvSpPr>
+                  <p:cNvPr id="24" name="文本框 23">
+                    <a:extLst>
+                      <a:ext uri="{FF2B5EF4-FFF2-40B4-BE49-F238E27FC236}">
+                        <a16:creationId xmlns:a16="http://schemas.microsoft.com/office/drawing/2014/main" id="{0E940556-857B-084D-916C-FBB9CADFE9EB}"/>
+                      </a:ext>
+                    </a:extLst>
+                  </p:cNvPr>
+                  <p:cNvSpPr txBox="1"/>
+                  <p:nvPr/>
+                </p:nvSpPr>
+                <p:spPr>
+                  <a:xfrm>
+                    <a:off x="3435507" y="1085839"/>
+                    <a:ext cx="2879848" cy="362576"/>
+                  </a:xfrm>
+                  <a:prstGeom prst="rect">
+                    <a:avLst/>
+                  </a:prstGeom>
+                  <a:solidFill>
+                    <a:srgbClr val="4F81BD"/>
+                  </a:solidFill>
+                </p:spPr>
+                <p:txBody>
+                  <a:bodyPr wrap="square" rtlCol="0">
+                    <a:spAutoFit/>
+                  </a:bodyPr>
+                  <a:lstStyle/>
+                  <a:p>
+                    <a:pPr algn="ctr"/>
+                    <a:r>
+                      <a:rPr lang="en-US" altLang="zh-CN" sz="1600" dirty="0">
+                        <a:solidFill>
+                          <a:schemeClr val="bg1"/>
+                        </a:solidFill>
+                        <a:latin typeface="微软雅黑" panose="020B0503020204020204" pitchFamily="34" charset="-122"/>
+                        <a:ea typeface="微软雅黑" panose="020B0503020204020204" pitchFamily="34" charset="-122"/>
+                      </a:rPr>
+                      <a:t>Research Background</a:t>
+                    </a:r>
+                    <a:endParaRPr lang="zh-CN" altLang="en-US" sz="1600" dirty="0">
+                      <a:solidFill>
+                        <a:schemeClr val="bg1"/>
+                      </a:solidFill>
+                      <a:latin typeface="微软雅黑" panose="020B0503020204020204" pitchFamily="34" charset="-122"/>
+                      <a:ea typeface="微软雅黑" panose="020B0503020204020204" pitchFamily="34" charset="-122"/>
+                    </a:endParaRPr>
+                  </a:p>
+                </p:txBody>
+              </p:sp>
+              <p:grpSp>
+                <p:nvGrpSpPr>
+                  <p:cNvPr id="25" name="组合 24">
+                    <a:extLst>
+                      <a:ext uri="{FF2B5EF4-FFF2-40B4-BE49-F238E27FC236}">
+                        <a16:creationId xmlns:a16="http://schemas.microsoft.com/office/drawing/2014/main" id="{31A95EAA-93C3-F84D-9E45-E8B7BC03E65B}"/>
+                      </a:ext>
+                    </a:extLst>
+                  </p:cNvPr>
+                  <p:cNvGrpSpPr/>
+                  <p:nvPr/>
+                </p:nvGrpSpPr>
+                <p:grpSpPr>
+                  <a:xfrm>
+                    <a:off x="2473262" y="3817009"/>
+                    <a:ext cx="5265686" cy="208504"/>
+                    <a:chOff x="3981448" y="1504950"/>
+                    <a:chExt cx="5265686" cy="208504"/>
+                  </a:xfrm>
+                </p:grpSpPr>
+                <p:cxnSp>
+                  <p:nvCxnSpPr>
+                    <p:cNvPr id="95" name="直接箭头连接符 121">
+                      <a:extLst>
+                        <a:ext uri="{FF2B5EF4-FFF2-40B4-BE49-F238E27FC236}">
+                          <a16:creationId xmlns:a16="http://schemas.microsoft.com/office/drawing/2014/main" id="{6F667C67-1E88-0043-A8FC-0634240496AB}"/>
+                        </a:ext>
+                      </a:extLst>
+                    </p:cNvPr>
+                    <p:cNvCxnSpPr>
+                      <a:cxnSpLocks/>
+                    </p:cNvCxnSpPr>
+                    <p:nvPr/>
+                  </p:nvCxnSpPr>
+                  <p:spPr>
+                    <a:xfrm>
+                      <a:off x="9231416" y="1527776"/>
                       <a:ext cx="0" cy="185678"/>
                     </a:xfrm>
                     <a:prstGeom prst="straightConnector1">
@@ -8051,12 +8010,628 @@
                     </a:fontRef>
                   </p:style>
                 </p:cxnSp>
+                <p:grpSp>
+                  <p:nvGrpSpPr>
+                    <p:cNvPr id="96" name="组合 95">
+                      <a:extLst>
+                        <a:ext uri="{FF2B5EF4-FFF2-40B4-BE49-F238E27FC236}">
+                          <a16:creationId xmlns:a16="http://schemas.microsoft.com/office/drawing/2014/main" id="{3002528C-904F-584A-8299-F71A9FBAFD78}"/>
+                        </a:ext>
+                      </a:extLst>
+                    </p:cNvPr>
+                    <p:cNvGrpSpPr/>
+                    <p:nvPr/>
+                  </p:nvGrpSpPr>
+                  <p:grpSpPr>
+                    <a:xfrm>
+                      <a:off x="3981448" y="1504950"/>
+                      <a:ext cx="5265686" cy="208504"/>
+                      <a:chOff x="3981448" y="1504950"/>
+                      <a:chExt cx="5265686" cy="208504"/>
+                    </a:xfrm>
+                  </p:grpSpPr>
+                  <p:cxnSp>
+                    <p:nvCxnSpPr>
+                      <p:cNvPr id="97" name="直接箭头连接符 123">
+                        <a:extLst>
+                          <a:ext uri="{FF2B5EF4-FFF2-40B4-BE49-F238E27FC236}">
+                            <a16:creationId xmlns:a16="http://schemas.microsoft.com/office/drawing/2014/main" id="{AE1EDC7C-E0DA-E14C-B31D-8EAA7AFF1BE3}"/>
+                          </a:ext>
+                        </a:extLst>
+                      </p:cNvPr>
+                      <p:cNvCxnSpPr>
+                        <a:cxnSpLocks/>
+                      </p:cNvCxnSpPr>
+                      <p:nvPr/>
+                    </p:nvCxnSpPr>
+                    <p:spPr>
+                      <a:xfrm>
+                        <a:off x="3994145" y="1504950"/>
+                        <a:ext cx="0" cy="185678"/>
+                      </a:xfrm>
+                      <a:prstGeom prst="straightConnector1">
+                        <a:avLst/>
+                      </a:prstGeom>
+                      <a:ln w="19050">
+                        <a:tailEnd type="triangle"/>
+                      </a:ln>
+                    </p:spPr>
+                    <p:style>
+                      <a:lnRef idx="1">
+                        <a:schemeClr val="dk1"/>
+                      </a:lnRef>
+                      <a:fillRef idx="0">
+                        <a:schemeClr val="dk1"/>
+                      </a:fillRef>
+                      <a:effectRef idx="0">
+                        <a:schemeClr val="dk1"/>
+                      </a:effectRef>
+                      <a:fontRef idx="minor">
+                        <a:schemeClr val="tx1"/>
+                      </a:fontRef>
+                    </p:style>
+                  </p:cxnSp>
+                  <p:cxnSp>
+                    <p:nvCxnSpPr>
+                      <p:cNvPr id="98" name="直接箭头连接符 124">
+                        <a:extLst>
+                          <a:ext uri="{FF2B5EF4-FFF2-40B4-BE49-F238E27FC236}">
+                            <a16:creationId xmlns:a16="http://schemas.microsoft.com/office/drawing/2014/main" id="{03130023-DD7F-C94D-89C7-9F4BC3FF8F9B}"/>
+                          </a:ext>
+                        </a:extLst>
+                      </p:cNvPr>
+                      <p:cNvCxnSpPr>
+                        <a:cxnSpLocks/>
+                      </p:cNvCxnSpPr>
+                      <p:nvPr/>
+                    </p:nvCxnSpPr>
+                    <p:spPr>
+                      <a:xfrm>
+                        <a:off x="6633398" y="1527776"/>
+                        <a:ext cx="0" cy="185678"/>
+                      </a:xfrm>
+                      <a:prstGeom prst="straightConnector1">
+                        <a:avLst/>
+                      </a:prstGeom>
+                      <a:ln w="19050">
+                        <a:tailEnd type="triangle"/>
+                      </a:ln>
+                    </p:spPr>
+                    <p:style>
+                      <a:lnRef idx="1">
+                        <a:schemeClr val="dk1"/>
+                      </a:lnRef>
+                      <a:fillRef idx="0">
+                        <a:schemeClr val="dk1"/>
+                      </a:fillRef>
+                      <a:effectRef idx="0">
+                        <a:schemeClr val="dk1"/>
+                      </a:effectRef>
+                      <a:fontRef idx="minor">
+                        <a:schemeClr val="tx1"/>
+                      </a:fontRef>
+                    </p:style>
+                  </p:cxnSp>
+                  <p:cxnSp>
+                    <p:nvCxnSpPr>
+                      <p:cNvPr id="99" name="直接连接符 126">
+                        <a:extLst>
+                          <a:ext uri="{FF2B5EF4-FFF2-40B4-BE49-F238E27FC236}">
+                            <a16:creationId xmlns:a16="http://schemas.microsoft.com/office/drawing/2014/main" id="{7E1C9372-2B06-F44D-AC01-FA8DEAA906B6}"/>
+                          </a:ext>
+                        </a:extLst>
+                      </p:cNvPr>
+                      <p:cNvCxnSpPr>
+                        <a:cxnSpLocks/>
+                      </p:cNvCxnSpPr>
+                      <p:nvPr/>
+                    </p:nvCxnSpPr>
+                    <p:spPr>
+                      <a:xfrm>
+                        <a:off x="3981448" y="1511301"/>
+                        <a:ext cx="5265686" cy="10745"/>
+                      </a:xfrm>
+                      <a:prstGeom prst="line">
+                        <a:avLst/>
+                      </a:prstGeom>
+                      <a:ln w="19050"/>
+                    </p:spPr>
+                    <p:style>
+                      <a:lnRef idx="1">
+                        <a:schemeClr val="dk1"/>
+                      </a:lnRef>
+                      <a:fillRef idx="0">
+                        <a:schemeClr val="dk1"/>
+                      </a:fillRef>
+                      <a:effectRef idx="0">
+                        <a:schemeClr val="dk1"/>
+                      </a:effectRef>
+                      <a:fontRef idx="minor">
+                        <a:schemeClr val="tx1"/>
+                      </a:fontRef>
+                    </p:style>
+                  </p:cxnSp>
+                </p:grpSp>
+              </p:grpSp>
+              <p:sp>
+                <p:nvSpPr>
+                  <p:cNvPr id="32" name="文本框 31">
+                    <a:extLst>
+                      <a:ext uri="{FF2B5EF4-FFF2-40B4-BE49-F238E27FC236}">
+                        <a16:creationId xmlns:a16="http://schemas.microsoft.com/office/drawing/2014/main" id="{5016F6D9-08A8-D743-8908-46BDB5A69986}"/>
+                      </a:ext>
+                    </a:extLst>
+                  </p:cNvPr>
+                  <p:cNvSpPr txBox="1"/>
+                  <p:nvPr/>
+                </p:nvSpPr>
+                <p:spPr>
+                  <a:xfrm>
+                    <a:off x="2432407" y="5949587"/>
+                    <a:ext cx="4162792" cy="362576"/>
+                  </a:xfrm>
+                  <a:prstGeom prst="rect">
+                    <a:avLst/>
+                  </a:prstGeom>
+                  <a:solidFill>
+                    <a:srgbClr val="4F81BD"/>
+                  </a:solidFill>
+                </p:spPr>
+                <p:txBody>
+                  <a:bodyPr wrap="square" rtlCol="0">
+                    <a:spAutoFit/>
+                  </a:bodyPr>
+                  <a:lstStyle/>
+                  <a:p>
+                    <a:pPr algn="ctr"/>
+                    <a:r>
+                      <a:rPr lang="en-US" altLang="zh-CN" sz="1600" dirty="0">
+                        <a:solidFill>
+                          <a:schemeClr val="bg1"/>
+                        </a:solidFill>
+                        <a:latin typeface="微软雅黑" panose="020B0503020204020204" pitchFamily="34" charset="-122"/>
+                        <a:ea typeface="微软雅黑" panose="020B0503020204020204" pitchFamily="34" charset="-122"/>
+                      </a:rPr>
+                      <a:t>How to detect it and prevent it</a:t>
+                    </a:r>
+                    <a:endParaRPr lang="zh-CN" altLang="en-US" sz="1600" dirty="0">
+                      <a:solidFill>
+                        <a:schemeClr val="bg1"/>
+                      </a:solidFill>
+                      <a:latin typeface="微软雅黑" panose="020B0503020204020204" pitchFamily="34" charset="-122"/>
+                      <a:ea typeface="微软雅黑" panose="020B0503020204020204" pitchFamily="34" charset="-122"/>
+                    </a:endParaRPr>
+                  </a:p>
+                </p:txBody>
+              </p:sp>
+              <p:sp>
+                <p:nvSpPr>
+                  <p:cNvPr id="33" name="文本框 32">
+                    <a:extLst>
+                      <a:ext uri="{FF2B5EF4-FFF2-40B4-BE49-F238E27FC236}">
+                        <a16:creationId xmlns:a16="http://schemas.microsoft.com/office/drawing/2014/main" id="{4FF2A216-1AF3-DD4C-B8FA-B708A6304528}"/>
+                      </a:ext>
+                    </a:extLst>
+                  </p:cNvPr>
+                  <p:cNvSpPr txBox="1"/>
+                  <p:nvPr/>
+                </p:nvSpPr>
+                <p:spPr>
+                  <a:xfrm>
+                    <a:off x="3085652" y="7169956"/>
+                    <a:ext cx="2822582" cy="626268"/>
+                  </a:xfrm>
+                  <a:prstGeom prst="rect">
+                    <a:avLst/>
+                  </a:prstGeom>
+                  <a:solidFill>
+                    <a:srgbClr val="4F81BD"/>
+                  </a:solidFill>
+                </p:spPr>
+                <p:txBody>
+                  <a:bodyPr wrap="square" rtlCol="0">
+                    <a:spAutoFit/>
+                  </a:bodyPr>
+                  <a:lstStyle/>
+                  <a:p>
+                    <a:pPr algn="ctr"/>
+                    <a:r>
+                      <a:rPr lang="zh-CN" altLang="en-US" sz="1600" dirty="0">
+                        <a:solidFill>
+                          <a:schemeClr val="bg1"/>
+                        </a:solidFill>
+                        <a:latin typeface="微软雅黑" panose="020B0503020204020204" pitchFamily="34" charset="-122"/>
+                        <a:ea typeface="微软雅黑" panose="020B0503020204020204" pitchFamily="34" charset="-122"/>
+                      </a:rPr>
+                      <a:t>  </a:t>
+                    </a:r>
+                    <a:r>
+                      <a:rPr lang="en-US" altLang="zh-CN" sz="1600" dirty="0">
+                        <a:solidFill>
+                          <a:schemeClr val="bg1"/>
+                        </a:solidFill>
+                        <a:latin typeface="微软雅黑" panose="020B0503020204020204" pitchFamily="34" charset="-122"/>
+                        <a:ea typeface="微软雅黑" panose="020B0503020204020204" pitchFamily="34" charset="-122"/>
+                      </a:rPr>
+                      <a:t>Lessons Learned and</a:t>
+                    </a:r>
+                    <a:r>
+                      <a:rPr lang="zh-CN" altLang="en-US" sz="1600" dirty="0">
+                        <a:solidFill>
+                          <a:schemeClr val="bg1"/>
+                        </a:solidFill>
+                        <a:latin typeface="微软雅黑" panose="020B0503020204020204" pitchFamily="34" charset="-122"/>
+                        <a:ea typeface="微软雅黑" panose="020B0503020204020204" pitchFamily="34" charset="-122"/>
+                      </a:rPr>
+                      <a:t> </a:t>
+                    </a:r>
+                    <a:r>
+                      <a:rPr lang="en-US" altLang="zh-CN" sz="1600" dirty="0">
+                        <a:solidFill>
+                          <a:schemeClr val="bg1"/>
+                        </a:solidFill>
+                        <a:latin typeface="微软雅黑" panose="020B0503020204020204" pitchFamily="34" charset="-122"/>
+                        <a:ea typeface="微软雅黑" panose="020B0503020204020204" pitchFamily="34" charset="-122"/>
+                      </a:rPr>
+                      <a:t>Conclusion</a:t>
+                    </a:r>
+                    <a:endParaRPr lang="zh-CN" altLang="en-US" sz="1600" dirty="0">
+                      <a:solidFill>
+                        <a:schemeClr val="bg1"/>
+                      </a:solidFill>
+                      <a:latin typeface="微软雅黑" panose="020B0503020204020204" pitchFamily="34" charset="-122"/>
+                      <a:ea typeface="微软雅黑" panose="020B0503020204020204" pitchFamily="34" charset="-122"/>
+                    </a:endParaRPr>
+                  </a:p>
+                </p:txBody>
+              </p:sp>
+              <p:sp>
+                <p:nvSpPr>
+                  <p:cNvPr id="34" name="文本框 33">
+                    <a:extLst>
+                      <a:ext uri="{FF2B5EF4-FFF2-40B4-BE49-F238E27FC236}">
+                        <a16:creationId xmlns:a16="http://schemas.microsoft.com/office/drawing/2014/main" id="{1BACE2AA-7E0F-7A4F-B9BF-D47891DF80A2}"/>
+                      </a:ext>
+                    </a:extLst>
+                  </p:cNvPr>
+                  <p:cNvSpPr txBox="1"/>
+                  <p:nvPr/>
+                </p:nvSpPr>
+                <p:spPr>
+                  <a:xfrm>
+                    <a:off x="8009454" y="2315005"/>
+                    <a:ext cx="2180792" cy="461461"/>
+                  </a:xfrm>
+                  <a:prstGeom prst="rect">
+                    <a:avLst/>
+                  </a:prstGeom>
+                  <a:solidFill>
+                    <a:srgbClr val="C2C2C2"/>
+                  </a:solidFill>
+                </p:spPr>
+                <p:txBody>
+                  <a:bodyPr wrap="square" rtlCol="0">
+                    <a:spAutoFit/>
+                  </a:bodyPr>
+                  <a:lstStyle/>
+                  <a:p>
+                    <a:pPr algn="ctr"/>
+                    <a:r>
+                      <a:rPr lang="zh-CN" altLang="en-US" sz="1100" b="1" dirty="0">
+                        <a:latin typeface="微软雅黑" panose="020B0503020204020204" pitchFamily="34" charset="-122"/>
+                        <a:ea typeface="微软雅黑" panose="020B0503020204020204" pitchFamily="34" charset="-122"/>
+                      </a:rPr>
+                      <a:t>  </a:t>
+                    </a:r>
+                    <a:r>
+                      <a:rPr lang="en-US" altLang="zh-CN" sz="1100" b="1" dirty="0">
+                        <a:latin typeface="微软雅黑" panose="020B0503020204020204" pitchFamily="34" charset="-122"/>
+                        <a:ea typeface="微软雅黑" panose="020B0503020204020204" pitchFamily="34" charset="-122"/>
+                      </a:rPr>
+                      <a:t>Understanding more about IoT Botnet</a:t>
+                    </a:r>
+                    <a:endParaRPr lang="zh-CN" altLang="en-US" sz="1100" b="1" dirty="0">
+                      <a:latin typeface="微软雅黑" panose="020B0503020204020204" pitchFamily="34" charset="-122"/>
+                      <a:ea typeface="微软雅黑" panose="020B0503020204020204" pitchFamily="34" charset="-122"/>
+                    </a:endParaRPr>
+                  </a:p>
+                </p:txBody>
+              </p:sp>
+              <p:sp>
+                <p:nvSpPr>
+                  <p:cNvPr id="35" name="文本框 34">
+                    <a:extLst>
+                      <a:ext uri="{FF2B5EF4-FFF2-40B4-BE49-F238E27FC236}">
+                        <a16:creationId xmlns:a16="http://schemas.microsoft.com/office/drawing/2014/main" id="{76E4A9EA-B938-AE46-97DA-A901F3654765}"/>
+                      </a:ext>
+                    </a:extLst>
+                  </p:cNvPr>
+                  <p:cNvSpPr txBox="1"/>
+                  <p:nvPr/>
+                </p:nvSpPr>
+                <p:spPr>
+                  <a:xfrm>
+                    <a:off x="8004607" y="2967651"/>
+                    <a:ext cx="2166427" cy="824037"/>
+                  </a:xfrm>
+                  <a:prstGeom prst="rect">
+                    <a:avLst/>
+                  </a:prstGeom>
+                  <a:solidFill>
+                    <a:srgbClr val="C2C2C2"/>
+                  </a:solidFill>
+                </p:spPr>
+                <p:txBody>
+                  <a:bodyPr wrap="square" rtlCol="0">
+                    <a:spAutoFit/>
+                  </a:bodyPr>
+                  <a:lstStyle/>
+                  <a:p>
+                    <a:pPr algn="ctr"/>
+                    <a:r>
+                      <a:rPr lang="en-US" altLang="zh-CN" sz="1100" b="1" dirty="0">
+                        <a:latin typeface="微软雅黑" panose="020B0503020204020204" pitchFamily="34" charset="-122"/>
+                        <a:ea typeface="微软雅黑" panose="020B0503020204020204" pitchFamily="34" charset="-122"/>
+                      </a:rPr>
+                      <a:t>Learning the way to detect IoT Botnet IoT Devices and how to prevent it</a:t>
+                    </a:r>
+                    <a:endParaRPr lang="zh-CN" altLang="en-US" sz="1100" b="1" dirty="0">
+                      <a:latin typeface="微软雅黑" panose="020B0503020204020204" pitchFamily="34" charset="-122"/>
+                      <a:ea typeface="微软雅黑" panose="020B0503020204020204" pitchFamily="34" charset="-122"/>
+                    </a:endParaRPr>
+                  </a:p>
+                </p:txBody>
+              </p:sp>
+              <p:cxnSp>
+                <p:nvCxnSpPr>
+                  <p:cNvPr id="36" name="直接箭头连接符 38">
+                    <a:extLst>
+                      <a:ext uri="{FF2B5EF4-FFF2-40B4-BE49-F238E27FC236}">
+                        <a16:creationId xmlns:a16="http://schemas.microsoft.com/office/drawing/2014/main" id="{5F985371-CD79-864E-AE80-3B7B63348DD4}"/>
+                      </a:ext>
+                    </a:extLst>
+                  </p:cNvPr>
+                  <p:cNvCxnSpPr>
+                    <a:cxnSpLocks/>
+                  </p:cNvCxnSpPr>
+                  <p:nvPr/>
+                </p:nvCxnSpPr>
+                <p:spPr>
+                  <a:xfrm>
+                    <a:off x="4675829" y="5215065"/>
+                    <a:ext cx="0" cy="734522"/>
+                  </a:xfrm>
+                  <a:prstGeom prst="straightConnector1">
+                    <a:avLst/>
+                  </a:prstGeom>
+                  <a:ln w="19050">
+                    <a:tailEnd type="triangle"/>
+                  </a:ln>
+                </p:spPr>
+                <p:style>
+                  <a:lnRef idx="1">
+                    <a:schemeClr val="dk1"/>
+                  </a:lnRef>
+                  <a:fillRef idx="0">
+                    <a:schemeClr val="dk1"/>
+                  </a:fillRef>
+                  <a:effectRef idx="0">
+                    <a:schemeClr val="dk1"/>
+                  </a:effectRef>
+                  <a:fontRef idx="minor">
+                    <a:schemeClr val="tx1"/>
+                  </a:fontRef>
+                </p:style>
+              </p:cxnSp>
+              <p:cxnSp>
+                <p:nvCxnSpPr>
+                  <p:cNvPr id="37" name="直接箭头连接符 39">
+                    <a:extLst>
+                      <a:ext uri="{FF2B5EF4-FFF2-40B4-BE49-F238E27FC236}">
+                        <a16:creationId xmlns:a16="http://schemas.microsoft.com/office/drawing/2014/main" id="{847CC312-AFB1-4549-ACB3-D2A3EF148F81}"/>
+                      </a:ext>
+                    </a:extLst>
+                  </p:cNvPr>
+                  <p:cNvCxnSpPr>
+                    <a:cxnSpLocks/>
+                  </p:cNvCxnSpPr>
+                  <p:nvPr/>
+                </p:nvCxnSpPr>
+                <p:spPr>
+                  <a:xfrm>
+                    <a:off x="4675829" y="6326613"/>
+                    <a:ext cx="0" cy="809406"/>
+                  </a:xfrm>
+                  <a:prstGeom prst="straightConnector1">
+                    <a:avLst/>
+                  </a:prstGeom>
+                  <a:ln w="19050">
+                    <a:tailEnd type="triangle"/>
+                  </a:ln>
+                </p:spPr>
+                <p:style>
+                  <a:lnRef idx="1">
+                    <a:schemeClr val="dk1"/>
+                  </a:lnRef>
+                  <a:fillRef idx="0">
+                    <a:schemeClr val="dk1"/>
+                  </a:fillRef>
+                  <a:effectRef idx="0">
+                    <a:schemeClr val="dk1"/>
+                  </a:effectRef>
+                  <a:fontRef idx="minor">
+                    <a:schemeClr val="tx1"/>
+                  </a:fontRef>
+                </p:style>
+              </p:cxnSp>
+              <p:sp>
+                <p:nvSpPr>
+                  <p:cNvPr id="38" name="文本框 37">
+                    <a:extLst>
+                      <a:ext uri="{FF2B5EF4-FFF2-40B4-BE49-F238E27FC236}">
+                        <a16:creationId xmlns:a16="http://schemas.microsoft.com/office/drawing/2014/main" id="{598A2AE0-19BF-AA4A-9994-726790DE3D6A}"/>
+                      </a:ext>
+                    </a:extLst>
+                  </p:cNvPr>
+                  <p:cNvSpPr txBox="1"/>
+                  <p:nvPr/>
+                </p:nvSpPr>
+                <p:spPr>
+                  <a:xfrm>
+                    <a:off x="1654624" y="1885464"/>
+                    <a:ext cx="1208526" cy="329615"/>
+                  </a:xfrm>
+                  <a:prstGeom prst="rect">
+                    <a:avLst/>
+                  </a:prstGeom>
+                  <a:solidFill>
+                    <a:srgbClr val="C2C2C2"/>
+                  </a:solidFill>
+                </p:spPr>
+                <p:txBody>
+                  <a:bodyPr wrap="square" rtlCol="0">
+                    <a:spAutoFit/>
+                  </a:bodyPr>
+                  <a:lstStyle/>
+                  <a:p>
+                    <a:pPr algn="ctr"/>
+                    <a:r>
+                      <a:rPr lang="en-US" altLang="zh-CN" sz="1400" b="1" dirty="0">
+                        <a:latin typeface="微软雅黑" panose="020B0503020204020204" pitchFamily="34" charset="-122"/>
+                        <a:ea typeface="微软雅黑" panose="020B0503020204020204" pitchFamily="34" charset="-122"/>
+                      </a:rPr>
+                      <a:t>IoT</a:t>
+                    </a:r>
+                    <a:endParaRPr lang="zh-CN" altLang="en-US" sz="1400" b="1" dirty="0">
+                      <a:latin typeface="微软雅黑" panose="020B0503020204020204" pitchFamily="34" charset="-122"/>
+                      <a:ea typeface="微软雅黑" panose="020B0503020204020204" pitchFamily="34" charset="-122"/>
+                    </a:endParaRPr>
+                  </a:p>
+                </p:txBody>
+              </p:sp>
+              <p:sp>
+                <p:nvSpPr>
+                  <p:cNvPr id="39" name="文本框 38">
+                    <a:extLst>
+                      <a:ext uri="{FF2B5EF4-FFF2-40B4-BE49-F238E27FC236}">
+                        <a16:creationId xmlns:a16="http://schemas.microsoft.com/office/drawing/2014/main" id="{0D234AEB-12D6-FF43-AE55-2483430F1F8B}"/>
+                      </a:ext>
+                    </a:extLst>
+                  </p:cNvPr>
+                  <p:cNvSpPr txBox="1"/>
+                  <p:nvPr/>
+                </p:nvSpPr>
+                <p:spPr>
+                  <a:xfrm>
+                    <a:off x="3085650" y="1879242"/>
+                    <a:ext cx="1590179" cy="329615"/>
+                  </a:xfrm>
+                  <a:prstGeom prst="rect">
+                    <a:avLst/>
+                  </a:prstGeom>
+                  <a:solidFill>
+                    <a:srgbClr val="C2C2C2"/>
+                  </a:solidFill>
+                </p:spPr>
+                <p:txBody>
+                  <a:bodyPr wrap="square" rtlCol="0">
+                    <a:spAutoFit/>
+                  </a:bodyPr>
+                  <a:lstStyle/>
+                  <a:p>
+                    <a:pPr algn="ctr"/>
+                    <a:r>
+                      <a:rPr lang="en-US" altLang="zh-CN" sz="1400" b="1" dirty="0">
+                        <a:latin typeface="微软雅黑" panose="020B0503020204020204" pitchFamily="34" charset="-122"/>
+                        <a:ea typeface="微软雅黑" panose="020B0503020204020204" pitchFamily="34" charset="-122"/>
+                      </a:rPr>
+                      <a:t>Botnet</a:t>
+                    </a:r>
+                    <a:endParaRPr lang="zh-CN" altLang="en-US" sz="1400" b="1" dirty="0">
+                      <a:latin typeface="微软雅黑" panose="020B0503020204020204" pitchFamily="34" charset="-122"/>
+                      <a:ea typeface="微软雅黑" panose="020B0503020204020204" pitchFamily="34" charset="-122"/>
+                    </a:endParaRPr>
+                  </a:p>
+                </p:txBody>
+              </p:sp>
+              <p:sp>
+                <p:nvSpPr>
+                  <p:cNvPr id="40" name="文本框 39">
+                    <a:extLst>
+                      <a:ext uri="{FF2B5EF4-FFF2-40B4-BE49-F238E27FC236}">
+                        <a16:creationId xmlns:a16="http://schemas.microsoft.com/office/drawing/2014/main" id="{271FA101-043A-6745-83DA-46B65F3FE471}"/>
+                      </a:ext>
+                    </a:extLst>
+                  </p:cNvPr>
+                  <p:cNvSpPr txBox="1"/>
+                  <p:nvPr/>
+                </p:nvSpPr>
+                <p:spPr>
+                  <a:xfrm>
+                    <a:off x="4837953" y="1882359"/>
+                    <a:ext cx="1477402" cy="329615"/>
+                  </a:xfrm>
+                  <a:prstGeom prst="rect">
+                    <a:avLst/>
+                  </a:prstGeom>
+                  <a:solidFill>
+                    <a:srgbClr val="C2C2C2"/>
+                  </a:solidFill>
+                </p:spPr>
+                <p:txBody>
+                  <a:bodyPr wrap="square" rtlCol="0">
+                    <a:spAutoFit/>
+                  </a:bodyPr>
+                  <a:lstStyle/>
+                  <a:p>
+                    <a:pPr algn="ctr"/>
+                    <a:r>
+                      <a:rPr lang="en-US" altLang="zh-CN" sz="1400" b="1" dirty="0" err="1">
+                        <a:latin typeface="微软雅黑" panose="020B0503020204020204" pitchFamily="34" charset="-122"/>
+                        <a:ea typeface="微软雅黑" panose="020B0503020204020204" pitchFamily="34" charset="-122"/>
+                      </a:rPr>
+                      <a:t>Mirai</a:t>
+                    </a:r>
+                    <a:r>
+                      <a:rPr lang="en-US" altLang="zh-CN" sz="1400" b="1" dirty="0">
+                        <a:latin typeface="微软雅黑" panose="020B0503020204020204" pitchFamily="34" charset="-122"/>
+                        <a:ea typeface="微软雅黑" panose="020B0503020204020204" pitchFamily="34" charset="-122"/>
+                      </a:rPr>
+                      <a:t> Botnet</a:t>
+                    </a:r>
+                    <a:endParaRPr lang="zh-CN" altLang="en-US" sz="1400" b="1" dirty="0">
+                      <a:latin typeface="微软雅黑" panose="020B0503020204020204" pitchFamily="34" charset="-122"/>
+                      <a:ea typeface="微软雅黑" panose="020B0503020204020204" pitchFamily="34" charset="-122"/>
+                    </a:endParaRPr>
+                  </a:p>
+                </p:txBody>
+              </p:sp>
+              <p:grpSp>
+                <p:nvGrpSpPr>
+                  <p:cNvPr id="41" name="组合 40">
+                    <a:extLst>
+                      <a:ext uri="{FF2B5EF4-FFF2-40B4-BE49-F238E27FC236}">
+                        <a16:creationId xmlns:a16="http://schemas.microsoft.com/office/drawing/2014/main" id="{0B3C419A-6788-C84F-85F3-EAC240303964}"/>
+                      </a:ext>
+                    </a:extLst>
+                  </p:cNvPr>
+                  <p:cNvGrpSpPr/>
+                  <p:nvPr/>
+                </p:nvGrpSpPr>
+                <p:grpSpPr>
+                  <a:xfrm>
+                    <a:off x="2334842" y="1718296"/>
+                    <a:ext cx="4810126" cy="198378"/>
+                    <a:chOff x="3981448" y="1504950"/>
+                    <a:chExt cx="4810126" cy="198378"/>
+                  </a:xfrm>
+                </p:grpSpPr>
                 <p:cxnSp>
                   <p:nvCxnSpPr>
-                    <p:cNvPr id="98" name="直接箭头连接符 124">
+                    <p:cNvPr id="83" name="直接箭头连接符 108">
                       <a:extLst>
                         <a:ext uri="{FF2B5EF4-FFF2-40B4-BE49-F238E27FC236}">
-                          <a16:creationId xmlns:a16="http://schemas.microsoft.com/office/drawing/2014/main" id="{03130023-DD7F-C94D-89C7-9F4BC3FF8F9B}"/>
+                          <a16:creationId xmlns:a16="http://schemas.microsoft.com/office/drawing/2014/main" id="{C510F884-3B62-C14C-8D15-914F3111D81B}"/>
                         </a:ext>
                       </a:extLst>
                     </p:cNvPr>
@@ -8067,7 +8642,7 @@
                   </p:nvCxnSpPr>
                   <p:spPr>
                     <a:xfrm>
-                      <a:off x="6633398" y="1527776"/>
+                      <a:off x="8778874" y="1517650"/>
                       <a:ext cx="0" cy="185678"/>
                     </a:xfrm>
                     <a:prstGeom prst="straightConnector1">
@@ -8092,12 +8667,175 @@
                     </a:fontRef>
                   </p:style>
                 </p:cxnSp>
+                <p:grpSp>
+                  <p:nvGrpSpPr>
+                    <p:cNvPr id="84" name="组合 83">
+                      <a:extLst>
+                        <a:ext uri="{FF2B5EF4-FFF2-40B4-BE49-F238E27FC236}">
+                          <a16:creationId xmlns:a16="http://schemas.microsoft.com/office/drawing/2014/main" id="{8D066095-7139-6F48-B7A6-B198614FF627}"/>
+                        </a:ext>
+                      </a:extLst>
+                    </p:cNvPr>
+                    <p:cNvGrpSpPr/>
+                    <p:nvPr/>
+                  </p:nvGrpSpPr>
+                  <p:grpSpPr>
+                    <a:xfrm>
+                      <a:off x="3981448" y="1504950"/>
+                      <a:ext cx="4810126" cy="198378"/>
+                      <a:chOff x="3981448" y="1504950"/>
+                      <a:chExt cx="4810126" cy="198378"/>
+                    </a:xfrm>
+                  </p:grpSpPr>
+                  <p:cxnSp>
+                    <p:nvCxnSpPr>
+                      <p:cNvPr id="85" name="直接箭头连接符 110">
+                        <a:extLst>
+                          <a:ext uri="{FF2B5EF4-FFF2-40B4-BE49-F238E27FC236}">
+                            <a16:creationId xmlns:a16="http://schemas.microsoft.com/office/drawing/2014/main" id="{7F45F655-DCBC-114A-8788-8E57C0C1BE20}"/>
+                          </a:ext>
+                        </a:extLst>
+                      </p:cNvPr>
+                      <p:cNvCxnSpPr>
+                        <a:cxnSpLocks/>
+                      </p:cNvCxnSpPr>
+                      <p:nvPr/>
+                    </p:nvCxnSpPr>
+                    <p:spPr>
+                      <a:xfrm>
+                        <a:off x="3994145" y="1504950"/>
+                        <a:ext cx="0" cy="185678"/>
+                      </a:xfrm>
+                      <a:prstGeom prst="straightConnector1">
+                        <a:avLst/>
+                      </a:prstGeom>
+                      <a:ln w="19050">
+                        <a:tailEnd type="triangle"/>
+                      </a:ln>
+                    </p:spPr>
+                    <p:style>
+                      <a:lnRef idx="1">
+                        <a:schemeClr val="dk1"/>
+                      </a:lnRef>
+                      <a:fillRef idx="0">
+                        <a:schemeClr val="dk1"/>
+                      </a:fillRef>
+                      <a:effectRef idx="0">
+                        <a:schemeClr val="dk1"/>
+                      </a:effectRef>
+                      <a:fontRef idx="minor">
+                        <a:schemeClr val="tx1"/>
+                      </a:fontRef>
+                    </p:style>
+                  </p:cxnSp>
+                  <p:cxnSp>
+                    <p:nvCxnSpPr>
+                      <p:cNvPr id="86" name="直接箭头连接符 112">
+                        <a:extLst>
+                          <a:ext uri="{FF2B5EF4-FFF2-40B4-BE49-F238E27FC236}">
+                            <a16:creationId xmlns:a16="http://schemas.microsoft.com/office/drawing/2014/main" id="{6ED12E17-62AA-2340-BFD6-6C314127F15F}"/>
+                          </a:ext>
+                        </a:extLst>
+                      </p:cNvPr>
+                      <p:cNvCxnSpPr>
+                        <a:cxnSpLocks/>
+                      </p:cNvCxnSpPr>
+                      <p:nvPr/>
+                    </p:nvCxnSpPr>
+                    <p:spPr>
+                      <a:xfrm>
+                        <a:off x="5608962" y="1517650"/>
+                        <a:ext cx="0" cy="185678"/>
+                      </a:xfrm>
+                      <a:prstGeom prst="straightConnector1">
+                        <a:avLst/>
+                      </a:prstGeom>
+                      <a:ln w="19050">
+                        <a:tailEnd type="triangle"/>
+                      </a:ln>
+                    </p:spPr>
+                    <p:style>
+                      <a:lnRef idx="1">
+                        <a:schemeClr val="dk1"/>
+                      </a:lnRef>
+                      <a:fillRef idx="0">
+                        <a:schemeClr val="dk1"/>
+                      </a:fillRef>
+                      <a:effectRef idx="0">
+                        <a:schemeClr val="dk1"/>
+                      </a:effectRef>
+                      <a:fontRef idx="minor">
+                        <a:schemeClr val="tx1"/>
+                      </a:fontRef>
+                    </p:style>
+                  </p:cxnSp>
+                  <p:cxnSp>
+                    <p:nvCxnSpPr>
+                      <p:cNvPr id="87" name="直接连接符 113">
+                        <a:extLst>
+                          <a:ext uri="{FF2B5EF4-FFF2-40B4-BE49-F238E27FC236}">
+                            <a16:creationId xmlns:a16="http://schemas.microsoft.com/office/drawing/2014/main" id="{67FA59F9-CAC3-3440-9527-7E560FD3C8D8}"/>
+                          </a:ext>
+                        </a:extLst>
+                      </p:cNvPr>
+                      <p:cNvCxnSpPr>
+                        <a:cxnSpLocks/>
+                      </p:cNvCxnSpPr>
+                      <p:nvPr/>
+                    </p:nvCxnSpPr>
+                    <p:spPr>
+                      <a:xfrm>
+                        <a:off x="3981448" y="1511300"/>
+                        <a:ext cx="4810126" cy="0"/>
+                      </a:xfrm>
+                      <a:prstGeom prst="line">
+                        <a:avLst/>
+                      </a:prstGeom>
+                      <a:ln w="19050"/>
+                    </p:spPr>
+                    <p:style>
+                      <a:lnRef idx="1">
+                        <a:schemeClr val="dk1"/>
+                      </a:lnRef>
+                      <a:fillRef idx="0">
+                        <a:schemeClr val="dk1"/>
+                      </a:fillRef>
+                      <a:effectRef idx="0">
+                        <a:schemeClr val="dk1"/>
+                      </a:effectRef>
+                      <a:fontRef idx="minor">
+                        <a:schemeClr val="tx1"/>
+                      </a:fontRef>
+                    </p:style>
+                  </p:cxnSp>
+                </p:grpSp>
+              </p:grpSp>
+              <p:grpSp>
+                <p:nvGrpSpPr>
+                  <p:cNvPr id="42" name="组合 41">
+                    <a:extLst>
+                      <a:ext uri="{FF2B5EF4-FFF2-40B4-BE49-F238E27FC236}">
+                        <a16:creationId xmlns:a16="http://schemas.microsoft.com/office/drawing/2014/main" id="{F8BD1F81-5160-B440-8A11-05D1E651DCDB}"/>
+                      </a:ext>
+                    </a:extLst>
+                  </p:cNvPr>
+                  <p:cNvGrpSpPr/>
+                  <p:nvPr/>
+                </p:nvGrpSpPr>
+                <p:grpSpPr>
+                  <a:xfrm>
+                    <a:off x="2310415" y="2164758"/>
+                    <a:ext cx="4810126" cy="198695"/>
+                    <a:chOff x="3994145" y="2004755"/>
+                    <a:chExt cx="4810126" cy="198695"/>
+                  </a:xfrm>
+                </p:grpSpPr>
                 <p:cxnSp>
                   <p:nvCxnSpPr>
-                    <p:cNvPr id="99" name="直接连接符 126">
+                    <p:cNvPr id="80" name="直接连接符 105">
                       <a:extLst>
                         <a:ext uri="{FF2B5EF4-FFF2-40B4-BE49-F238E27FC236}">
-                          <a16:creationId xmlns:a16="http://schemas.microsoft.com/office/drawing/2014/main" id="{7E1C9372-2B06-F44D-AC01-FA8DEAA906B6}"/>
+                          <a16:creationId xmlns:a16="http://schemas.microsoft.com/office/drawing/2014/main" id="{F23D999A-6D37-034B-9E5E-CD70862E93D0}"/>
                         </a:ext>
                       </a:extLst>
                     </p:cNvPr>
@@ -8108,8 +8846,86 @@
                   </p:nvCxnSpPr>
                   <p:spPr>
                     <a:xfrm>
-                      <a:off x="3981448" y="1511301"/>
-                      <a:ext cx="5265686" cy="10745"/>
+                      <a:off x="3994145" y="2203450"/>
+                      <a:ext cx="4810126" cy="0"/>
+                    </a:xfrm>
+                    <a:prstGeom prst="line">
+                      <a:avLst/>
+                    </a:prstGeom>
+                    <a:ln w="19050"/>
+                  </p:spPr>
+                  <p:style>
+                    <a:lnRef idx="1">
+                      <a:schemeClr val="dk1"/>
+                    </a:lnRef>
+                    <a:fillRef idx="0">
+                      <a:schemeClr val="dk1"/>
+                    </a:fillRef>
+                    <a:effectRef idx="0">
+                      <a:schemeClr val="dk1"/>
+                    </a:effectRef>
+                    <a:fontRef idx="minor">
+                      <a:schemeClr val="tx1"/>
+                    </a:fontRef>
+                  </p:style>
+                </p:cxnSp>
+                <p:cxnSp>
+                  <p:nvCxnSpPr>
+                    <p:cNvPr id="81" name="直接连接符 106">
+                      <a:extLst>
+                        <a:ext uri="{FF2B5EF4-FFF2-40B4-BE49-F238E27FC236}">
+                          <a16:creationId xmlns:a16="http://schemas.microsoft.com/office/drawing/2014/main" id="{43EC52DF-091C-A844-AF22-4063A4A4725D}"/>
+                        </a:ext>
+                      </a:extLst>
+                    </p:cNvPr>
+                    <p:cNvCxnSpPr>
+                      <a:cxnSpLocks/>
+                    </p:cNvCxnSpPr>
+                    <p:nvPr/>
+                  </p:nvCxnSpPr>
+                  <p:spPr>
+                    <a:xfrm>
+                      <a:off x="4003674" y="2017455"/>
+                      <a:ext cx="0" cy="185995"/>
+                    </a:xfrm>
+                    <a:prstGeom prst="line">
+                      <a:avLst/>
+                    </a:prstGeom>
+                    <a:ln w="19050"/>
+                  </p:spPr>
+                  <p:style>
+                    <a:lnRef idx="1">
+                      <a:schemeClr val="dk1"/>
+                    </a:lnRef>
+                    <a:fillRef idx="0">
+                      <a:schemeClr val="dk1"/>
+                    </a:fillRef>
+                    <a:effectRef idx="0">
+                      <a:schemeClr val="dk1"/>
+                    </a:effectRef>
+                    <a:fontRef idx="minor">
+                      <a:schemeClr val="tx1"/>
+                    </a:fontRef>
+                  </p:style>
+                </p:cxnSp>
+                <p:cxnSp>
+                  <p:nvCxnSpPr>
+                    <p:cNvPr id="82" name="直接连接符 107">
+                      <a:extLst>
+                        <a:ext uri="{FF2B5EF4-FFF2-40B4-BE49-F238E27FC236}">
+                          <a16:creationId xmlns:a16="http://schemas.microsoft.com/office/drawing/2014/main" id="{A2F8DA1B-7B0E-934B-931D-9DE5B39F9897}"/>
+                        </a:ext>
+                      </a:extLst>
+                    </p:cNvPr>
+                    <p:cNvCxnSpPr>
+                      <a:cxnSpLocks/>
+                    </p:cNvCxnSpPr>
+                    <p:nvPr/>
+                  </p:nvCxnSpPr>
+                  <p:spPr>
+                    <a:xfrm>
+                      <a:off x="8797924" y="2004755"/>
+                      <a:ext cx="0" cy="185995"/>
                     </a:xfrm>
                     <a:prstGeom prst="line">
                       <a:avLst/>
@@ -8132,478 +8948,22 @@
                   </p:style>
                 </p:cxnSp>
               </p:grpSp>
-            </p:grpSp>
-            <p:sp>
-              <p:nvSpPr>
-                <p:cNvPr id="32" name="文本框 31">
-                  <a:extLst>
-                    <a:ext uri="{FF2B5EF4-FFF2-40B4-BE49-F238E27FC236}">
-                      <a16:creationId xmlns:a16="http://schemas.microsoft.com/office/drawing/2014/main" id="{5016F6D9-08A8-D743-8908-46BDB5A69986}"/>
-                    </a:ext>
-                  </a:extLst>
-                </p:cNvPr>
-                <p:cNvSpPr txBox="1"/>
-                <p:nvPr/>
-              </p:nvSpPr>
-              <p:spPr>
-                <a:xfrm>
-                  <a:off x="2432407" y="5949587"/>
-                  <a:ext cx="4162792" cy="362576"/>
-                </a:xfrm>
-                <a:prstGeom prst="rect">
-                  <a:avLst/>
-                </a:prstGeom>
-                <a:solidFill>
-                  <a:srgbClr val="4F81BD"/>
-                </a:solidFill>
-              </p:spPr>
-              <p:txBody>
-                <a:bodyPr wrap="square" rtlCol="0">
-                  <a:spAutoFit/>
-                </a:bodyPr>
-                <a:lstStyle/>
-                <a:p>
-                  <a:pPr algn="ctr"/>
-                  <a:r>
-                    <a:rPr lang="en-US" altLang="zh-CN" sz="1600" dirty="0">
-                      <a:solidFill>
-                        <a:schemeClr val="bg1"/>
-                      </a:solidFill>
-                      <a:latin typeface="微软雅黑" panose="020B0503020204020204" pitchFamily="34" charset="-122"/>
-                      <a:ea typeface="微软雅黑" panose="020B0503020204020204" pitchFamily="34" charset="-122"/>
-                    </a:rPr>
-                    <a:t>How to detect it and prevent it</a:t>
-                  </a:r>
-                  <a:endParaRPr lang="zh-CN" altLang="en-US" sz="1600" dirty="0">
-                    <a:solidFill>
-                      <a:schemeClr val="bg1"/>
-                    </a:solidFill>
-                    <a:latin typeface="微软雅黑" panose="020B0503020204020204" pitchFamily="34" charset="-122"/>
-                    <a:ea typeface="微软雅黑" panose="020B0503020204020204" pitchFamily="34" charset="-122"/>
-                  </a:endParaRPr>
-                </a:p>
-              </p:txBody>
-            </p:sp>
-            <p:sp>
-              <p:nvSpPr>
-                <p:cNvPr id="33" name="文本框 32">
-                  <a:extLst>
-                    <a:ext uri="{FF2B5EF4-FFF2-40B4-BE49-F238E27FC236}">
-                      <a16:creationId xmlns:a16="http://schemas.microsoft.com/office/drawing/2014/main" id="{4FF2A216-1AF3-DD4C-B8FA-B708A6304528}"/>
-                    </a:ext>
-                  </a:extLst>
-                </p:cNvPr>
-                <p:cNvSpPr txBox="1"/>
-                <p:nvPr/>
-              </p:nvSpPr>
-              <p:spPr>
-                <a:xfrm>
-                  <a:off x="3085652" y="7169956"/>
-                  <a:ext cx="2822582" cy="362572"/>
-                </a:xfrm>
-                <a:prstGeom prst="rect">
-                  <a:avLst/>
-                </a:prstGeom>
-                <a:solidFill>
-                  <a:srgbClr val="4F81BD"/>
-                </a:solidFill>
-              </p:spPr>
-              <p:txBody>
-                <a:bodyPr wrap="square" rtlCol="0">
-                  <a:spAutoFit/>
-                </a:bodyPr>
-                <a:lstStyle/>
-                <a:p>
-                  <a:pPr algn="ctr"/>
-                  <a:r>
-                    <a:rPr lang="zh-CN" altLang="en-US" sz="1600" dirty="0">
-                      <a:solidFill>
-                        <a:schemeClr val="bg1"/>
-                      </a:solidFill>
-                      <a:latin typeface="微软雅黑" panose="020B0503020204020204" pitchFamily="34" charset="-122"/>
-                      <a:ea typeface="微软雅黑" panose="020B0503020204020204" pitchFamily="34" charset="-122"/>
-                    </a:rPr>
-                    <a:t>   </a:t>
-                  </a:r>
-                  <a:r>
-                    <a:rPr lang="en-US" altLang="zh-CN" sz="1600" dirty="0">
-                      <a:solidFill>
-                        <a:schemeClr val="bg1"/>
-                      </a:solidFill>
-                      <a:latin typeface="微软雅黑" panose="020B0503020204020204" pitchFamily="34" charset="-122"/>
-                      <a:ea typeface="微软雅黑" panose="020B0503020204020204" pitchFamily="34" charset="-122"/>
-                    </a:rPr>
-                    <a:t>Conclusion</a:t>
-                  </a:r>
-                  <a:endParaRPr lang="zh-CN" altLang="en-US" sz="1600" dirty="0">
-                    <a:solidFill>
-                      <a:schemeClr val="bg1"/>
-                    </a:solidFill>
-                    <a:latin typeface="微软雅黑" panose="020B0503020204020204" pitchFamily="34" charset="-122"/>
-                    <a:ea typeface="微软雅黑" panose="020B0503020204020204" pitchFamily="34" charset="-122"/>
-                  </a:endParaRPr>
-                </a:p>
-              </p:txBody>
-            </p:sp>
-            <p:sp>
-              <p:nvSpPr>
-                <p:cNvPr id="34" name="文本框 33">
-                  <a:extLst>
-                    <a:ext uri="{FF2B5EF4-FFF2-40B4-BE49-F238E27FC236}">
-                      <a16:creationId xmlns:a16="http://schemas.microsoft.com/office/drawing/2014/main" id="{1BACE2AA-7E0F-7A4F-B9BF-D47891DF80A2}"/>
-                    </a:ext>
-                  </a:extLst>
-                </p:cNvPr>
-                <p:cNvSpPr txBox="1"/>
-                <p:nvPr/>
-              </p:nvSpPr>
-              <p:spPr>
-                <a:xfrm>
-                  <a:off x="8009454" y="2315005"/>
-                  <a:ext cx="2180792" cy="461461"/>
-                </a:xfrm>
-                <a:prstGeom prst="rect">
-                  <a:avLst/>
-                </a:prstGeom>
-                <a:solidFill>
-                  <a:srgbClr val="C2C2C2"/>
-                </a:solidFill>
-              </p:spPr>
-              <p:txBody>
-                <a:bodyPr wrap="square" rtlCol="0">
-                  <a:spAutoFit/>
-                </a:bodyPr>
-                <a:lstStyle/>
-                <a:p>
-                  <a:pPr algn="ctr"/>
-                  <a:r>
-                    <a:rPr lang="zh-CN" altLang="en-US" sz="1100" b="1" dirty="0">
-                      <a:latin typeface="微软雅黑" panose="020B0503020204020204" pitchFamily="34" charset="-122"/>
-                      <a:ea typeface="微软雅黑" panose="020B0503020204020204" pitchFamily="34" charset="-122"/>
-                    </a:rPr>
-                    <a:t>  </a:t>
-                  </a:r>
-                  <a:r>
-                    <a:rPr lang="en-US" altLang="zh-CN" sz="1100" b="1" dirty="0">
-                      <a:latin typeface="微软雅黑" panose="020B0503020204020204" pitchFamily="34" charset="-122"/>
-                      <a:ea typeface="微软雅黑" panose="020B0503020204020204" pitchFamily="34" charset="-122"/>
-                    </a:rPr>
-                    <a:t>Understanding more about IoT Botnet</a:t>
-                  </a:r>
-                  <a:endParaRPr lang="zh-CN" altLang="en-US" sz="1100" b="1" dirty="0">
-                    <a:latin typeface="微软雅黑" panose="020B0503020204020204" pitchFamily="34" charset="-122"/>
-                    <a:ea typeface="微软雅黑" panose="020B0503020204020204" pitchFamily="34" charset="-122"/>
-                  </a:endParaRPr>
-                </a:p>
-              </p:txBody>
-            </p:sp>
-            <p:sp>
-              <p:nvSpPr>
-                <p:cNvPr id="35" name="文本框 34">
-                  <a:extLst>
-                    <a:ext uri="{FF2B5EF4-FFF2-40B4-BE49-F238E27FC236}">
-                      <a16:creationId xmlns:a16="http://schemas.microsoft.com/office/drawing/2014/main" id="{76E4A9EA-B938-AE46-97DA-A901F3654765}"/>
-                    </a:ext>
-                  </a:extLst>
-                </p:cNvPr>
-                <p:cNvSpPr txBox="1"/>
-                <p:nvPr/>
-              </p:nvSpPr>
-              <p:spPr>
-                <a:xfrm>
-                  <a:off x="8004607" y="2967651"/>
-                  <a:ext cx="2166427" cy="824037"/>
-                </a:xfrm>
-                <a:prstGeom prst="rect">
-                  <a:avLst/>
-                </a:prstGeom>
-                <a:solidFill>
-                  <a:srgbClr val="C2C2C2"/>
-                </a:solidFill>
-              </p:spPr>
-              <p:txBody>
-                <a:bodyPr wrap="square" rtlCol="0">
-                  <a:spAutoFit/>
-                </a:bodyPr>
-                <a:lstStyle/>
-                <a:p>
-                  <a:pPr algn="ctr"/>
-                  <a:r>
-                    <a:rPr lang="en-US" altLang="zh-CN" sz="1100" b="1" dirty="0">
-                      <a:latin typeface="微软雅黑" panose="020B0503020204020204" pitchFamily="34" charset="-122"/>
-                      <a:ea typeface="微软雅黑" panose="020B0503020204020204" pitchFamily="34" charset="-122"/>
-                    </a:rPr>
-                    <a:t>Learning the way to detect IoT Botnet IoT Devices and how to prevent it</a:t>
-                  </a:r>
-                  <a:endParaRPr lang="zh-CN" altLang="en-US" sz="1100" b="1" dirty="0">
-                    <a:latin typeface="微软雅黑" panose="020B0503020204020204" pitchFamily="34" charset="-122"/>
-                    <a:ea typeface="微软雅黑" panose="020B0503020204020204" pitchFamily="34" charset="-122"/>
-                  </a:endParaRPr>
-                </a:p>
-              </p:txBody>
-            </p:sp>
-            <p:cxnSp>
-              <p:nvCxnSpPr>
-                <p:cNvPr id="36" name="直接箭头连接符 38">
-                  <a:extLst>
-                    <a:ext uri="{FF2B5EF4-FFF2-40B4-BE49-F238E27FC236}">
-                      <a16:creationId xmlns:a16="http://schemas.microsoft.com/office/drawing/2014/main" id="{5F985371-CD79-864E-AE80-3B7B63348DD4}"/>
-                    </a:ext>
-                  </a:extLst>
-                </p:cNvPr>
-                <p:cNvCxnSpPr>
-                  <a:cxnSpLocks/>
-                </p:cNvCxnSpPr>
-                <p:nvPr/>
-              </p:nvCxnSpPr>
-              <p:spPr>
-                <a:xfrm>
-                  <a:off x="4675829" y="5215065"/>
-                  <a:ext cx="0" cy="734522"/>
-                </a:xfrm>
-                <a:prstGeom prst="straightConnector1">
-                  <a:avLst/>
-                </a:prstGeom>
-                <a:ln w="19050">
-                  <a:tailEnd type="triangle"/>
-                </a:ln>
-              </p:spPr>
-              <p:style>
-                <a:lnRef idx="1">
-                  <a:schemeClr val="dk1"/>
-                </a:lnRef>
-                <a:fillRef idx="0">
-                  <a:schemeClr val="dk1"/>
-                </a:fillRef>
-                <a:effectRef idx="0">
-                  <a:schemeClr val="dk1"/>
-                </a:effectRef>
-                <a:fontRef idx="minor">
-                  <a:schemeClr val="tx1"/>
-                </a:fontRef>
-              </p:style>
-            </p:cxnSp>
-            <p:cxnSp>
-              <p:nvCxnSpPr>
-                <p:cNvPr id="37" name="直接箭头连接符 39">
-                  <a:extLst>
-                    <a:ext uri="{FF2B5EF4-FFF2-40B4-BE49-F238E27FC236}">
-                      <a16:creationId xmlns:a16="http://schemas.microsoft.com/office/drawing/2014/main" id="{847CC312-AFB1-4549-ACB3-D2A3EF148F81}"/>
-                    </a:ext>
-                  </a:extLst>
-                </p:cNvPr>
-                <p:cNvCxnSpPr>
-                  <a:cxnSpLocks/>
-                </p:cNvCxnSpPr>
-                <p:nvPr/>
-              </p:nvCxnSpPr>
-              <p:spPr>
-                <a:xfrm>
-                  <a:off x="4675829" y="6326613"/>
-                  <a:ext cx="0" cy="809406"/>
-                </a:xfrm>
-                <a:prstGeom prst="straightConnector1">
-                  <a:avLst/>
-                </a:prstGeom>
-                <a:ln w="19050">
-                  <a:tailEnd type="triangle"/>
-                </a:ln>
-              </p:spPr>
-              <p:style>
-                <a:lnRef idx="1">
-                  <a:schemeClr val="dk1"/>
-                </a:lnRef>
-                <a:fillRef idx="0">
-                  <a:schemeClr val="dk1"/>
-                </a:fillRef>
-                <a:effectRef idx="0">
-                  <a:schemeClr val="dk1"/>
-                </a:effectRef>
-                <a:fontRef idx="minor">
-                  <a:schemeClr val="tx1"/>
-                </a:fontRef>
-              </p:style>
-            </p:cxnSp>
-            <p:sp>
-              <p:nvSpPr>
-                <p:cNvPr id="38" name="文本框 37">
-                  <a:extLst>
-                    <a:ext uri="{FF2B5EF4-FFF2-40B4-BE49-F238E27FC236}">
-                      <a16:creationId xmlns:a16="http://schemas.microsoft.com/office/drawing/2014/main" id="{598A2AE0-19BF-AA4A-9994-726790DE3D6A}"/>
-                    </a:ext>
-                  </a:extLst>
-                </p:cNvPr>
-                <p:cNvSpPr txBox="1"/>
-                <p:nvPr/>
-              </p:nvSpPr>
-              <p:spPr>
-                <a:xfrm>
-                  <a:off x="1654624" y="1885464"/>
-                  <a:ext cx="1208526" cy="329615"/>
-                </a:xfrm>
-                <a:prstGeom prst="rect">
-                  <a:avLst/>
-                </a:prstGeom>
-                <a:solidFill>
-                  <a:srgbClr val="C2C2C2"/>
-                </a:solidFill>
-              </p:spPr>
-              <p:txBody>
-                <a:bodyPr wrap="square" rtlCol="0">
-                  <a:spAutoFit/>
-                </a:bodyPr>
-                <a:lstStyle/>
-                <a:p>
-                  <a:pPr algn="ctr"/>
-                  <a:r>
-                    <a:rPr lang="en-US" altLang="zh-CN" sz="1400" b="1" dirty="0">
-                      <a:latin typeface="微软雅黑" panose="020B0503020204020204" pitchFamily="34" charset="-122"/>
-                      <a:ea typeface="微软雅黑" panose="020B0503020204020204" pitchFamily="34" charset="-122"/>
-                    </a:rPr>
-                    <a:t>IoT</a:t>
-                  </a:r>
-                  <a:endParaRPr lang="zh-CN" altLang="en-US" sz="1400" b="1" dirty="0">
-                    <a:latin typeface="微软雅黑" panose="020B0503020204020204" pitchFamily="34" charset="-122"/>
-                    <a:ea typeface="微软雅黑" panose="020B0503020204020204" pitchFamily="34" charset="-122"/>
-                  </a:endParaRPr>
-                </a:p>
-              </p:txBody>
-            </p:sp>
-            <p:sp>
-              <p:nvSpPr>
-                <p:cNvPr id="39" name="文本框 38">
-                  <a:extLst>
-                    <a:ext uri="{FF2B5EF4-FFF2-40B4-BE49-F238E27FC236}">
-                      <a16:creationId xmlns:a16="http://schemas.microsoft.com/office/drawing/2014/main" id="{0D234AEB-12D6-FF43-AE55-2483430F1F8B}"/>
-                    </a:ext>
-                  </a:extLst>
-                </p:cNvPr>
-                <p:cNvSpPr txBox="1"/>
-                <p:nvPr/>
-              </p:nvSpPr>
-              <p:spPr>
-                <a:xfrm>
-                  <a:off x="3085650" y="1879242"/>
-                  <a:ext cx="1590179" cy="329615"/>
-                </a:xfrm>
-                <a:prstGeom prst="rect">
-                  <a:avLst/>
-                </a:prstGeom>
-                <a:solidFill>
-                  <a:srgbClr val="C2C2C2"/>
-                </a:solidFill>
-              </p:spPr>
-              <p:txBody>
-                <a:bodyPr wrap="square" rtlCol="0">
-                  <a:spAutoFit/>
-                </a:bodyPr>
-                <a:lstStyle/>
-                <a:p>
-                  <a:pPr algn="ctr"/>
-                  <a:r>
-                    <a:rPr lang="en-US" altLang="zh-CN" sz="1400" b="1" dirty="0">
-                      <a:latin typeface="微软雅黑" panose="020B0503020204020204" pitchFamily="34" charset="-122"/>
-                      <a:ea typeface="微软雅黑" panose="020B0503020204020204" pitchFamily="34" charset="-122"/>
-                    </a:rPr>
-                    <a:t>Botnet</a:t>
-                  </a:r>
-                  <a:endParaRPr lang="zh-CN" altLang="en-US" sz="1400" b="1" dirty="0">
-                    <a:latin typeface="微软雅黑" panose="020B0503020204020204" pitchFamily="34" charset="-122"/>
-                    <a:ea typeface="微软雅黑" panose="020B0503020204020204" pitchFamily="34" charset="-122"/>
-                  </a:endParaRPr>
-                </a:p>
-              </p:txBody>
-            </p:sp>
-            <p:sp>
-              <p:nvSpPr>
-                <p:cNvPr id="40" name="文本框 39">
-                  <a:extLst>
-                    <a:ext uri="{FF2B5EF4-FFF2-40B4-BE49-F238E27FC236}">
-                      <a16:creationId xmlns:a16="http://schemas.microsoft.com/office/drawing/2014/main" id="{271FA101-043A-6745-83DA-46B65F3FE471}"/>
-                    </a:ext>
-                  </a:extLst>
-                </p:cNvPr>
-                <p:cNvSpPr txBox="1"/>
-                <p:nvPr/>
-              </p:nvSpPr>
-              <p:spPr>
-                <a:xfrm>
-                  <a:off x="4837953" y="1882359"/>
-                  <a:ext cx="1477402" cy="329615"/>
-                </a:xfrm>
-                <a:prstGeom prst="rect">
-                  <a:avLst/>
-                </a:prstGeom>
-                <a:solidFill>
-                  <a:srgbClr val="C2C2C2"/>
-                </a:solidFill>
-              </p:spPr>
-              <p:txBody>
-                <a:bodyPr wrap="square" rtlCol="0">
-                  <a:spAutoFit/>
-                </a:bodyPr>
-                <a:lstStyle/>
-                <a:p>
-                  <a:pPr algn="ctr"/>
-                  <a:r>
-                    <a:rPr lang="en-US" altLang="zh-CN" sz="1400" b="1" dirty="0" err="1">
-                      <a:latin typeface="微软雅黑" panose="020B0503020204020204" pitchFamily="34" charset="-122"/>
-                      <a:ea typeface="微软雅黑" panose="020B0503020204020204" pitchFamily="34" charset="-122"/>
-                    </a:rPr>
-                    <a:t>Mirai</a:t>
-                  </a:r>
-                  <a:r>
-                    <a:rPr lang="en-US" altLang="zh-CN" sz="1400" b="1" dirty="0">
-                      <a:latin typeface="微软雅黑" panose="020B0503020204020204" pitchFamily="34" charset="-122"/>
-                      <a:ea typeface="微软雅黑" panose="020B0503020204020204" pitchFamily="34" charset="-122"/>
-                    </a:rPr>
-                    <a:t> Botnet</a:t>
-                  </a:r>
-                  <a:endParaRPr lang="zh-CN" altLang="en-US" sz="1400" b="1" dirty="0">
-                    <a:latin typeface="微软雅黑" panose="020B0503020204020204" pitchFamily="34" charset="-122"/>
-                    <a:ea typeface="微软雅黑" panose="020B0503020204020204" pitchFamily="34" charset="-122"/>
-                  </a:endParaRPr>
-                </a:p>
-              </p:txBody>
-            </p:sp>
-            <p:grpSp>
-              <p:nvGrpSpPr>
-                <p:cNvPr id="41" name="组合 40">
-                  <a:extLst>
-                    <a:ext uri="{FF2B5EF4-FFF2-40B4-BE49-F238E27FC236}">
-                      <a16:creationId xmlns:a16="http://schemas.microsoft.com/office/drawing/2014/main" id="{0B3C419A-6788-C84F-85F3-EAC240303964}"/>
-                    </a:ext>
-                  </a:extLst>
-                </p:cNvPr>
-                <p:cNvGrpSpPr/>
-                <p:nvPr/>
-              </p:nvGrpSpPr>
-              <p:grpSpPr>
-                <a:xfrm>
-                  <a:off x="2334842" y="1718296"/>
-                  <a:ext cx="4810126" cy="198378"/>
-                  <a:chOff x="3981448" y="1504950"/>
-                  <a:chExt cx="4810126" cy="198378"/>
-                </a:xfrm>
-              </p:grpSpPr>
               <p:cxnSp>
                 <p:nvCxnSpPr>
-                  <p:cNvPr id="83" name="直接箭头连接符 108">
+                  <p:cNvPr id="43" name="直接箭头连接符 46">
                     <a:extLst>
                       <a:ext uri="{FF2B5EF4-FFF2-40B4-BE49-F238E27FC236}">
-                        <a16:creationId xmlns:a16="http://schemas.microsoft.com/office/drawing/2014/main" id="{C510F884-3B62-C14C-8D15-914F3111D81B}"/>
+                        <a16:creationId xmlns:a16="http://schemas.microsoft.com/office/drawing/2014/main" id="{73AE11DF-7A97-BE4A-AD5E-0B88162B0E90}"/>
                       </a:ext>
                     </a:extLst>
                   </p:cNvPr>
-                  <p:cNvCxnSpPr>
-                    <a:cxnSpLocks/>
-                  </p:cNvCxnSpPr>
+                  <p:cNvCxnSpPr/>
                   <p:nvPr/>
                 </p:nvCxnSpPr>
                 <p:spPr>
                   <a:xfrm>
-                    <a:off x="8778874" y="1517650"/>
-                    <a:ext cx="0" cy="185678"/>
+                    <a:off x="4643543" y="1448417"/>
+                    <a:ext cx="0" cy="261878"/>
                   </a:xfrm>
                   <a:prstGeom prst="straightConnector1">
                     <a:avLst/>
@@ -8627,12 +8987,368 @@
                   </a:fontRef>
                 </p:style>
               </p:cxnSp>
+              <p:cxnSp>
+                <p:nvCxnSpPr>
+                  <p:cNvPr id="44" name="直接连接符 47">
+                    <a:extLst>
+                      <a:ext uri="{FF2B5EF4-FFF2-40B4-BE49-F238E27FC236}">
+                        <a16:creationId xmlns:a16="http://schemas.microsoft.com/office/drawing/2014/main" id="{0338C46B-3531-CD42-9A8B-0713C058E95B}"/>
+                      </a:ext>
+                    </a:extLst>
+                  </p:cNvPr>
+                  <p:cNvCxnSpPr/>
+                  <p:nvPr/>
+                </p:nvCxnSpPr>
+                <p:spPr>
+                  <a:xfrm>
+                    <a:off x="4650008" y="2363453"/>
+                    <a:ext cx="0" cy="217427"/>
+                  </a:xfrm>
+                  <a:prstGeom prst="line">
+                    <a:avLst/>
+                  </a:prstGeom>
+                  <a:ln w="19050"/>
+                </p:spPr>
+                <p:style>
+                  <a:lnRef idx="1">
+                    <a:schemeClr val="dk1"/>
+                  </a:lnRef>
+                  <a:fillRef idx="0">
+                    <a:schemeClr val="dk1"/>
+                  </a:fillRef>
+                  <a:effectRef idx="0">
+                    <a:schemeClr val="dk1"/>
+                  </a:effectRef>
+                  <a:fontRef idx="minor">
+                    <a:schemeClr val="tx1"/>
+                  </a:fontRef>
+                </p:style>
+              </p:cxnSp>
+              <p:sp>
+                <p:nvSpPr>
+                  <p:cNvPr id="45" name="文本框 44">
+                    <a:extLst>
+                      <a:ext uri="{FF2B5EF4-FFF2-40B4-BE49-F238E27FC236}">
+                        <a16:creationId xmlns:a16="http://schemas.microsoft.com/office/drawing/2014/main" id="{D119B0A8-D56E-F34A-AEEE-1C13A827C583}"/>
+                      </a:ext>
+                    </a:extLst>
+                  </p:cNvPr>
+                  <p:cNvSpPr txBox="1"/>
+                  <p:nvPr/>
+                </p:nvSpPr>
+                <p:spPr>
+                  <a:xfrm>
+                    <a:off x="3152770" y="3215491"/>
+                    <a:ext cx="3454378" cy="362576"/>
+                  </a:xfrm>
+                  <a:prstGeom prst="rect">
+                    <a:avLst/>
+                  </a:prstGeom>
+                  <a:solidFill>
+                    <a:srgbClr val="4F81BD"/>
+                  </a:solidFill>
+                </p:spPr>
+                <p:txBody>
+                  <a:bodyPr wrap="square" rtlCol="0">
+                    <a:spAutoFit/>
+                  </a:bodyPr>
+                  <a:lstStyle/>
+                  <a:p>
+                    <a:pPr algn="ctr"/>
+                    <a:r>
+                      <a:rPr lang="en-US" altLang="zh-CN" sz="1600" dirty="0">
+                        <a:solidFill>
+                          <a:schemeClr val="bg1"/>
+                        </a:solidFill>
+                        <a:latin typeface="微软雅黑" panose="020B0503020204020204" pitchFamily="34" charset="-122"/>
+                        <a:ea typeface="微软雅黑" panose="020B0503020204020204" pitchFamily="34" charset="-122"/>
+                      </a:rPr>
+                      <a:t>Basic Information about </a:t>
+                    </a:r>
+                    <a:r>
+                      <a:rPr lang="en-US" altLang="zh-CN" sz="1600" dirty="0" err="1">
+                        <a:solidFill>
+                          <a:schemeClr val="bg1"/>
+                        </a:solidFill>
+                        <a:latin typeface="微软雅黑" panose="020B0503020204020204" pitchFamily="34" charset="-122"/>
+                        <a:ea typeface="微软雅黑" panose="020B0503020204020204" pitchFamily="34" charset="-122"/>
+                      </a:rPr>
+                      <a:t>Mirai</a:t>
+                    </a:r>
+                    <a:endParaRPr lang="zh-CN" altLang="en-US" sz="1600" dirty="0">
+                      <a:solidFill>
+                        <a:schemeClr val="bg1"/>
+                      </a:solidFill>
+                      <a:latin typeface="微软雅黑" panose="020B0503020204020204" pitchFamily="34" charset="-122"/>
+                      <a:ea typeface="微软雅黑" panose="020B0503020204020204" pitchFamily="34" charset="-122"/>
+                    </a:endParaRPr>
+                  </a:p>
+                </p:txBody>
+              </p:sp>
+              <p:cxnSp>
+                <p:nvCxnSpPr>
+                  <p:cNvPr id="46" name="直接箭头连接符 49">
+                    <a:extLst>
+                      <a:ext uri="{FF2B5EF4-FFF2-40B4-BE49-F238E27FC236}">
+                        <a16:creationId xmlns:a16="http://schemas.microsoft.com/office/drawing/2014/main" id="{68E713EB-F53E-274A-8457-F7A64486D0C2}"/>
+                      </a:ext>
+                    </a:extLst>
+                  </p:cNvPr>
+                  <p:cNvCxnSpPr/>
+                  <p:nvPr/>
+                </p:nvCxnSpPr>
+                <p:spPr>
+                  <a:xfrm>
+                    <a:off x="4655660" y="4590612"/>
+                    <a:ext cx="0" cy="261877"/>
+                  </a:xfrm>
+                  <a:prstGeom prst="straightConnector1">
+                    <a:avLst/>
+                  </a:prstGeom>
+                  <a:ln w="19050">
+                    <a:tailEnd type="triangle"/>
+                  </a:ln>
+                </p:spPr>
+                <p:style>
+                  <a:lnRef idx="1">
+                    <a:schemeClr val="dk1"/>
+                  </a:lnRef>
+                  <a:fillRef idx="0">
+                    <a:schemeClr val="dk1"/>
+                  </a:fillRef>
+                  <a:effectRef idx="0">
+                    <a:schemeClr val="dk1"/>
+                  </a:effectRef>
+                  <a:fontRef idx="minor">
+                    <a:schemeClr val="tx1"/>
+                  </a:fontRef>
+                </p:style>
+              </p:cxnSp>
+              <p:sp>
+                <p:nvSpPr>
+                  <p:cNvPr id="48" name="任意多边形: 形状 51">
+                    <a:extLst>
+                      <a:ext uri="{FF2B5EF4-FFF2-40B4-BE49-F238E27FC236}">
+                        <a16:creationId xmlns:a16="http://schemas.microsoft.com/office/drawing/2014/main" id="{B42D25A1-A524-484F-B2C3-F6578B23A6B6}"/>
+                      </a:ext>
+                    </a:extLst>
+                  </p:cNvPr>
+                  <p:cNvSpPr/>
+                  <p:nvPr/>
+                </p:nvSpPr>
+                <p:spPr>
+                  <a:xfrm>
+                    <a:off x="7264400" y="6248400"/>
+                    <a:ext cx="1803400" cy="596900"/>
+                  </a:xfrm>
+                  <a:custGeom>
+                    <a:avLst/>
+                    <a:gdLst>
+                      <a:gd name="connsiteX0" fmla="*/ 0 w 1803400"/>
+                      <a:gd name="connsiteY0" fmla="*/ 0 h 596900"/>
+                      <a:gd name="connsiteX1" fmla="*/ 0 w 1803400"/>
+                      <a:gd name="connsiteY1" fmla="*/ 0 h 596900"/>
+                      <a:gd name="connsiteX2" fmla="*/ 177800 w 1803400"/>
+                      <a:gd name="connsiteY2" fmla="*/ 38100 h 596900"/>
+                      <a:gd name="connsiteX3" fmla="*/ 279400 w 1803400"/>
+                      <a:gd name="connsiteY3" fmla="*/ 88900 h 596900"/>
+                      <a:gd name="connsiteX4" fmla="*/ 469900 w 1803400"/>
+                      <a:gd name="connsiteY4" fmla="*/ 114300 h 596900"/>
+                      <a:gd name="connsiteX5" fmla="*/ 647700 w 1803400"/>
+                      <a:gd name="connsiteY5" fmla="*/ 165100 h 596900"/>
+                      <a:gd name="connsiteX6" fmla="*/ 711200 w 1803400"/>
+                      <a:gd name="connsiteY6" fmla="*/ 177800 h 596900"/>
+                      <a:gd name="connsiteX7" fmla="*/ 1054100 w 1803400"/>
+                      <a:gd name="connsiteY7" fmla="*/ 190500 h 596900"/>
+                      <a:gd name="connsiteX8" fmla="*/ 1257300 w 1803400"/>
+                      <a:gd name="connsiteY8" fmla="*/ 190500 h 596900"/>
+                      <a:gd name="connsiteX9" fmla="*/ 1270000 w 1803400"/>
+                      <a:gd name="connsiteY9" fmla="*/ 152400 h 596900"/>
+                      <a:gd name="connsiteX10" fmla="*/ 1295400 w 1803400"/>
+                      <a:gd name="connsiteY10" fmla="*/ 101600 h 596900"/>
+                      <a:gd name="connsiteX11" fmla="*/ 1803400 w 1803400"/>
+                      <a:gd name="connsiteY11" fmla="*/ 596900 h 596900"/>
+                    </a:gdLst>
+                    <a:ahLst/>
+                    <a:cxnLst>
+                      <a:cxn ang="0">
+                        <a:pos x="connsiteX0" y="connsiteY0"/>
+                      </a:cxn>
+                      <a:cxn ang="0">
+                        <a:pos x="connsiteX1" y="connsiteY1"/>
+                      </a:cxn>
+                      <a:cxn ang="0">
+                        <a:pos x="connsiteX2" y="connsiteY2"/>
+                      </a:cxn>
+                      <a:cxn ang="0">
+                        <a:pos x="connsiteX3" y="connsiteY3"/>
+                      </a:cxn>
+                      <a:cxn ang="0">
+                        <a:pos x="connsiteX4" y="connsiteY4"/>
+                      </a:cxn>
+                      <a:cxn ang="0">
+                        <a:pos x="connsiteX5" y="connsiteY5"/>
+                      </a:cxn>
+                      <a:cxn ang="0">
+                        <a:pos x="connsiteX6" y="connsiteY6"/>
+                      </a:cxn>
+                      <a:cxn ang="0">
+                        <a:pos x="connsiteX7" y="connsiteY7"/>
+                      </a:cxn>
+                      <a:cxn ang="0">
+                        <a:pos x="connsiteX8" y="connsiteY8"/>
+                      </a:cxn>
+                      <a:cxn ang="0">
+                        <a:pos x="connsiteX9" y="connsiteY9"/>
+                      </a:cxn>
+                      <a:cxn ang="0">
+                        <a:pos x="connsiteX10" y="connsiteY10"/>
+                      </a:cxn>
+                      <a:cxn ang="0">
+                        <a:pos x="connsiteX11" y="connsiteY11"/>
+                      </a:cxn>
+                    </a:cxnLst>
+                    <a:rect l="l" t="t" r="r" b="b"/>
+                    <a:pathLst>
+                      <a:path w="1803400" h="596900">
+                        <a:moveTo>
+                          <a:pt x="0" y="0"/>
+                        </a:moveTo>
+                        <a:lnTo>
+                          <a:pt x="0" y="0"/>
+                        </a:lnTo>
+                        <a:cubicBezTo>
+                          <a:pt x="59267" y="12700"/>
+                          <a:pt x="120041" y="19722"/>
+                          <a:pt x="177800" y="38100"/>
+                        </a:cubicBezTo>
+                        <a:cubicBezTo>
+                          <a:pt x="213882" y="49581"/>
+                          <a:pt x="242762" y="79342"/>
+                          <a:pt x="279400" y="88900"/>
+                        </a:cubicBezTo>
+                        <a:cubicBezTo>
+                          <a:pt x="341387" y="105071"/>
+                          <a:pt x="406400" y="105833"/>
+                          <a:pt x="469900" y="114300"/>
+                        </a:cubicBezTo>
+                        <a:cubicBezTo>
+                          <a:pt x="529167" y="131233"/>
+                          <a:pt x="587259" y="153012"/>
+                          <a:pt x="647700" y="165100"/>
+                        </a:cubicBezTo>
+                        <a:cubicBezTo>
+                          <a:pt x="668867" y="169333"/>
+                          <a:pt x="689656" y="176454"/>
+                          <a:pt x="711200" y="177800"/>
+                        </a:cubicBezTo>
+                        <a:cubicBezTo>
+                          <a:pt x="825356" y="184935"/>
+                          <a:pt x="939800" y="186267"/>
+                          <a:pt x="1054100" y="190500"/>
+                        </a:cubicBezTo>
+                        <a:cubicBezTo>
+                          <a:pt x="1121089" y="200070"/>
+                          <a:pt x="1189908" y="217457"/>
+                          <a:pt x="1257300" y="190500"/>
+                        </a:cubicBezTo>
+                        <a:cubicBezTo>
+                          <a:pt x="1269729" y="185528"/>
+                          <a:pt x="1264727" y="164705"/>
+                          <a:pt x="1270000" y="152400"/>
+                        </a:cubicBezTo>
+                        <a:cubicBezTo>
+                          <a:pt x="1277458" y="134999"/>
+                          <a:pt x="1295400" y="101600"/>
+                          <a:pt x="1295400" y="101600"/>
+                        </a:cubicBezTo>
+                        <a:lnTo>
+                          <a:pt x="1803400" y="596900"/>
+                        </a:lnTo>
+                      </a:path>
+                    </a:pathLst>
+                  </a:custGeom>
+                  <a:noFill/>
+                  <a:ln w="76200">
+                    <a:noFill/>
+                  </a:ln>
+                </p:spPr>
+                <p:style>
+                  <a:lnRef idx="2">
+                    <a:schemeClr val="accent1">
+                      <a:shade val="50000"/>
+                    </a:schemeClr>
+                  </a:lnRef>
+                  <a:fillRef idx="1">
+                    <a:schemeClr val="accent1"/>
+                  </a:fillRef>
+                  <a:effectRef idx="0">
+                    <a:schemeClr val="accent1"/>
+                  </a:effectRef>
+                  <a:fontRef idx="minor">
+                    <a:schemeClr val="lt1"/>
+                  </a:fontRef>
+                </p:style>
+                <p:txBody>
+                  <a:bodyPr rtlCol="0" anchor="ctr"/>
+                  <a:lstStyle/>
+                  <a:p>
+                    <a:pPr algn="ctr"/>
+                    <a:endParaRPr lang="zh-CN" altLang="en-US"/>
+                  </a:p>
+                </p:txBody>
+              </p:sp>
+              <p:sp>
+                <p:nvSpPr>
+                  <p:cNvPr id="49" name="文本框 48">
+                    <a:extLst>
+                      <a:ext uri="{FF2B5EF4-FFF2-40B4-BE49-F238E27FC236}">
+                        <a16:creationId xmlns:a16="http://schemas.microsoft.com/office/drawing/2014/main" id="{856B1AD0-92F2-3A4B-B9FF-10C9EB0D3A29}"/>
+                      </a:ext>
+                    </a:extLst>
+                  </p:cNvPr>
+                  <p:cNvSpPr txBox="1"/>
+                  <p:nvPr/>
+                </p:nvSpPr>
+                <p:spPr>
+                  <a:xfrm>
+                    <a:off x="7848037" y="5388256"/>
+                    <a:ext cx="1967393" cy="280173"/>
+                  </a:xfrm>
+                  <a:prstGeom prst="rect">
+                    <a:avLst/>
+                  </a:prstGeom>
+                  <a:solidFill>
+                    <a:srgbClr val="C2C2C2"/>
+                  </a:solidFill>
+                </p:spPr>
+                <p:txBody>
+                  <a:bodyPr wrap="square" rtlCol="0">
+                    <a:spAutoFit/>
+                  </a:bodyPr>
+                  <a:lstStyle/>
+                  <a:p>
+                    <a:pPr algn="ctr"/>
+                    <a:r>
+                      <a:rPr lang="en-US" altLang="zh-CN" sz="1100" b="1" dirty="0">
+                        <a:latin typeface="微软雅黑" panose="020B0503020204020204" pitchFamily="34" charset="-122"/>
+                        <a:ea typeface="微软雅黑" panose="020B0503020204020204" pitchFamily="34" charset="-122"/>
+                      </a:rPr>
+                      <a:t>IoT Security Risks</a:t>
+                    </a:r>
+                    <a:endParaRPr lang="zh-CN" altLang="en-US" sz="1100" b="1" dirty="0">
+                      <a:latin typeface="微软雅黑" panose="020B0503020204020204" pitchFamily="34" charset="-122"/>
+                      <a:ea typeface="微软雅黑" panose="020B0503020204020204" pitchFamily="34" charset="-122"/>
+                    </a:endParaRPr>
+                  </a:p>
+                </p:txBody>
+              </p:sp>
               <p:grpSp>
                 <p:nvGrpSpPr>
-                  <p:cNvPr id="84" name="组合 83">
+                  <p:cNvPr id="50" name="组合 49">
                     <a:extLst>
                       <a:ext uri="{FF2B5EF4-FFF2-40B4-BE49-F238E27FC236}">
-                        <a16:creationId xmlns:a16="http://schemas.microsoft.com/office/drawing/2014/main" id="{8D066095-7139-6F48-B7A6-B198614FF627}"/>
+                        <a16:creationId xmlns:a16="http://schemas.microsoft.com/office/drawing/2014/main" id="{F4226494-7AEC-B640-8899-437D37CF66BF}"/>
                       </a:ext>
                     </a:extLst>
                   </p:cNvPr>
@@ -8641,18 +9357,18 @@
                 </p:nvGrpSpPr>
                 <p:grpSpPr>
                   <a:xfrm>
-                    <a:off x="3981448" y="1504950"/>
-                    <a:ext cx="4810126" cy="198378"/>
-                    <a:chOff x="3981448" y="1504950"/>
-                    <a:chExt cx="4810126" cy="198378"/>
+                    <a:off x="6607335" y="5548978"/>
+                    <a:ext cx="1240701" cy="1195367"/>
+                    <a:chOff x="6607335" y="5548978"/>
+                    <a:chExt cx="1240701" cy="1195367"/>
                   </a:xfrm>
                 </p:grpSpPr>
                 <p:cxnSp>
                   <p:nvCxnSpPr>
-                    <p:cNvPr id="85" name="直接箭头连接符 110">
+                    <p:cNvPr id="75" name="直接连接符 100">
                       <a:extLst>
                         <a:ext uri="{FF2B5EF4-FFF2-40B4-BE49-F238E27FC236}">
-                          <a16:creationId xmlns:a16="http://schemas.microsoft.com/office/drawing/2014/main" id="{7F45F655-DCBC-114A-8788-8E57C0C1BE20}"/>
+                          <a16:creationId xmlns:a16="http://schemas.microsoft.com/office/drawing/2014/main" id="{C4B40CD3-EF06-494B-99CE-AC065221129F}"/>
                         </a:ext>
                       </a:extLst>
                     </p:cNvPr>
@@ -8663,15 +9379,13 @@
                   </p:nvCxnSpPr>
                   <p:spPr>
                     <a:xfrm>
-                      <a:off x="3994145" y="1504950"/>
-                      <a:ext cx="0" cy="185678"/>
+                      <a:off x="6607335" y="6116894"/>
+                      <a:ext cx="675489" cy="0"/>
                     </a:xfrm>
-                    <a:prstGeom prst="straightConnector1">
+                    <a:prstGeom prst="line">
                       <a:avLst/>
                     </a:prstGeom>
-                    <a:ln w="19050">
-                      <a:tailEnd type="triangle"/>
-                    </a:ln>
+                    <a:ln w="19050"/>
                   </p:spPr>
                   <p:style>
                     <a:lnRef idx="1">
@@ -8690,10 +9404,10 @@
                 </p:cxnSp>
                 <p:cxnSp>
                   <p:nvCxnSpPr>
-                    <p:cNvPr id="86" name="直接箭头连接符 112">
+                    <p:cNvPr id="76" name="直接连接符 101">
                       <a:extLst>
                         <a:ext uri="{FF2B5EF4-FFF2-40B4-BE49-F238E27FC236}">
-                          <a16:creationId xmlns:a16="http://schemas.microsoft.com/office/drawing/2014/main" id="{6ED12E17-62AA-2340-BFD6-6C314127F15F}"/>
+                          <a16:creationId xmlns:a16="http://schemas.microsoft.com/office/drawing/2014/main" id="{1241D7F8-66C6-2A4F-B4F3-6BF7E506C31C}"/>
                         </a:ext>
                       </a:extLst>
                     </p:cNvPr>
@@ -8704,15 +9418,13 @@
                   </p:nvCxnSpPr>
                   <p:spPr>
                     <a:xfrm>
-                      <a:off x="5608962" y="1517650"/>
-                      <a:ext cx="0" cy="185678"/>
+                      <a:off x="7282824" y="5548978"/>
+                      <a:ext cx="0" cy="1195367"/>
                     </a:xfrm>
-                    <a:prstGeom prst="straightConnector1">
+                    <a:prstGeom prst="line">
                       <a:avLst/>
                     </a:prstGeom>
-                    <a:ln w="19050">
-                      <a:tailEnd type="triangle"/>
-                    </a:ln>
+                    <a:ln w="19050"/>
                   </p:spPr>
                   <p:style>
                     <a:lnRef idx="1">
@@ -8731,10 +9443,10 @@
                 </p:cxnSp>
                 <p:cxnSp>
                   <p:nvCxnSpPr>
-                    <p:cNvPr id="87" name="直接连接符 113">
+                    <p:cNvPr id="77" name="直接连接符 102">
                       <a:extLst>
                         <a:ext uri="{FF2B5EF4-FFF2-40B4-BE49-F238E27FC236}">
-                          <a16:creationId xmlns:a16="http://schemas.microsoft.com/office/drawing/2014/main" id="{67FA59F9-CAC3-3440-9527-7E560FD3C8D8}"/>
+                          <a16:creationId xmlns:a16="http://schemas.microsoft.com/office/drawing/2014/main" id="{3F167C63-8C26-0C4F-996D-034C999E1BD1}"/>
                         </a:ext>
                       </a:extLst>
                     </p:cNvPr>
@@ -8745,8 +9457,47 @@
                   </p:nvCxnSpPr>
                   <p:spPr>
                     <a:xfrm>
-                      <a:off x="3981448" y="1511300"/>
-                      <a:ext cx="4810126" cy="0"/>
+                      <a:off x="7276536" y="5548978"/>
+                      <a:ext cx="571500" cy="0"/>
+                    </a:xfrm>
+                    <a:prstGeom prst="line">
+                      <a:avLst/>
+                    </a:prstGeom>
+                    <a:ln w="19050"/>
+                  </p:spPr>
+                  <p:style>
+                    <a:lnRef idx="1">
+                      <a:schemeClr val="dk1"/>
+                    </a:lnRef>
+                    <a:fillRef idx="0">
+                      <a:schemeClr val="dk1"/>
+                    </a:fillRef>
+                    <a:effectRef idx="0">
+                      <a:schemeClr val="dk1"/>
+                    </a:effectRef>
+                    <a:fontRef idx="minor">
+                      <a:schemeClr val="tx1"/>
+                    </a:fontRef>
+                  </p:style>
+                </p:cxnSp>
+                <p:cxnSp>
+                  <p:nvCxnSpPr>
+                    <p:cNvPr id="79" name="直接连接符 104">
+                      <a:extLst>
+                        <a:ext uri="{FF2B5EF4-FFF2-40B4-BE49-F238E27FC236}">
+                          <a16:creationId xmlns:a16="http://schemas.microsoft.com/office/drawing/2014/main" id="{280D7684-2F86-6941-8E68-B66423AC3E9E}"/>
+                        </a:ext>
+                      </a:extLst>
+                    </p:cNvPr>
+                    <p:cNvCxnSpPr>
+                      <a:cxnSpLocks/>
+                    </p:cNvCxnSpPr>
+                    <p:nvPr/>
+                  </p:nvCxnSpPr>
+                  <p:spPr>
+                    <a:xfrm>
+                      <a:off x="7264401" y="6744345"/>
+                      <a:ext cx="571500" cy="0"/>
                     </a:xfrm>
                     <a:prstGeom prst="line">
                       <a:avLst/>
@@ -8769,33 +9520,12 @@
                   </p:style>
                 </p:cxnSp>
               </p:grpSp>
-            </p:grpSp>
-            <p:grpSp>
-              <p:nvGrpSpPr>
-                <p:cNvPr id="42" name="组合 41">
-                  <a:extLst>
-                    <a:ext uri="{FF2B5EF4-FFF2-40B4-BE49-F238E27FC236}">
-                      <a16:creationId xmlns:a16="http://schemas.microsoft.com/office/drawing/2014/main" id="{F8BD1F81-5160-B440-8A11-05D1E651DCDB}"/>
-                    </a:ext>
-                  </a:extLst>
-                </p:cNvPr>
-                <p:cNvGrpSpPr/>
-                <p:nvPr/>
-              </p:nvGrpSpPr>
-              <p:grpSpPr>
-                <a:xfrm>
-                  <a:off x="2310415" y="2164758"/>
-                  <a:ext cx="4810126" cy="198695"/>
-                  <a:chOff x="3994145" y="2004755"/>
-                  <a:chExt cx="4810126" cy="198695"/>
-                </a:xfrm>
-              </p:grpSpPr>
               <p:cxnSp>
                 <p:nvCxnSpPr>
-                  <p:cNvPr id="80" name="直接连接符 105">
+                  <p:cNvPr id="51" name="直接连接符 54">
                     <a:extLst>
                       <a:ext uri="{FF2B5EF4-FFF2-40B4-BE49-F238E27FC236}">
-                        <a16:creationId xmlns:a16="http://schemas.microsoft.com/office/drawing/2014/main" id="{F23D999A-6D37-034B-9E5E-CD70862E93D0}"/>
+                        <a16:creationId xmlns:a16="http://schemas.microsoft.com/office/drawing/2014/main" id="{0A66BF5F-810E-1748-8FCA-5CE87BBBB3BA}"/>
                       </a:ext>
                     </a:extLst>
                   </p:cNvPr>
@@ -8806,8 +9536,52 @@
                 </p:nvCxnSpPr>
                 <p:spPr>
                   <a:xfrm>
-                    <a:off x="3994145" y="2203450"/>
-                    <a:ext cx="4810126" cy="0"/>
+                    <a:off x="5981700" y="734352"/>
+                    <a:ext cx="5753100" cy="0"/>
+                  </a:xfrm>
+                  <a:prstGeom prst="line">
+                    <a:avLst/>
+                  </a:prstGeom>
+                  <a:ln w="25400">
+                    <a:solidFill>
+                      <a:schemeClr val="tx1"/>
+                    </a:solidFill>
+                    <a:prstDash val="lgDash"/>
+                  </a:ln>
+                </p:spPr>
+                <p:style>
+                  <a:lnRef idx="1">
+                    <a:schemeClr val="accent1"/>
+                  </a:lnRef>
+                  <a:fillRef idx="0">
+                    <a:schemeClr val="accent1"/>
+                  </a:fillRef>
+                  <a:effectRef idx="0">
+                    <a:schemeClr val="accent1"/>
+                  </a:effectRef>
+                  <a:fontRef idx="minor">
+                    <a:schemeClr val="tx1"/>
+                  </a:fontRef>
+                </p:style>
+              </p:cxnSp>
+              <p:cxnSp>
+                <p:nvCxnSpPr>
+                  <p:cNvPr id="52" name="直接连接符 55">
+                    <a:extLst>
+                      <a:ext uri="{FF2B5EF4-FFF2-40B4-BE49-F238E27FC236}">
+                        <a16:creationId xmlns:a16="http://schemas.microsoft.com/office/drawing/2014/main" id="{C105C86A-4BEC-C147-9F3E-A077CD5AAFE7}"/>
+                      </a:ext>
+                    </a:extLst>
+                  </p:cNvPr>
+                  <p:cNvCxnSpPr>
+                    <a:cxnSpLocks/>
+                  </p:cNvCxnSpPr>
+                  <p:nvPr/>
+                </p:nvCxnSpPr>
+                <p:spPr>
+                  <a:xfrm>
+                    <a:off x="6064424" y="2810661"/>
+                    <a:ext cx="1385333" cy="0"/>
                   </a:xfrm>
                   <a:prstGeom prst="line">
                     <a:avLst/>
@@ -8831,10 +9605,10 @@
               </p:cxnSp>
               <p:cxnSp>
                 <p:nvCxnSpPr>
-                  <p:cNvPr id="81" name="直接连接符 106">
+                  <p:cNvPr id="53" name="直接连接符 56">
                     <a:extLst>
                       <a:ext uri="{FF2B5EF4-FFF2-40B4-BE49-F238E27FC236}">
-                        <a16:creationId xmlns:a16="http://schemas.microsoft.com/office/drawing/2014/main" id="{43EC52DF-091C-A844-AF22-4063A4A4725D}"/>
+                        <a16:creationId xmlns:a16="http://schemas.microsoft.com/office/drawing/2014/main" id="{62D85832-DDD1-F048-AFDF-7437E7027750}"/>
                       </a:ext>
                     </a:extLst>
                   </p:cNvPr>
@@ -8845,8 +9619,8 @@
                 </p:nvCxnSpPr>
                 <p:spPr>
                   <a:xfrm>
-                    <a:off x="4003674" y="2017455"/>
-                    <a:ext cx="0" cy="185995"/>
+                    <a:off x="7449758" y="2420770"/>
+                    <a:ext cx="0" cy="1088216"/>
                   </a:xfrm>
                   <a:prstGeom prst="line">
                     <a:avLst/>
@@ -8870,10 +9644,10 @@
               </p:cxnSp>
               <p:cxnSp>
                 <p:nvCxnSpPr>
-                  <p:cNvPr id="82" name="直接连接符 107">
+                  <p:cNvPr id="54" name="直接连接符 57">
                     <a:extLst>
                       <a:ext uri="{FF2B5EF4-FFF2-40B4-BE49-F238E27FC236}">
-                        <a16:creationId xmlns:a16="http://schemas.microsoft.com/office/drawing/2014/main" id="{A2F8DA1B-7B0E-934B-931D-9DE5B39F9897}"/>
+                        <a16:creationId xmlns:a16="http://schemas.microsoft.com/office/drawing/2014/main" id="{45A14633-BEE8-7D41-A88A-9D848CB49AAE}"/>
                       </a:ext>
                     </a:extLst>
                   </p:cNvPr>
@@ -8884,540 +9658,7 @@
                 </p:nvCxnSpPr>
                 <p:spPr>
                   <a:xfrm>
-                    <a:off x="8797924" y="2004755"/>
-                    <a:ext cx="0" cy="185995"/>
-                  </a:xfrm>
-                  <a:prstGeom prst="line">
-                    <a:avLst/>
-                  </a:prstGeom>
-                  <a:ln w="19050"/>
-                </p:spPr>
-                <p:style>
-                  <a:lnRef idx="1">
-                    <a:schemeClr val="dk1"/>
-                  </a:lnRef>
-                  <a:fillRef idx="0">
-                    <a:schemeClr val="dk1"/>
-                  </a:fillRef>
-                  <a:effectRef idx="0">
-                    <a:schemeClr val="dk1"/>
-                  </a:effectRef>
-                  <a:fontRef idx="minor">
-                    <a:schemeClr val="tx1"/>
-                  </a:fontRef>
-                </p:style>
-              </p:cxnSp>
-            </p:grpSp>
-            <p:cxnSp>
-              <p:nvCxnSpPr>
-                <p:cNvPr id="43" name="直接箭头连接符 46">
-                  <a:extLst>
-                    <a:ext uri="{FF2B5EF4-FFF2-40B4-BE49-F238E27FC236}">
-                      <a16:creationId xmlns:a16="http://schemas.microsoft.com/office/drawing/2014/main" id="{73AE11DF-7A97-BE4A-AD5E-0B88162B0E90}"/>
-                    </a:ext>
-                  </a:extLst>
-                </p:cNvPr>
-                <p:cNvCxnSpPr/>
-                <p:nvPr/>
-              </p:nvCxnSpPr>
-              <p:spPr>
-                <a:xfrm>
-                  <a:off x="4643543" y="1448417"/>
-                  <a:ext cx="0" cy="261878"/>
-                </a:xfrm>
-                <a:prstGeom prst="straightConnector1">
-                  <a:avLst/>
-                </a:prstGeom>
-                <a:ln w="19050">
-                  <a:tailEnd type="triangle"/>
-                </a:ln>
-              </p:spPr>
-              <p:style>
-                <a:lnRef idx="1">
-                  <a:schemeClr val="dk1"/>
-                </a:lnRef>
-                <a:fillRef idx="0">
-                  <a:schemeClr val="dk1"/>
-                </a:fillRef>
-                <a:effectRef idx="0">
-                  <a:schemeClr val="dk1"/>
-                </a:effectRef>
-                <a:fontRef idx="minor">
-                  <a:schemeClr val="tx1"/>
-                </a:fontRef>
-              </p:style>
-            </p:cxnSp>
-            <p:cxnSp>
-              <p:nvCxnSpPr>
-                <p:cNvPr id="44" name="直接连接符 47">
-                  <a:extLst>
-                    <a:ext uri="{FF2B5EF4-FFF2-40B4-BE49-F238E27FC236}">
-                      <a16:creationId xmlns:a16="http://schemas.microsoft.com/office/drawing/2014/main" id="{0338C46B-3531-CD42-9A8B-0713C058E95B}"/>
-                    </a:ext>
-                  </a:extLst>
-                </p:cNvPr>
-                <p:cNvCxnSpPr/>
-                <p:nvPr/>
-              </p:nvCxnSpPr>
-              <p:spPr>
-                <a:xfrm>
-                  <a:off x="4650008" y="2363453"/>
-                  <a:ext cx="0" cy="217427"/>
-                </a:xfrm>
-                <a:prstGeom prst="line">
-                  <a:avLst/>
-                </a:prstGeom>
-                <a:ln w="19050"/>
-              </p:spPr>
-              <p:style>
-                <a:lnRef idx="1">
-                  <a:schemeClr val="dk1"/>
-                </a:lnRef>
-                <a:fillRef idx="0">
-                  <a:schemeClr val="dk1"/>
-                </a:fillRef>
-                <a:effectRef idx="0">
-                  <a:schemeClr val="dk1"/>
-                </a:effectRef>
-                <a:fontRef idx="minor">
-                  <a:schemeClr val="tx1"/>
-                </a:fontRef>
-              </p:style>
-            </p:cxnSp>
-            <p:sp>
-              <p:nvSpPr>
-                <p:cNvPr id="45" name="文本框 44">
-                  <a:extLst>
-                    <a:ext uri="{FF2B5EF4-FFF2-40B4-BE49-F238E27FC236}">
-                      <a16:creationId xmlns:a16="http://schemas.microsoft.com/office/drawing/2014/main" id="{D119B0A8-D56E-F34A-AEEE-1C13A827C583}"/>
-                    </a:ext>
-                  </a:extLst>
-                </p:cNvPr>
-                <p:cNvSpPr txBox="1"/>
-                <p:nvPr/>
-              </p:nvSpPr>
-              <p:spPr>
-                <a:xfrm>
-                  <a:off x="3152770" y="3215491"/>
-                  <a:ext cx="3454378" cy="362576"/>
-                </a:xfrm>
-                <a:prstGeom prst="rect">
-                  <a:avLst/>
-                </a:prstGeom>
-                <a:solidFill>
-                  <a:srgbClr val="4F81BD"/>
-                </a:solidFill>
-              </p:spPr>
-              <p:txBody>
-                <a:bodyPr wrap="square" rtlCol="0">
-                  <a:spAutoFit/>
-                </a:bodyPr>
-                <a:lstStyle/>
-                <a:p>
-                  <a:pPr algn="ctr"/>
-                  <a:r>
-                    <a:rPr lang="en-US" altLang="zh-CN" sz="1600" dirty="0">
-                      <a:solidFill>
-                        <a:schemeClr val="bg1"/>
-                      </a:solidFill>
-                      <a:latin typeface="微软雅黑" panose="020B0503020204020204" pitchFamily="34" charset="-122"/>
-                      <a:ea typeface="微软雅黑" panose="020B0503020204020204" pitchFamily="34" charset="-122"/>
-                    </a:rPr>
-                    <a:t>Basic Information about </a:t>
-                  </a:r>
-                  <a:r>
-                    <a:rPr lang="en-US" altLang="zh-CN" sz="1600" dirty="0" err="1">
-                      <a:solidFill>
-                        <a:schemeClr val="bg1"/>
-                      </a:solidFill>
-                      <a:latin typeface="微软雅黑" panose="020B0503020204020204" pitchFamily="34" charset="-122"/>
-                      <a:ea typeface="微软雅黑" panose="020B0503020204020204" pitchFamily="34" charset="-122"/>
-                    </a:rPr>
-                    <a:t>Mirai</a:t>
-                  </a:r>
-                  <a:endParaRPr lang="zh-CN" altLang="en-US" sz="1600" dirty="0">
-                    <a:solidFill>
-                      <a:schemeClr val="bg1"/>
-                    </a:solidFill>
-                    <a:latin typeface="微软雅黑" panose="020B0503020204020204" pitchFamily="34" charset="-122"/>
-                    <a:ea typeface="微软雅黑" panose="020B0503020204020204" pitchFamily="34" charset="-122"/>
-                  </a:endParaRPr>
-                </a:p>
-              </p:txBody>
-            </p:sp>
-            <p:cxnSp>
-              <p:nvCxnSpPr>
-                <p:cNvPr id="46" name="直接箭头连接符 49">
-                  <a:extLst>
-                    <a:ext uri="{FF2B5EF4-FFF2-40B4-BE49-F238E27FC236}">
-                      <a16:creationId xmlns:a16="http://schemas.microsoft.com/office/drawing/2014/main" id="{68E713EB-F53E-274A-8457-F7A64486D0C2}"/>
-                    </a:ext>
-                  </a:extLst>
-                </p:cNvPr>
-                <p:cNvCxnSpPr/>
-                <p:nvPr/>
-              </p:nvCxnSpPr>
-              <p:spPr>
-                <a:xfrm>
-                  <a:off x="4655660" y="4590612"/>
-                  <a:ext cx="0" cy="261877"/>
-                </a:xfrm>
-                <a:prstGeom prst="straightConnector1">
-                  <a:avLst/>
-                </a:prstGeom>
-                <a:ln w="19050">
-                  <a:tailEnd type="triangle"/>
-                </a:ln>
-              </p:spPr>
-              <p:style>
-                <a:lnRef idx="1">
-                  <a:schemeClr val="dk1"/>
-                </a:lnRef>
-                <a:fillRef idx="0">
-                  <a:schemeClr val="dk1"/>
-                </a:fillRef>
-                <a:effectRef idx="0">
-                  <a:schemeClr val="dk1"/>
-                </a:effectRef>
-                <a:fontRef idx="minor">
-                  <a:schemeClr val="tx1"/>
-                </a:fontRef>
-              </p:style>
-            </p:cxnSp>
-            <p:sp>
-              <p:nvSpPr>
-                <p:cNvPr id="48" name="任意多边形: 形状 51">
-                  <a:extLst>
-                    <a:ext uri="{FF2B5EF4-FFF2-40B4-BE49-F238E27FC236}">
-                      <a16:creationId xmlns:a16="http://schemas.microsoft.com/office/drawing/2014/main" id="{B42D25A1-A524-484F-B2C3-F6578B23A6B6}"/>
-                    </a:ext>
-                  </a:extLst>
-                </p:cNvPr>
-                <p:cNvSpPr/>
-                <p:nvPr/>
-              </p:nvSpPr>
-              <p:spPr>
-                <a:xfrm>
-                  <a:off x="7264400" y="6248400"/>
-                  <a:ext cx="1803400" cy="596900"/>
-                </a:xfrm>
-                <a:custGeom>
-                  <a:avLst/>
-                  <a:gdLst>
-                    <a:gd name="connsiteX0" fmla="*/ 0 w 1803400"/>
-                    <a:gd name="connsiteY0" fmla="*/ 0 h 596900"/>
-                    <a:gd name="connsiteX1" fmla="*/ 0 w 1803400"/>
-                    <a:gd name="connsiteY1" fmla="*/ 0 h 596900"/>
-                    <a:gd name="connsiteX2" fmla="*/ 177800 w 1803400"/>
-                    <a:gd name="connsiteY2" fmla="*/ 38100 h 596900"/>
-                    <a:gd name="connsiteX3" fmla="*/ 279400 w 1803400"/>
-                    <a:gd name="connsiteY3" fmla="*/ 88900 h 596900"/>
-                    <a:gd name="connsiteX4" fmla="*/ 469900 w 1803400"/>
-                    <a:gd name="connsiteY4" fmla="*/ 114300 h 596900"/>
-                    <a:gd name="connsiteX5" fmla="*/ 647700 w 1803400"/>
-                    <a:gd name="connsiteY5" fmla="*/ 165100 h 596900"/>
-                    <a:gd name="connsiteX6" fmla="*/ 711200 w 1803400"/>
-                    <a:gd name="connsiteY6" fmla="*/ 177800 h 596900"/>
-                    <a:gd name="connsiteX7" fmla="*/ 1054100 w 1803400"/>
-                    <a:gd name="connsiteY7" fmla="*/ 190500 h 596900"/>
-                    <a:gd name="connsiteX8" fmla="*/ 1257300 w 1803400"/>
-                    <a:gd name="connsiteY8" fmla="*/ 190500 h 596900"/>
-                    <a:gd name="connsiteX9" fmla="*/ 1270000 w 1803400"/>
-                    <a:gd name="connsiteY9" fmla="*/ 152400 h 596900"/>
-                    <a:gd name="connsiteX10" fmla="*/ 1295400 w 1803400"/>
-                    <a:gd name="connsiteY10" fmla="*/ 101600 h 596900"/>
-                    <a:gd name="connsiteX11" fmla="*/ 1803400 w 1803400"/>
-                    <a:gd name="connsiteY11" fmla="*/ 596900 h 596900"/>
-                  </a:gdLst>
-                  <a:ahLst/>
-                  <a:cxnLst>
-                    <a:cxn ang="0">
-                      <a:pos x="connsiteX0" y="connsiteY0"/>
-                    </a:cxn>
-                    <a:cxn ang="0">
-                      <a:pos x="connsiteX1" y="connsiteY1"/>
-                    </a:cxn>
-                    <a:cxn ang="0">
-                      <a:pos x="connsiteX2" y="connsiteY2"/>
-                    </a:cxn>
-                    <a:cxn ang="0">
-                      <a:pos x="connsiteX3" y="connsiteY3"/>
-                    </a:cxn>
-                    <a:cxn ang="0">
-                      <a:pos x="connsiteX4" y="connsiteY4"/>
-                    </a:cxn>
-                    <a:cxn ang="0">
-                      <a:pos x="connsiteX5" y="connsiteY5"/>
-                    </a:cxn>
-                    <a:cxn ang="0">
-                      <a:pos x="connsiteX6" y="connsiteY6"/>
-                    </a:cxn>
-                    <a:cxn ang="0">
-                      <a:pos x="connsiteX7" y="connsiteY7"/>
-                    </a:cxn>
-                    <a:cxn ang="0">
-                      <a:pos x="connsiteX8" y="connsiteY8"/>
-                    </a:cxn>
-                    <a:cxn ang="0">
-                      <a:pos x="connsiteX9" y="connsiteY9"/>
-                    </a:cxn>
-                    <a:cxn ang="0">
-                      <a:pos x="connsiteX10" y="connsiteY10"/>
-                    </a:cxn>
-                    <a:cxn ang="0">
-                      <a:pos x="connsiteX11" y="connsiteY11"/>
-                    </a:cxn>
-                  </a:cxnLst>
-                  <a:rect l="l" t="t" r="r" b="b"/>
-                  <a:pathLst>
-                    <a:path w="1803400" h="596900">
-                      <a:moveTo>
-                        <a:pt x="0" y="0"/>
-                      </a:moveTo>
-                      <a:lnTo>
-                        <a:pt x="0" y="0"/>
-                      </a:lnTo>
-                      <a:cubicBezTo>
-                        <a:pt x="59267" y="12700"/>
-                        <a:pt x="120041" y="19722"/>
-                        <a:pt x="177800" y="38100"/>
-                      </a:cubicBezTo>
-                      <a:cubicBezTo>
-                        <a:pt x="213882" y="49581"/>
-                        <a:pt x="242762" y="79342"/>
-                        <a:pt x="279400" y="88900"/>
-                      </a:cubicBezTo>
-                      <a:cubicBezTo>
-                        <a:pt x="341387" y="105071"/>
-                        <a:pt x="406400" y="105833"/>
-                        <a:pt x="469900" y="114300"/>
-                      </a:cubicBezTo>
-                      <a:cubicBezTo>
-                        <a:pt x="529167" y="131233"/>
-                        <a:pt x="587259" y="153012"/>
-                        <a:pt x="647700" y="165100"/>
-                      </a:cubicBezTo>
-                      <a:cubicBezTo>
-                        <a:pt x="668867" y="169333"/>
-                        <a:pt x="689656" y="176454"/>
-                        <a:pt x="711200" y="177800"/>
-                      </a:cubicBezTo>
-                      <a:cubicBezTo>
-                        <a:pt x="825356" y="184935"/>
-                        <a:pt x="939800" y="186267"/>
-                        <a:pt x="1054100" y="190500"/>
-                      </a:cubicBezTo>
-                      <a:cubicBezTo>
-                        <a:pt x="1121089" y="200070"/>
-                        <a:pt x="1189908" y="217457"/>
-                        <a:pt x="1257300" y="190500"/>
-                      </a:cubicBezTo>
-                      <a:cubicBezTo>
-                        <a:pt x="1269729" y="185528"/>
-                        <a:pt x="1264727" y="164705"/>
-                        <a:pt x="1270000" y="152400"/>
-                      </a:cubicBezTo>
-                      <a:cubicBezTo>
-                        <a:pt x="1277458" y="134999"/>
-                        <a:pt x="1295400" y="101600"/>
-                        <a:pt x="1295400" y="101600"/>
-                      </a:cubicBezTo>
-                      <a:lnTo>
-                        <a:pt x="1803400" y="596900"/>
-                      </a:lnTo>
-                    </a:path>
-                  </a:pathLst>
-                </a:custGeom>
-                <a:noFill/>
-                <a:ln w="76200">
-                  <a:noFill/>
-                </a:ln>
-              </p:spPr>
-              <p:style>
-                <a:lnRef idx="2">
-                  <a:schemeClr val="accent1">
-                    <a:shade val="50000"/>
-                  </a:schemeClr>
-                </a:lnRef>
-                <a:fillRef idx="1">
-                  <a:schemeClr val="accent1"/>
-                </a:fillRef>
-                <a:effectRef idx="0">
-                  <a:schemeClr val="accent1"/>
-                </a:effectRef>
-                <a:fontRef idx="minor">
-                  <a:schemeClr val="lt1"/>
-                </a:fontRef>
-              </p:style>
-              <p:txBody>
-                <a:bodyPr rtlCol="0" anchor="ctr"/>
-                <a:lstStyle/>
-                <a:p>
-                  <a:pPr algn="ctr"/>
-                  <a:endParaRPr lang="zh-CN" altLang="en-US"/>
-                </a:p>
-              </p:txBody>
-            </p:sp>
-            <p:sp>
-              <p:nvSpPr>
-                <p:cNvPr id="49" name="文本框 48">
-                  <a:extLst>
-                    <a:ext uri="{FF2B5EF4-FFF2-40B4-BE49-F238E27FC236}">
-                      <a16:creationId xmlns:a16="http://schemas.microsoft.com/office/drawing/2014/main" id="{856B1AD0-92F2-3A4B-B9FF-10C9EB0D3A29}"/>
-                    </a:ext>
-                  </a:extLst>
-                </p:cNvPr>
-                <p:cNvSpPr txBox="1"/>
-                <p:nvPr/>
-              </p:nvSpPr>
-              <p:spPr>
-                <a:xfrm>
-                  <a:off x="7848037" y="5603643"/>
-                  <a:ext cx="1967393" cy="280173"/>
-                </a:xfrm>
-                <a:prstGeom prst="rect">
-                  <a:avLst/>
-                </a:prstGeom>
-                <a:solidFill>
-                  <a:srgbClr val="C2C2C2"/>
-                </a:solidFill>
-              </p:spPr>
-              <p:txBody>
-                <a:bodyPr wrap="square" rtlCol="0">
-                  <a:spAutoFit/>
-                </a:bodyPr>
-                <a:lstStyle/>
-                <a:p>
-                  <a:pPr algn="ctr"/>
-                  <a:r>
-                    <a:rPr lang="en-US" altLang="zh-CN" sz="1100" b="1" dirty="0">
-                      <a:latin typeface="微软雅黑" panose="020B0503020204020204" pitchFamily="34" charset="-122"/>
-                      <a:ea typeface="微软雅黑" panose="020B0503020204020204" pitchFamily="34" charset="-122"/>
-                    </a:rPr>
-                    <a:t>Technical Aspects</a:t>
-                  </a:r>
-                  <a:endParaRPr lang="zh-CN" altLang="en-US" sz="1100" b="1" dirty="0">
-                    <a:latin typeface="微软雅黑" panose="020B0503020204020204" pitchFamily="34" charset="-122"/>
-                    <a:ea typeface="微软雅黑" panose="020B0503020204020204" pitchFamily="34" charset="-122"/>
-                  </a:endParaRPr>
-                </a:p>
-              </p:txBody>
-            </p:sp>
-            <p:grpSp>
-              <p:nvGrpSpPr>
-                <p:cNvPr id="50" name="组合 49">
-                  <a:extLst>
-                    <a:ext uri="{FF2B5EF4-FFF2-40B4-BE49-F238E27FC236}">
-                      <a16:creationId xmlns:a16="http://schemas.microsoft.com/office/drawing/2014/main" id="{F4226494-7AEC-B640-8899-437D37CF66BF}"/>
-                    </a:ext>
-                  </a:extLst>
-                </p:cNvPr>
-                <p:cNvGrpSpPr/>
-                <p:nvPr/>
-              </p:nvGrpSpPr>
-              <p:grpSpPr>
-                <a:xfrm>
-                  <a:off x="6607335" y="5727003"/>
-                  <a:ext cx="1240701" cy="767081"/>
-                  <a:chOff x="6607335" y="5727003"/>
-                  <a:chExt cx="1240701" cy="767081"/>
-                </a:xfrm>
-              </p:grpSpPr>
-              <p:cxnSp>
-                <p:nvCxnSpPr>
-                  <p:cNvPr id="75" name="直接连接符 100">
-                    <a:extLst>
-                      <a:ext uri="{FF2B5EF4-FFF2-40B4-BE49-F238E27FC236}">
-                        <a16:creationId xmlns:a16="http://schemas.microsoft.com/office/drawing/2014/main" id="{C4B40CD3-EF06-494B-99CE-AC065221129F}"/>
-                      </a:ext>
-                    </a:extLst>
-                  </p:cNvPr>
-                  <p:cNvCxnSpPr>
-                    <a:cxnSpLocks/>
-                  </p:cNvCxnSpPr>
-                  <p:nvPr/>
-                </p:nvCxnSpPr>
-                <p:spPr>
-                  <a:xfrm>
-                    <a:off x="6607335" y="6116894"/>
-                    <a:ext cx="675489" cy="0"/>
-                  </a:xfrm>
-                  <a:prstGeom prst="line">
-                    <a:avLst/>
-                  </a:prstGeom>
-                  <a:ln w="19050"/>
-                </p:spPr>
-                <p:style>
-                  <a:lnRef idx="1">
-                    <a:schemeClr val="dk1"/>
-                  </a:lnRef>
-                  <a:fillRef idx="0">
-                    <a:schemeClr val="dk1"/>
-                  </a:fillRef>
-                  <a:effectRef idx="0">
-                    <a:schemeClr val="dk1"/>
-                  </a:effectRef>
-                  <a:fontRef idx="minor">
-                    <a:schemeClr val="tx1"/>
-                  </a:fontRef>
-                </p:style>
-              </p:cxnSp>
-              <p:cxnSp>
-                <p:nvCxnSpPr>
-                  <p:cNvPr id="76" name="直接连接符 101">
-                    <a:extLst>
-                      <a:ext uri="{FF2B5EF4-FFF2-40B4-BE49-F238E27FC236}">
-                        <a16:creationId xmlns:a16="http://schemas.microsoft.com/office/drawing/2014/main" id="{1241D7F8-66C6-2A4F-B4F3-6BF7E506C31C}"/>
-                      </a:ext>
-                    </a:extLst>
-                  </p:cNvPr>
-                  <p:cNvCxnSpPr>
-                    <a:cxnSpLocks/>
-                  </p:cNvCxnSpPr>
-                  <p:nvPr/>
-                </p:nvCxnSpPr>
-                <p:spPr>
-                  <a:xfrm>
-                    <a:off x="7282824" y="5727003"/>
-                    <a:ext cx="0" cy="767081"/>
-                  </a:xfrm>
-                  <a:prstGeom prst="line">
-                    <a:avLst/>
-                  </a:prstGeom>
-                  <a:ln w="19050"/>
-                </p:spPr>
-                <p:style>
-                  <a:lnRef idx="1">
-                    <a:schemeClr val="dk1"/>
-                  </a:lnRef>
-                  <a:fillRef idx="0">
-                    <a:schemeClr val="dk1"/>
-                  </a:fillRef>
-                  <a:effectRef idx="0">
-                    <a:schemeClr val="dk1"/>
-                  </a:effectRef>
-                  <a:fontRef idx="minor">
-                    <a:schemeClr val="tx1"/>
-                  </a:fontRef>
-                </p:style>
-              </p:cxnSp>
-              <p:cxnSp>
-                <p:nvCxnSpPr>
-                  <p:cNvPr id="77" name="直接连接符 102">
-                    <a:extLst>
-                      <a:ext uri="{FF2B5EF4-FFF2-40B4-BE49-F238E27FC236}">
-                        <a16:creationId xmlns:a16="http://schemas.microsoft.com/office/drawing/2014/main" id="{3F167C63-8C26-0C4F-996D-034C999E1BD1}"/>
-                      </a:ext>
-                    </a:extLst>
-                  </p:cNvPr>
-                  <p:cNvCxnSpPr>
-                    <a:cxnSpLocks/>
-                  </p:cNvCxnSpPr>
-                  <p:nvPr/>
-                </p:nvCxnSpPr>
-                <p:spPr>
-                  <a:xfrm>
-                    <a:off x="7276536" y="5744834"/>
+                    <a:off x="7443470" y="2438600"/>
                     <a:ext cx="571500" cy="0"/>
                   </a:xfrm>
                   <a:prstGeom prst="line">
@@ -9442,10 +9683,10 @@
               </p:cxnSp>
               <p:cxnSp>
                 <p:nvCxnSpPr>
-                  <p:cNvPr id="79" name="直接连接符 104">
+                  <p:cNvPr id="55" name="直接连接符 60">
                     <a:extLst>
                       <a:ext uri="{FF2B5EF4-FFF2-40B4-BE49-F238E27FC236}">
-                        <a16:creationId xmlns:a16="http://schemas.microsoft.com/office/drawing/2014/main" id="{280D7684-2F86-6941-8E68-B66423AC3E9E}"/>
+                        <a16:creationId xmlns:a16="http://schemas.microsoft.com/office/drawing/2014/main" id="{7AB078E4-3B78-F24D-97BE-30BDAEE366C5}"/>
                       </a:ext>
                     </a:extLst>
                   </p:cNvPr>
@@ -9456,7 +9697,7 @@
                 </p:nvCxnSpPr>
                 <p:spPr>
                   <a:xfrm>
-                    <a:off x="7276536" y="6494084"/>
+                    <a:off x="7437481" y="3508986"/>
                     <a:ext cx="571500" cy="0"/>
                   </a:xfrm>
                   <a:prstGeom prst="line">
@@ -9479,213 +9720,555 @@
                   </a:fontRef>
                 </p:style>
               </p:cxnSp>
+              <p:sp>
+                <p:nvSpPr>
+                  <p:cNvPr id="59" name="文本框 58">
+                    <a:extLst>
+                      <a:ext uri="{FF2B5EF4-FFF2-40B4-BE49-F238E27FC236}">
+                        <a16:creationId xmlns:a16="http://schemas.microsoft.com/office/drawing/2014/main" id="{7FC5C616-BFF9-2F42-922B-97577990FA15}"/>
+                      </a:ext>
+                    </a:extLst>
+                  </p:cNvPr>
+                  <p:cNvSpPr txBox="1"/>
+                  <p:nvPr/>
+                </p:nvSpPr>
+                <p:spPr>
+                  <a:xfrm>
+                    <a:off x="7884003" y="6163935"/>
+                    <a:ext cx="1931427" cy="280173"/>
+                  </a:xfrm>
+                  <a:prstGeom prst="rect">
+                    <a:avLst/>
+                  </a:prstGeom>
+                  <a:solidFill>
+                    <a:srgbClr val="C2C2C2"/>
+                  </a:solidFill>
+                </p:spPr>
+                <p:txBody>
+                  <a:bodyPr wrap="square" rtlCol="0">
+                    <a:spAutoFit/>
+                  </a:bodyPr>
+                  <a:lstStyle/>
+                  <a:p>
+                    <a:r>
+                      <a:rPr lang="en-US" altLang="zh-CN" sz="1100" b="1">
+                        <a:latin typeface="微软雅黑" panose="020B0503020204020204" pitchFamily="34" charset="-122"/>
+                        <a:ea typeface="微软雅黑" panose="020B0503020204020204" pitchFamily="34" charset="-122"/>
+                      </a:rPr>
+                      <a:t>             Detecting</a:t>
+                    </a:r>
+                    <a:endParaRPr lang="zh-CN" altLang="en-US" sz="1400" b="1" dirty="0">
+                      <a:latin typeface="微软雅黑" panose="020B0503020204020204" pitchFamily="34" charset="-122"/>
+                      <a:ea typeface="微软雅黑" panose="020B0503020204020204" pitchFamily="34" charset="-122"/>
+                    </a:endParaRPr>
+                  </a:p>
+                </p:txBody>
+              </p:sp>
+              <p:cxnSp>
+                <p:nvCxnSpPr>
+                  <p:cNvPr id="62" name="直接连接符 67">
+                    <a:extLst>
+                      <a:ext uri="{FF2B5EF4-FFF2-40B4-BE49-F238E27FC236}">
+                        <a16:creationId xmlns:a16="http://schemas.microsoft.com/office/drawing/2014/main" id="{49D65E5B-D3FB-384C-9084-9E1CBDBB3243}"/>
+                      </a:ext>
+                    </a:extLst>
+                  </p:cNvPr>
+                  <p:cNvCxnSpPr>
+                    <a:cxnSpLocks/>
+                  </p:cNvCxnSpPr>
+                  <p:nvPr/>
+                </p:nvCxnSpPr>
+                <p:spPr>
+                  <a:xfrm>
+                    <a:off x="6064424" y="7359476"/>
+                    <a:ext cx="5572039" cy="0"/>
+                  </a:xfrm>
+                  <a:prstGeom prst="line">
+                    <a:avLst/>
+                  </a:prstGeom>
+                  <a:ln w="25400">
+                    <a:solidFill>
+                      <a:schemeClr val="tx1"/>
+                    </a:solidFill>
+                    <a:prstDash val="lgDash"/>
+                  </a:ln>
+                </p:spPr>
+                <p:style>
+                  <a:lnRef idx="1">
+                    <a:schemeClr val="accent1"/>
+                  </a:lnRef>
+                  <a:fillRef idx="0">
+                    <a:schemeClr val="accent1"/>
+                  </a:fillRef>
+                  <a:effectRef idx="0">
+                    <a:schemeClr val="accent1"/>
+                  </a:effectRef>
+                  <a:fontRef idx="minor">
+                    <a:schemeClr val="tx1"/>
+                  </a:fontRef>
+                </p:style>
+              </p:cxnSp>
+              <p:cxnSp>
+                <p:nvCxnSpPr>
+                  <p:cNvPr id="63" name="直接连接符 68">
+                    <a:extLst>
+                      <a:ext uri="{FF2B5EF4-FFF2-40B4-BE49-F238E27FC236}">
+                        <a16:creationId xmlns:a16="http://schemas.microsoft.com/office/drawing/2014/main" id="{A236BE83-9358-D848-B2DA-2E9144DDE7C6}"/>
+                      </a:ext>
+                    </a:extLst>
+                  </p:cNvPr>
+                  <p:cNvCxnSpPr>
+                    <a:cxnSpLocks/>
+                  </p:cNvCxnSpPr>
+                  <p:nvPr/>
+                </p:nvCxnSpPr>
+                <p:spPr>
+                  <a:xfrm>
+                    <a:off x="7751787" y="2026044"/>
+                    <a:ext cx="2811508" cy="1634"/>
+                  </a:xfrm>
+                  <a:prstGeom prst="line">
+                    <a:avLst/>
+                  </a:prstGeom>
+                  <a:ln w="19050">
+                    <a:solidFill>
+                      <a:schemeClr val="tx1"/>
+                    </a:solidFill>
+                  </a:ln>
+                </p:spPr>
+                <p:style>
+                  <a:lnRef idx="1">
+                    <a:schemeClr val="accent3"/>
+                  </a:lnRef>
+                  <a:fillRef idx="0">
+                    <a:schemeClr val="accent3"/>
+                  </a:fillRef>
+                  <a:effectRef idx="0">
+                    <a:schemeClr val="accent3"/>
+                  </a:effectRef>
+                  <a:fontRef idx="minor">
+                    <a:schemeClr val="tx1"/>
+                  </a:fontRef>
+                </p:style>
+              </p:cxnSp>
+              <p:cxnSp>
+                <p:nvCxnSpPr>
+                  <p:cNvPr id="64" name="直接连接符 69">
+                    <a:extLst>
+                      <a:ext uri="{FF2B5EF4-FFF2-40B4-BE49-F238E27FC236}">
+                        <a16:creationId xmlns:a16="http://schemas.microsoft.com/office/drawing/2014/main" id="{2E725BAB-DDE9-144F-AB3D-6C9C5AE458B3}"/>
+                      </a:ext>
+                    </a:extLst>
+                  </p:cNvPr>
+                  <p:cNvCxnSpPr>
+                    <a:cxnSpLocks/>
+                  </p:cNvCxnSpPr>
+                  <p:nvPr/>
+                </p:nvCxnSpPr>
+                <p:spPr>
+                  <a:xfrm>
+                    <a:off x="10566400" y="2033263"/>
+                    <a:ext cx="0" cy="1475723"/>
+                  </a:xfrm>
+                  <a:prstGeom prst="line">
+                    <a:avLst/>
+                  </a:prstGeom>
+                  <a:ln w="19050">
+                    <a:solidFill>
+                      <a:schemeClr val="tx1"/>
+                    </a:solidFill>
+                  </a:ln>
+                </p:spPr>
+                <p:style>
+                  <a:lnRef idx="1">
+                    <a:schemeClr val="accent3"/>
+                  </a:lnRef>
+                  <a:fillRef idx="0">
+                    <a:schemeClr val="accent3"/>
+                  </a:fillRef>
+                  <a:effectRef idx="0">
+                    <a:schemeClr val="accent3"/>
+                  </a:effectRef>
+                  <a:fontRef idx="minor">
+                    <a:schemeClr val="tx1"/>
+                  </a:fontRef>
+                </p:style>
+              </p:cxnSp>
+              <p:cxnSp>
+                <p:nvCxnSpPr>
+                  <p:cNvPr id="65" name="直接连接符 70">
+                    <a:extLst>
+                      <a:ext uri="{FF2B5EF4-FFF2-40B4-BE49-F238E27FC236}">
+                        <a16:creationId xmlns:a16="http://schemas.microsoft.com/office/drawing/2014/main" id="{2D8B307C-78CF-1F4B-AF5F-F3CFB359217B}"/>
+                      </a:ext>
+                    </a:extLst>
+                  </p:cNvPr>
+                  <p:cNvCxnSpPr>
+                    <a:cxnSpLocks/>
+                  </p:cNvCxnSpPr>
+                  <p:nvPr/>
+                </p:nvCxnSpPr>
+                <p:spPr>
+                  <a:xfrm>
+                    <a:off x="10171034" y="3508986"/>
+                    <a:ext cx="395366" cy="0"/>
+                  </a:xfrm>
+                  <a:prstGeom prst="line">
+                    <a:avLst/>
+                  </a:prstGeom>
+                  <a:ln w="19050">
+                    <a:solidFill>
+                      <a:schemeClr val="tx1"/>
+                    </a:solidFill>
+                  </a:ln>
+                </p:spPr>
+                <p:style>
+                  <a:lnRef idx="1">
+                    <a:schemeClr val="accent3"/>
+                  </a:lnRef>
+                  <a:fillRef idx="0">
+                    <a:schemeClr val="accent3"/>
+                  </a:fillRef>
+                  <a:effectRef idx="0">
+                    <a:schemeClr val="accent3"/>
+                  </a:effectRef>
+                  <a:fontRef idx="minor">
+                    <a:schemeClr val="tx1"/>
+                  </a:fontRef>
+                </p:style>
+              </p:cxnSp>
+              <p:cxnSp>
+                <p:nvCxnSpPr>
+                  <p:cNvPr id="66" name="直接箭头连接符 72">
+                    <a:extLst>
+                      <a:ext uri="{FF2B5EF4-FFF2-40B4-BE49-F238E27FC236}">
+                        <a16:creationId xmlns:a16="http://schemas.microsoft.com/office/drawing/2014/main" id="{51563D45-539A-D645-AF8A-4BB7597EE635}"/>
+                      </a:ext>
+                    </a:extLst>
+                  </p:cNvPr>
+                  <p:cNvCxnSpPr>
+                    <a:cxnSpLocks/>
+                  </p:cNvCxnSpPr>
+                  <p:nvPr/>
+                </p:nvCxnSpPr>
+                <p:spPr>
+                  <a:xfrm flipH="1">
+                    <a:off x="4661417" y="3587592"/>
+                    <a:ext cx="1" cy="185679"/>
+                  </a:xfrm>
+                  <a:prstGeom prst="straightConnector1">
+                    <a:avLst/>
+                  </a:prstGeom>
+                  <a:ln w="19050">
+                    <a:tailEnd type="triangle"/>
+                  </a:ln>
+                </p:spPr>
+                <p:style>
+                  <a:lnRef idx="1">
+                    <a:schemeClr val="dk1"/>
+                  </a:lnRef>
+                  <a:fillRef idx="0">
+                    <a:schemeClr val="dk1"/>
+                  </a:fillRef>
+                  <a:effectRef idx="0">
+                    <a:schemeClr val="dk1"/>
+                  </a:effectRef>
+                  <a:fontRef idx="minor">
+                    <a:schemeClr val="tx1"/>
+                  </a:fontRef>
+                </p:style>
+              </p:cxnSp>
+              <p:cxnSp>
+                <p:nvCxnSpPr>
+                  <p:cNvPr id="71" name="直接连接符 92">
+                    <a:extLst>
+                      <a:ext uri="{FF2B5EF4-FFF2-40B4-BE49-F238E27FC236}">
+                        <a16:creationId xmlns:a16="http://schemas.microsoft.com/office/drawing/2014/main" id="{E6E386D3-E998-8C4F-8C7E-ECBC81DF0896}"/>
+                      </a:ext>
+                    </a:extLst>
+                  </p:cNvPr>
+                  <p:cNvCxnSpPr>
+                    <a:cxnSpLocks/>
+                  </p:cNvCxnSpPr>
+                  <p:nvPr/>
+                </p:nvCxnSpPr>
+                <p:spPr>
+                  <a:xfrm>
+                    <a:off x="11734800" y="734352"/>
+                    <a:ext cx="0" cy="6625125"/>
+                  </a:xfrm>
+                  <a:prstGeom prst="line">
+                    <a:avLst/>
+                  </a:prstGeom>
+                  <a:ln w="25400">
+                    <a:solidFill>
+                      <a:schemeClr val="tx1"/>
+                    </a:solidFill>
+                    <a:prstDash val="lgDash"/>
+                  </a:ln>
+                </p:spPr>
+                <p:style>
+                  <a:lnRef idx="1">
+                    <a:schemeClr val="accent1"/>
+                  </a:lnRef>
+                  <a:fillRef idx="0">
+                    <a:schemeClr val="accent1"/>
+                  </a:fillRef>
+                  <a:effectRef idx="0">
+                    <a:schemeClr val="accent1"/>
+                  </a:effectRef>
+                  <a:fontRef idx="minor">
+                    <a:schemeClr val="tx1"/>
+                  </a:fontRef>
+                </p:style>
+              </p:cxnSp>
+              <p:cxnSp>
+                <p:nvCxnSpPr>
+                  <p:cNvPr id="72" name="直接连接符 93">
+                    <a:extLst>
+                      <a:ext uri="{FF2B5EF4-FFF2-40B4-BE49-F238E27FC236}">
+                        <a16:creationId xmlns:a16="http://schemas.microsoft.com/office/drawing/2014/main" id="{E58B07B7-6431-674F-B0C5-CB017490C38A}"/>
+                      </a:ext>
+                    </a:extLst>
+                  </p:cNvPr>
+                  <p:cNvCxnSpPr>
+                    <a:cxnSpLocks/>
+                    <a:endCxn id="13" idx="1"/>
+                  </p:cNvCxnSpPr>
+                  <p:nvPr/>
+                </p:nvCxnSpPr>
+                <p:spPr>
+                  <a:xfrm flipV="1">
+                    <a:off x="391319" y="719534"/>
+                    <a:ext cx="3258563" cy="14819"/>
+                  </a:xfrm>
+                  <a:prstGeom prst="line">
+                    <a:avLst/>
+                  </a:prstGeom>
+                  <a:ln w="25400">
+                    <a:solidFill>
+                      <a:schemeClr val="tx1"/>
+                    </a:solidFill>
+                    <a:prstDash val="lgDash"/>
+                  </a:ln>
+                </p:spPr>
+                <p:style>
+                  <a:lnRef idx="1">
+                    <a:schemeClr val="accent1"/>
+                  </a:lnRef>
+                  <a:fillRef idx="0">
+                    <a:schemeClr val="accent1"/>
+                  </a:fillRef>
+                  <a:effectRef idx="0">
+                    <a:schemeClr val="accent1"/>
+                  </a:effectRef>
+                  <a:fontRef idx="minor">
+                    <a:schemeClr val="tx1"/>
+                  </a:fontRef>
+                </p:style>
+              </p:cxnSp>
+              <p:cxnSp>
+                <p:nvCxnSpPr>
+                  <p:cNvPr id="73" name="直接连接符 94">
+                    <a:extLst>
+                      <a:ext uri="{FF2B5EF4-FFF2-40B4-BE49-F238E27FC236}">
+                        <a16:creationId xmlns:a16="http://schemas.microsoft.com/office/drawing/2014/main" id="{C73085AE-632A-ED45-BAFC-D5813B819D26}"/>
+                      </a:ext>
+                    </a:extLst>
+                  </p:cNvPr>
+                  <p:cNvCxnSpPr>
+                    <a:cxnSpLocks/>
+                  </p:cNvCxnSpPr>
+                  <p:nvPr/>
+                </p:nvCxnSpPr>
+                <p:spPr>
+                  <a:xfrm flipH="1">
+                    <a:off x="354591" y="734352"/>
+                    <a:ext cx="36729" cy="6658894"/>
+                  </a:xfrm>
+                  <a:prstGeom prst="line">
+                    <a:avLst/>
+                  </a:prstGeom>
+                  <a:ln w="25400">
+                    <a:solidFill>
+                      <a:schemeClr val="tx1"/>
+                    </a:solidFill>
+                    <a:prstDash val="lgDash"/>
+                  </a:ln>
+                </p:spPr>
+                <p:style>
+                  <a:lnRef idx="1">
+                    <a:schemeClr val="accent1"/>
+                  </a:lnRef>
+                  <a:fillRef idx="0">
+                    <a:schemeClr val="accent1"/>
+                  </a:fillRef>
+                  <a:effectRef idx="0">
+                    <a:schemeClr val="accent1"/>
+                  </a:effectRef>
+                  <a:fontRef idx="minor">
+                    <a:schemeClr val="tx1"/>
+                  </a:fontRef>
+                </p:style>
+              </p:cxnSp>
+              <p:cxnSp>
+                <p:nvCxnSpPr>
+                  <p:cNvPr id="74" name="直接连接符 95">
+                    <a:extLst>
+                      <a:ext uri="{FF2B5EF4-FFF2-40B4-BE49-F238E27FC236}">
+                        <a16:creationId xmlns:a16="http://schemas.microsoft.com/office/drawing/2014/main" id="{F34524E9-1C04-0644-B92C-8D6BD2569F9D}"/>
+                      </a:ext>
+                    </a:extLst>
+                  </p:cNvPr>
+                  <p:cNvCxnSpPr>
+                    <a:cxnSpLocks/>
+                  </p:cNvCxnSpPr>
+                  <p:nvPr/>
+                </p:nvCxnSpPr>
+                <p:spPr>
+                  <a:xfrm>
+                    <a:off x="391319" y="7393245"/>
+                    <a:ext cx="2509567" cy="1"/>
+                  </a:xfrm>
+                  <a:prstGeom prst="line">
+                    <a:avLst/>
+                  </a:prstGeom>
+                  <a:ln w="25400">
+                    <a:solidFill>
+                      <a:schemeClr val="tx1"/>
+                    </a:solidFill>
+                    <a:prstDash val="lgDash"/>
+                  </a:ln>
+                </p:spPr>
+                <p:style>
+                  <a:lnRef idx="1">
+                    <a:schemeClr val="accent1"/>
+                  </a:lnRef>
+                  <a:fillRef idx="0">
+                    <a:schemeClr val="accent1"/>
+                  </a:fillRef>
+                  <a:effectRef idx="0">
+                    <a:schemeClr val="accent1"/>
+                  </a:effectRef>
+                  <a:fontRef idx="minor">
+                    <a:schemeClr val="tx1"/>
+                  </a:fontRef>
+                </p:style>
+              </p:cxnSp>
+              <p:sp>
+                <p:nvSpPr>
+                  <p:cNvPr id="47" name="文本框 46">
+                    <a:extLst>
+                      <a:ext uri="{FF2B5EF4-FFF2-40B4-BE49-F238E27FC236}">
+                        <a16:creationId xmlns:a16="http://schemas.microsoft.com/office/drawing/2014/main" id="{1C479CA4-72C8-C04C-964C-4CE16880D62E}"/>
+                      </a:ext>
+                    </a:extLst>
+                  </p:cNvPr>
+                  <p:cNvSpPr txBox="1"/>
+                  <p:nvPr/>
+                </p:nvSpPr>
+                <p:spPr>
+                  <a:xfrm>
+                    <a:off x="2433984" y="4857910"/>
+                    <a:ext cx="4123400" cy="395538"/>
+                  </a:xfrm>
+                  <a:prstGeom prst="rect">
+                    <a:avLst/>
+                  </a:prstGeom>
+                  <a:solidFill>
+                    <a:srgbClr val="4F81BD"/>
+                  </a:solidFill>
+                </p:spPr>
+                <p:txBody>
+                  <a:bodyPr wrap="square" rtlCol="0">
+                    <a:spAutoFit/>
+                  </a:bodyPr>
+                  <a:lstStyle/>
+                  <a:p>
+                    <a:r>
+                      <a:rPr lang="en-US" altLang="zh-CN" i="1" dirty="0">
+                        <a:solidFill>
+                          <a:schemeClr val="bg1"/>
+                        </a:solidFill>
+                      </a:rPr>
+                      <a:t>     </a:t>
+                    </a:r>
+                    <a:r>
+                      <a:rPr lang="en-US" altLang="zh-CN" i="1" dirty="0" err="1">
+                        <a:solidFill>
+                          <a:schemeClr val="bg1"/>
+                        </a:solidFill>
+                      </a:rPr>
+                      <a:t>Mirai’s</a:t>
+                    </a:r>
+                    <a:r>
+                      <a:rPr lang="en-US" altLang="zh-CN" i="1" dirty="0">
+                        <a:solidFill>
+                          <a:schemeClr val="bg1"/>
+                        </a:solidFill>
+                      </a:rPr>
+                      <a:t> Behavior and Spread</a:t>
+                    </a:r>
+                    <a:endParaRPr lang="en-GB" altLang="zh-CN" i="1" dirty="0">
+                      <a:solidFill>
+                        <a:schemeClr val="bg1"/>
+                      </a:solidFill>
+                    </a:endParaRPr>
+                  </a:p>
+                </p:txBody>
+              </p:sp>
+              <p:sp>
+                <p:nvSpPr>
+                  <p:cNvPr id="19" name="文本框 18">
+                    <a:extLst>
+                      <a:ext uri="{FF2B5EF4-FFF2-40B4-BE49-F238E27FC236}">
+                        <a16:creationId xmlns:a16="http://schemas.microsoft.com/office/drawing/2014/main" id="{B1F98928-53EE-F947-9507-951127A3977D}"/>
+                      </a:ext>
+                    </a:extLst>
+                  </p:cNvPr>
+                  <p:cNvSpPr txBox="1"/>
+                  <p:nvPr/>
+                </p:nvSpPr>
+                <p:spPr>
+                  <a:xfrm>
+                    <a:off x="6660329" y="4026977"/>
+                    <a:ext cx="1514552" cy="329615"/>
+                  </a:xfrm>
+                  <a:prstGeom prst="rect">
+                    <a:avLst/>
+                  </a:prstGeom>
+                  <a:solidFill>
+                    <a:srgbClr val="C2C2C2"/>
+                  </a:solidFill>
+                </p:spPr>
+                <p:txBody>
+                  <a:bodyPr wrap="square" rtlCol="0">
+                    <a:spAutoFit/>
+                  </a:bodyPr>
+                  <a:lstStyle/>
+                  <a:p>
+                    <a:pPr algn="ctr"/>
+                    <a:r>
+                      <a:rPr lang="en-US" altLang="zh-CN" sz="1400" b="1" dirty="0">
+                        <a:latin typeface="微软雅黑" panose="020B0503020204020204" pitchFamily="34" charset="-122"/>
+                        <a:ea typeface="微软雅黑" panose="020B0503020204020204" pitchFamily="34" charset="-122"/>
+                      </a:rPr>
+                      <a:t>Propagation</a:t>
+                    </a:r>
+                    <a:endParaRPr lang="zh-CN" altLang="en-US" sz="1400" b="1" dirty="0">
+                      <a:latin typeface="微软雅黑" panose="020B0503020204020204" pitchFamily="34" charset="-122"/>
+                      <a:ea typeface="微软雅黑" panose="020B0503020204020204" pitchFamily="34" charset="-122"/>
+                    </a:endParaRPr>
+                  </a:p>
+                </p:txBody>
+              </p:sp>
             </p:grpSp>
-            <p:cxnSp>
-              <p:nvCxnSpPr>
-                <p:cNvPr id="51" name="直接连接符 54">
+            <p:sp>
+              <p:nvSpPr>
+                <p:cNvPr id="13" name="文本框 12">
                   <a:extLst>
                     <a:ext uri="{FF2B5EF4-FFF2-40B4-BE49-F238E27FC236}">
-                      <a16:creationId xmlns:a16="http://schemas.microsoft.com/office/drawing/2014/main" id="{0A66BF5F-810E-1748-8FCA-5CE87BBBB3BA}"/>
-                    </a:ext>
-                  </a:extLst>
-                </p:cNvPr>
-                <p:cNvCxnSpPr>
-                  <a:cxnSpLocks/>
-                </p:cNvCxnSpPr>
-                <p:nvPr/>
-              </p:nvCxnSpPr>
-              <p:spPr>
-                <a:xfrm>
-                  <a:off x="5981700" y="734352"/>
-                  <a:ext cx="5753100" cy="0"/>
-                </a:xfrm>
-                <a:prstGeom prst="line">
-                  <a:avLst/>
-                </a:prstGeom>
-                <a:ln w="25400">
-                  <a:solidFill>
-                    <a:schemeClr val="tx1"/>
-                  </a:solidFill>
-                  <a:prstDash val="lgDash"/>
-                </a:ln>
-              </p:spPr>
-              <p:style>
-                <a:lnRef idx="1">
-                  <a:schemeClr val="accent1"/>
-                </a:lnRef>
-                <a:fillRef idx="0">
-                  <a:schemeClr val="accent1"/>
-                </a:fillRef>
-                <a:effectRef idx="0">
-                  <a:schemeClr val="accent1"/>
-                </a:effectRef>
-                <a:fontRef idx="minor">
-                  <a:schemeClr val="tx1"/>
-                </a:fontRef>
-              </p:style>
-            </p:cxnSp>
-            <p:cxnSp>
-              <p:nvCxnSpPr>
-                <p:cNvPr id="52" name="直接连接符 55">
-                  <a:extLst>
-                    <a:ext uri="{FF2B5EF4-FFF2-40B4-BE49-F238E27FC236}">
-                      <a16:creationId xmlns:a16="http://schemas.microsoft.com/office/drawing/2014/main" id="{C105C86A-4BEC-C147-9F3E-A077CD5AAFE7}"/>
-                    </a:ext>
-                  </a:extLst>
-                </p:cNvPr>
-                <p:cNvCxnSpPr>
-                  <a:cxnSpLocks/>
-                </p:cNvCxnSpPr>
-                <p:nvPr/>
-              </p:nvCxnSpPr>
-              <p:spPr>
-                <a:xfrm>
-                  <a:off x="6064424" y="2810661"/>
-                  <a:ext cx="1385333" cy="0"/>
-                </a:xfrm>
-                <a:prstGeom prst="line">
-                  <a:avLst/>
-                </a:prstGeom>
-                <a:ln w="19050"/>
-              </p:spPr>
-              <p:style>
-                <a:lnRef idx="1">
-                  <a:schemeClr val="dk1"/>
-                </a:lnRef>
-                <a:fillRef idx="0">
-                  <a:schemeClr val="dk1"/>
-                </a:fillRef>
-                <a:effectRef idx="0">
-                  <a:schemeClr val="dk1"/>
-                </a:effectRef>
-                <a:fontRef idx="minor">
-                  <a:schemeClr val="tx1"/>
-                </a:fontRef>
-              </p:style>
-            </p:cxnSp>
-            <p:cxnSp>
-              <p:nvCxnSpPr>
-                <p:cNvPr id="53" name="直接连接符 56">
-                  <a:extLst>
-                    <a:ext uri="{FF2B5EF4-FFF2-40B4-BE49-F238E27FC236}">
-                      <a16:creationId xmlns:a16="http://schemas.microsoft.com/office/drawing/2014/main" id="{62D85832-DDD1-F048-AFDF-7437E7027750}"/>
-                    </a:ext>
-                  </a:extLst>
-                </p:cNvPr>
-                <p:cNvCxnSpPr>
-                  <a:cxnSpLocks/>
-                </p:cNvCxnSpPr>
-                <p:nvPr/>
-              </p:nvCxnSpPr>
-              <p:spPr>
-                <a:xfrm>
-                  <a:off x="7449758" y="2420770"/>
-                  <a:ext cx="0" cy="1088216"/>
-                </a:xfrm>
-                <a:prstGeom prst="line">
-                  <a:avLst/>
-                </a:prstGeom>
-                <a:ln w="19050"/>
-              </p:spPr>
-              <p:style>
-                <a:lnRef idx="1">
-                  <a:schemeClr val="dk1"/>
-                </a:lnRef>
-                <a:fillRef idx="0">
-                  <a:schemeClr val="dk1"/>
-                </a:fillRef>
-                <a:effectRef idx="0">
-                  <a:schemeClr val="dk1"/>
-                </a:effectRef>
-                <a:fontRef idx="minor">
-                  <a:schemeClr val="tx1"/>
-                </a:fontRef>
-              </p:style>
-            </p:cxnSp>
-            <p:cxnSp>
-              <p:nvCxnSpPr>
-                <p:cNvPr id="54" name="直接连接符 57">
-                  <a:extLst>
-                    <a:ext uri="{FF2B5EF4-FFF2-40B4-BE49-F238E27FC236}">
-                      <a16:creationId xmlns:a16="http://schemas.microsoft.com/office/drawing/2014/main" id="{45A14633-BEE8-7D41-A88A-9D848CB49AAE}"/>
-                    </a:ext>
-                  </a:extLst>
-                </p:cNvPr>
-                <p:cNvCxnSpPr>
-                  <a:cxnSpLocks/>
-                </p:cNvCxnSpPr>
-                <p:nvPr/>
-              </p:nvCxnSpPr>
-              <p:spPr>
-                <a:xfrm>
-                  <a:off x="7443470" y="2438600"/>
-                  <a:ext cx="571500" cy="0"/>
-                </a:xfrm>
-                <a:prstGeom prst="line">
-                  <a:avLst/>
-                </a:prstGeom>
-                <a:ln w="19050"/>
-              </p:spPr>
-              <p:style>
-                <a:lnRef idx="1">
-                  <a:schemeClr val="dk1"/>
-                </a:lnRef>
-                <a:fillRef idx="0">
-                  <a:schemeClr val="dk1"/>
-                </a:fillRef>
-                <a:effectRef idx="0">
-                  <a:schemeClr val="dk1"/>
-                </a:effectRef>
-                <a:fontRef idx="minor">
-                  <a:schemeClr val="tx1"/>
-                </a:fontRef>
-              </p:style>
-            </p:cxnSp>
-            <p:cxnSp>
-              <p:nvCxnSpPr>
-                <p:cNvPr id="55" name="直接连接符 60">
-                  <a:extLst>
-                    <a:ext uri="{FF2B5EF4-FFF2-40B4-BE49-F238E27FC236}">
-                      <a16:creationId xmlns:a16="http://schemas.microsoft.com/office/drawing/2014/main" id="{7AB078E4-3B78-F24D-97BE-30BDAEE366C5}"/>
-                    </a:ext>
-                  </a:extLst>
-                </p:cNvPr>
-                <p:cNvCxnSpPr>
-                  <a:cxnSpLocks/>
-                </p:cNvCxnSpPr>
-                <p:nvPr/>
-              </p:nvCxnSpPr>
-              <p:spPr>
-                <a:xfrm>
-                  <a:off x="7437481" y="3508986"/>
-                  <a:ext cx="571500" cy="0"/>
-                </a:xfrm>
-                <a:prstGeom prst="line">
-                  <a:avLst/>
-                </a:prstGeom>
-                <a:ln w="19050"/>
-              </p:spPr>
-              <p:style>
-                <a:lnRef idx="1">
-                  <a:schemeClr val="dk1"/>
-                </a:lnRef>
-                <a:fillRef idx="0">
-                  <a:schemeClr val="dk1"/>
-                </a:fillRef>
-                <a:effectRef idx="0">
-                  <a:schemeClr val="dk1"/>
-                </a:effectRef>
-                <a:fontRef idx="minor">
-                  <a:schemeClr val="tx1"/>
-                </a:fontRef>
-              </p:style>
-            </p:cxnSp>
-            <p:sp>
-              <p:nvSpPr>
-                <p:cNvPr id="59" name="文本框 58">
-                  <a:extLst>
-                    <a:ext uri="{FF2B5EF4-FFF2-40B4-BE49-F238E27FC236}">
-                      <a16:creationId xmlns:a16="http://schemas.microsoft.com/office/drawing/2014/main" id="{7FC5C616-BFF9-2F42-922B-97577990FA15}"/>
+                      <a16:creationId xmlns:a16="http://schemas.microsoft.com/office/drawing/2014/main" id="{27D5D5F3-7821-AC4E-B121-44FDE744FFD3}"/>
                     </a:ext>
                   </a:extLst>
                 </p:cNvPr>
@@ -9694,14 +10277,14 @@
               </p:nvSpPr>
               <p:spPr>
                 <a:xfrm>
-                  <a:off x="7841652" y="6326613"/>
-                  <a:ext cx="2048168" cy="280173"/>
+                  <a:off x="3821239" y="986221"/>
+                  <a:ext cx="2945319" cy="395538"/>
                 </a:xfrm>
                 <a:prstGeom prst="rect">
                   <a:avLst/>
                 </a:prstGeom>
                 <a:solidFill>
-                  <a:srgbClr val="C2C2C2"/>
+                  <a:srgbClr val="819DDC"/>
                 </a:solidFill>
               </p:spPr>
               <p:txBody>
@@ -9710,472 +10293,18 @@
                 </a:bodyPr>
                 <a:lstStyle/>
                 <a:p>
+                  <a:pPr algn="ctr"/>
                   <a:r>
-                    <a:rPr lang="en-US" altLang="zh-CN" sz="1100" b="1" dirty="0">
-                      <a:latin typeface="微软雅黑" panose="020B0503020204020204" pitchFamily="34" charset="-122"/>
-                      <a:ea typeface="微软雅黑" panose="020B0503020204020204" pitchFamily="34" charset="-122"/>
-                    </a:rPr>
-                    <a:t>Non-Technical Aspects</a:t>
-                  </a:r>
-                  <a:endParaRPr lang="zh-CN" altLang="en-US" sz="1400" b="1" dirty="0">
-                    <a:latin typeface="微软雅黑" panose="020B0503020204020204" pitchFamily="34" charset="-122"/>
-                    <a:ea typeface="微软雅黑" panose="020B0503020204020204" pitchFamily="34" charset="-122"/>
-                  </a:endParaRPr>
-                </a:p>
-              </p:txBody>
-            </p:sp>
-            <p:cxnSp>
-              <p:nvCxnSpPr>
-                <p:cNvPr id="62" name="直接连接符 67">
-                  <a:extLst>
-                    <a:ext uri="{FF2B5EF4-FFF2-40B4-BE49-F238E27FC236}">
-                      <a16:creationId xmlns:a16="http://schemas.microsoft.com/office/drawing/2014/main" id="{49D65E5B-D3FB-384C-9084-9E1CBDBB3243}"/>
-                    </a:ext>
-                  </a:extLst>
-                </p:cNvPr>
-                <p:cNvCxnSpPr>
-                  <a:cxnSpLocks/>
-                </p:cNvCxnSpPr>
-                <p:nvPr/>
-              </p:nvCxnSpPr>
-              <p:spPr>
-                <a:xfrm>
-                  <a:off x="6064424" y="7359476"/>
-                  <a:ext cx="5572039" cy="0"/>
-                </a:xfrm>
-                <a:prstGeom prst="line">
-                  <a:avLst/>
-                </a:prstGeom>
-                <a:ln w="25400">
-                  <a:solidFill>
-                    <a:schemeClr val="tx1"/>
-                  </a:solidFill>
-                  <a:prstDash val="lgDash"/>
-                </a:ln>
-              </p:spPr>
-              <p:style>
-                <a:lnRef idx="1">
-                  <a:schemeClr val="accent1"/>
-                </a:lnRef>
-                <a:fillRef idx="0">
-                  <a:schemeClr val="accent1"/>
-                </a:fillRef>
-                <a:effectRef idx="0">
-                  <a:schemeClr val="accent1"/>
-                </a:effectRef>
-                <a:fontRef idx="minor">
-                  <a:schemeClr val="tx1"/>
-                </a:fontRef>
-              </p:style>
-            </p:cxnSp>
-            <p:cxnSp>
-              <p:nvCxnSpPr>
-                <p:cNvPr id="63" name="直接连接符 68">
-                  <a:extLst>
-                    <a:ext uri="{FF2B5EF4-FFF2-40B4-BE49-F238E27FC236}">
-                      <a16:creationId xmlns:a16="http://schemas.microsoft.com/office/drawing/2014/main" id="{A236BE83-9358-D848-B2DA-2E9144DDE7C6}"/>
-                    </a:ext>
-                  </a:extLst>
-                </p:cNvPr>
-                <p:cNvCxnSpPr>
-                  <a:cxnSpLocks/>
-                </p:cNvCxnSpPr>
-                <p:nvPr/>
-              </p:nvCxnSpPr>
-              <p:spPr>
-                <a:xfrm>
-                  <a:off x="7751787" y="2026044"/>
-                  <a:ext cx="2811508" cy="1634"/>
-                </a:xfrm>
-                <a:prstGeom prst="line">
-                  <a:avLst/>
-                </a:prstGeom>
-                <a:ln w="19050">
-                  <a:solidFill>
-                    <a:schemeClr val="tx1"/>
-                  </a:solidFill>
-                </a:ln>
-              </p:spPr>
-              <p:style>
-                <a:lnRef idx="1">
-                  <a:schemeClr val="accent3"/>
-                </a:lnRef>
-                <a:fillRef idx="0">
-                  <a:schemeClr val="accent3"/>
-                </a:fillRef>
-                <a:effectRef idx="0">
-                  <a:schemeClr val="accent3"/>
-                </a:effectRef>
-                <a:fontRef idx="minor">
-                  <a:schemeClr val="tx1"/>
-                </a:fontRef>
-              </p:style>
-            </p:cxnSp>
-            <p:cxnSp>
-              <p:nvCxnSpPr>
-                <p:cNvPr id="64" name="直接连接符 69">
-                  <a:extLst>
-                    <a:ext uri="{FF2B5EF4-FFF2-40B4-BE49-F238E27FC236}">
-                      <a16:creationId xmlns:a16="http://schemas.microsoft.com/office/drawing/2014/main" id="{2E725BAB-DDE9-144F-AB3D-6C9C5AE458B3}"/>
-                    </a:ext>
-                  </a:extLst>
-                </p:cNvPr>
-                <p:cNvCxnSpPr>
-                  <a:cxnSpLocks/>
-                </p:cNvCxnSpPr>
-                <p:nvPr/>
-              </p:nvCxnSpPr>
-              <p:spPr>
-                <a:xfrm>
-                  <a:off x="10566400" y="2033263"/>
-                  <a:ext cx="0" cy="1475723"/>
-                </a:xfrm>
-                <a:prstGeom prst="line">
-                  <a:avLst/>
-                </a:prstGeom>
-                <a:ln w="19050">
-                  <a:solidFill>
-                    <a:schemeClr val="tx1"/>
-                  </a:solidFill>
-                </a:ln>
-              </p:spPr>
-              <p:style>
-                <a:lnRef idx="1">
-                  <a:schemeClr val="accent3"/>
-                </a:lnRef>
-                <a:fillRef idx="0">
-                  <a:schemeClr val="accent3"/>
-                </a:fillRef>
-                <a:effectRef idx="0">
-                  <a:schemeClr val="accent3"/>
-                </a:effectRef>
-                <a:fontRef idx="minor">
-                  <a:schemeClr val="tx1"/>
-                </a:fontRef>
-              </p:style>
-            </p:cxnSp>
-            <p:cxnSp>
-              <p:nvCxnSpPr>
-                <p:cNvPr id="65" name="直接连接符 70">
-                  <a:extLst>
-                    <a:ext uri="{FF2B5EF4-FFF2-40B4-BE49-F238E27FC236}">
-                      <a16:creationId xmlns:a16="http://schemas.microsoft.com/office/drawing/2014/main" id="{2D8B307C-78CF-1F4B-AF5F-F3CFB359217B}"/>
-                    </a:ext>
-                  </a:extLst>
-                </p:cNvPr>
-                <p:cNvCxnSpPr>
-                  <a:cxnSpLocks/>
-                </p:cNvCxnSpPr>
-                <p:nvPr/>
-              </p:nvCxnSpPr>
-              <p:spPr>
-                <a:xfrm>
-                  <a:off x="10171034" y="3508986"/>
-                  <a:ext cx="395366" cy="0"/>
-                </a:xfrm>
-                <a:prstGeom prst="line">
-                  <a:avLst/>
-                </a:prstGeom>
-                <a:ln w="19050">
-                  <a:solidFill>
-                    <a:schemeClr val="tx1"/>
-                  </a:solidFill>
-                </a:ln>
-              </p:spPr>
-              <p:style>
-                <a:lnRef idx="1">
-                  <a:schemeClr val="accent3"/>
-                </a:lnRef>
-                <a:fillRef idx="0">
-                  <a:schemeClr val="accent3"/>
-                </a:fillRef>
-                <a:effectRef idx="0">
-                  <a:schemeClr val="accent3"/>
-                </a:effectRef>
-                <a:fontRef idx="minor">
-                  <a:schemeClr val="tx1"/>
-                </a:fontRef>
-              </p:style>
-            </p:cxnSp>
-            <p:cxnSp>
-              <p:nvCxnSpPr>
-                <p:cNvPr id="66" name="直接箭头连接符 72">
-                  <a:extLst>
-                    <a:ext uri="{FF2B5EF4-FFF2-40B4-BE49-F238E27FC236}">
-                      <a16:creationId xmlns:a16="http://schemas.microsoft.com/office/drawing/2014/main" id="{51563D45-539A-D645-AF8A-4BB7597EE635}"/>
-                    </a:ext>
-                  </a:extLst>
-                </p:cNvPr>
-                <p:cNvCxnSpPr>
-                  <a:cxnSpLocks/>
-                </p:cNvCxnSpPr>
-                <p:nvPr/>
-              </p:nvCxnSpPr>
-              <p:spPr>
-                <a:xfrm flipH="1">
-                  <a:off x="4661417" y="3587592"/>
-                  <a:ext cx="1" cy="185679"/>
-                </a:xfrm>
-                <a:prstGeom prst="straightConnector1">
-                  <a:avLst/>
-                </a:prstGeom>
-                <a:ln w="19050">
-                  <a:tailEnd type="triangle"/>
-                </a:ln>
-              </p:spPr>
-              <p:style>
-                <a:lnRef idx="1">
-                  <a:schemeClr val="dk1"/>
-                </a:lnRef>
-                <a:fillRef idx="0">
-                  <a:schemeClr val="dk1"/>
-                </a:fillRef>
-                <a:effectRef idx="0">
-                  <a:schemeClr val="dk1"/>
-                </a:effectRef>
-                <a:fontRef idx="minor">
-                  <a:schemeClr val="tx1"/>
-                </a:fontRef>
-              </p:style>
-            </p:cxnSp>
-            <p:cxnSp>
-              <p:nvCxnSpPr>
-                <p:cNvPr id="71" name="直接连接符 92">
-                  <a:extLst>
-                    <a:ext uri="{FF2B5EF4-FFF2-40B4-BE49-F238E27FC236}">
-                      <a16:creationId xmlns:a16="http://schemas.microsoft.com/office/drawing/2014/main" id="{E6E386D3-E998-8C4F-8C7E-ECBC81DF0896}"/>
-                    </a:ext>
-                  </a:extLst>
-                </p:cNvPr>
-                <p:cNvCxnSpPr>
-                  <a:cxnSpLocks/>
-                </p:cNvCxnSpPr>
-                <p:nvPr/>
-              </p:nvCxnSpPr>
-              <p:spPr>
-                <a:xfrm>
-                  <a:off x="11734800" y="734352"/>
-                  <a:ext cx="0" cy="6625125"/>
-                </a:xfrm>
-                <a:prstGeom prst="line">
-                  <a:avLst/>
-                </a:prstGeom>
-                <a:ln w="25400">
-                  <a:solidFill>
-                    <a:schemeClr val="tx1"/>
-                  </a:solidFill>
-                  <a:prstDash val="lgDash"/>
-                </a:ln>
-              </p:spPr>
-              <p:style>
-                <a:lnRef idx="1">
-                  <a:schemeClr val="accent1"/>
-                </a:lnRef>
-                <a:fillRef idx="0">
-                  <a:schemeClr val="accent1"/>
-                </a:fillRef>
-                <a:effectRef idx="0">
-                  <a:schemeClr val="accent1"/>
-                </a:effectRef>
-                <a:fontRef idx="minor">
-                  <a:schemeClr val="tx1"/>
-                </a:fontRef>
-              </p:style>
-            </p:cxnSp>
-            <p:cxnSp>
-              <p:nvCxnSpPr>
-                <p:cNvPr id="72" name="直接连接符 93">
-                  <a:extLst>
-                    <a:ext uri="{FF2B5EF4-FFF2-40B4-BE49-F238E27FC236}">
-                      <a16:creationId xmlns:a16="http://schemas.microsoft.com/office/drawing/2014/main" id="{E58B07B7-6431-674F-B0C5-CB017490C38A}"/>
-                    </a:ext>
-                  </a:extLst>
-                </p:cNvPr>
-                <p:cNvCxnSpPr>
-                  <a:cxnSpLocks/>
-                  <a:endCxn id="13" idx="1"/>
-                </p:cNvCxnSpPr>
-                <p:nvPr/>
-              </p:nvCxnSpPr>
-              <p:spPr>
-                <a:xfrm flipV="1">
-                  <a:off x="391319" y="719534"/>
-                  <a:ext cx="3258563" cy="14819"/>
-                </a:xfrm>
-                <a:prstGeom prst="line">
-                  <a:avLst/>
-                </a:prstGeom>
-                <a:ln w="25400">
-                  <a:solidFill>
-                    <a:schemeClr val="tx1"/>
-                  </a:solidFill>
-                  <a:prstDash val="lgDash"/>
-                </a:ln>
-              </p:spPr>
-              <p:style>
-                <a:lnRef idx="1">
-                  <a:schemeClr val="accent1"/>
-                </a:lnRef>
-                <a:fillRef idx="0">
-                  <a:schemeClr val="accent1"/>
-                </a:fillRef>
-                <a:effectRef idx="0">
-                  <a:schemeClr val="accent1"/>
-                </a:effectRef>
-                <a:fontRef idx="minor">
-                  <a:schemeClr val="tx1"/>
-                </a:fontRef>
-              </p:style>
-            </p:cxnSp>
-            <p:cxnSp>
-              <p:nvCxnSpPr>
-                <p:cNvPr id="73" name="直接连接符 94">
-                  <a:extLst>
-                    <a:ext uri="{FF2B5EF4-FFF2-40B4-BE49-F238E27FC236}">
-                      <a16:creationId xmlns:a16="http://schemas.microsoft.com/office/drawing/2014/main" id="{C73085AE-632A-ED45-BAFC-D5813B819D26}"/>
-                    </a:ext>
-                  </a:extLst>
-                </p:cNvPr>
-                <p:cNvCxnSpPr>
-                  <a:cxnSpLocks/>
-                </p:cNvCxnSpPr>
-                <p:nvPr/>
-              </p:nvCxnSpPr>
-              <p:spPr>
-                <a:xfrm flipH="1">
-                  <a:off x="354591" y="734352"/>
-                  <a:ext cx="36729" cy="6658894"/>
-                </a:xfrm>
-                <a:prstGeom prst="line">
-                  <a:avLst/>
-                </a:prstGeom>
-                <a:ln w="25400">
-                  <a:solidFill>
-                    <a:schemeClr val="tx1"/>
-                  </a:solidFill>
-                  <a:prstDash val="lgDash"/>
-                </a:ln>
-              </p:spPr>
-              <p:style>
-                <a:lnRef idx="1">
-                  <a:schemeClr val="accent1"/>
-                </a:lnRef>
-                <a:fillRef idx="0">
-                  <a:schemeClr val="accent1"/>
-                </a:fillRef>
-                <a:effectRef idx="0">
-                  <a:schemeClr val="accent1"/>
-                </a:effectRef>
-                <a:fontRef idx="minor">
-                  <a:schemeClr val="tx1"/>
-                </a:fontRef>
-              </p:style>
-            </p:cxnSp>
-            <p:cxnSp>
-              <p:nvCxnSpPr>
-                <p:cNvPr id="74" name="直接连接符 95">
-                  <a:extLst>
-                    <a:ext uri="{FF2B5EF4-FFF2-40B4-BE49-F238E27FC236}">
-                      <a16:creationId xmlns:a16="http://schemas.microsoft.com/office/drawing/2014/main" id="{F34524E9-1C04-0644-B92C-8D6BD2569F9D}"/>
-                    </a:ext>
-                  </a:extLst>
-                </p:cNvPr>
-                <p:cNvCxnSpPr>
-                  <a:cxnSpLocks/>
-                </p:cNvCxnSpPr>
-                <p:nvPr/>
-              </p:nvCxnSpPr>
-              <p:spPr>
-                <a:xfrm>
-                  <a:off x="391319" y="7393245"/>
-                  <a:ext cx="2509567" cy="1"/>
-                </a:xfrm>
-                <a:prstGeom prst="line">
-                  <a:avLst/>
-                </a:prstGeom>
-                <a:ln w="25400">
-                  <a:solidFill>
-                    <a:schemeClr val="tx1"/>
-                  </a:solidFill>
-                  <a:prstDash val="lgDash"/>
-                </a:ln>
-              </p:spPr>
-              <p:style>
-                <a:lnRef idx="1">
-                  <a:schemeClr val="accent1"/>
-                </a:lnRef>
-                <a:fillRef idx="0">
-                  <a:schemeClr val="accent1"/>
-                </a:fillRef>
-                <a:effectRef idx="0">
-                  <a:schemeClr val="accent1"/>
-                </a:effectRef>
-                <a:fontRef idx="minor">
-                  <a:schemeClr val="tx1"/>
-                </a:fontRef>
-              </p:style>
-            </p:cxnSp>
-            <p:sp>
-              <p:nvSpPr>
-                <p:cNvPr id="47" name="文本框 46">
-                  <a:extLst>
-                    <a:ext uri="{FF2B5EF4-FFF2-40B4-BE49-F238E27FC236}">
-                      <a16:creationId xmlns:a16="http://schemas.microsoft.com/office/drawing/2014/main" id="{1C479CA4-72C8-C04C-964C-4CE16880D62E}"/>
-                    </a:ext>
-                  </a:extLst>
-                </p:cNvPr>
-                <p:cNvSpPr txBox="1"/>
-                <p:nvPr/>
-              </p:nvSpPr>
-              <p:spPr>
-                <a:xfrm>
-                  <a:off x="2900887" y="4877191"/>
-                  <a:ext cx="3414469" cy="362576"/>
-                </a:xfrm>
-                <a:prstGeom prst="rect">
-                  <a:avLst/>
-                </a:prstGeom>
-                <a:solidFill>
-                  <a:srgbClr val="4F81BD"/>
-                </a:solidFill>
-              </p:spPr>
-              <p:txBody>
-                <a:bodyPr wrap="square" rtlCol="0">
-                  <a:spAutoFit/>
-                </a:bodyPr>
-                <a:lstStyle/>
-                <a:p>
-                  <a:r>
-                    <a:rPr lang="en-US" altLang="zh-CN" sz="1600" dirty="0">
+                    <a:rPr lang="en-GB" altLang="zh-CN" dirty="0">
                       <a:solidFill>
                         <a:schemeClr val="bg1"/>
                       </a:solidFill>
                       <a:latin typeface="微软雅黑" panose="020B0503020204020204" pitchFamily="34" charset="-122"/>
                       <a:ea typeface="微软雅黑" panose="020B0503020204020204" pitchFamily="34" charset="-122"/>
                     </a:rPr>
-                    <a:t>How </a:t>
+                    <a:t>Structure</a:t>
                   </a:r>
-                  <a:r>
-                    <a:rPr lang="en-US" altLang="zh-CN" sz="1600" dirty="0" err="1">
-                      <a:solidFill>
-                        <a:schemeClr val="bg1"/>
-                      </a:solidFill>
-                      <a:latin typeface="微软雅黑" panose="020B0503020204020204" pitchFamily="34" charset="-122"/>
-                      <a:ea typeface="微软雅黑" panose="020B0503020204020204" pitchFamily="34" charset="-122"/>
-                    </a:rPr>
-                    <a:t>Mirai</a:t>
-                  </a:r>
-                  <a:r>
-                    <a:rPr lang="en-US" altLang="zh-CN" sz="1600" dirty="0">
-                      <a:solidFill>
-                        <a:schemeClr val="bg1"/>
-                      </a:solidFill>
-                      <a:latin typeface="微软雅黑" panose="020B0503020204020204" pitchFamily="34" charset="-122"/>
-                      <a:ea typeface="微软雅黑" panose="020B0503020204020204" pitchFamily="34" charset="-122"/>
-                    </a:rPr>
-                    <a:t> attacks IoT Devices</a:t>
-                  </a:r>
-                  <a:endParaRPr lang="zh-CN" altLang="en-US" sz="1600" dirty="0">
+                  <a:endParaRPr lang="zh-CN" altLang="en-US" dirty="0">
                     <a:solidFill>
                       <a:schemeClr val="bg1"/>
                     </a:solidFill>
@@ -10185,58 +10314,13 @@
                 </a:p>
               </p:txBody>
             </p:sp>
-            <p:sp>
-              <p:nvSpPr>
-                <p:cNvPr id="19" name="文本框 18">
-                  <a:extLst>
-                    <a:ext uri="{FF2B5EF4-FFF2-40B4-BE49-F238E27FC236}">
-                      <a16:creationId xmlns:a16="http://schemas.microsoft.com/office/drawing/2014/main" id="{B1F98928-53EE-F947-9507-951127A3977D}"/>
-                    </a:ext>
-                  </a:extLst>
-                </p:cNvPr>
-                <p:cNvSpPr txBox="1"/>
-                <p:nvPr/>
-              </p:nvSpPr>
-              <p:spPr>
-                <a:xfrm>
-                  <a:off x="6660329" y="4026977"/>
-                  <a:ext cx="1514552" cy="329615"/>
-                </a:xfrm>
-                <a:prstGeom prst="rect">
-                  <a:avLst/>
-                </a:prstGeom>
-                <a:solidFill>
-                  <a:srgbClr val="C2C2C2"/>
-                </a:solidFill>
-              </p:spPr>
-              <p:txBody>
-                <a:bodyPr wrap="square" rtlCol="0">
-                  <a:spAutoFit/>
-                </a:bodyPr>
-                <a:lstStyle/>
-                <a:p>
-                  <a:pPr algn="ctr"/>
-                  <a:r>
-                    <a:rPr lang="en-US" altLang="zh-CN" sz="1400" b="1" dirty="0">
-                      <a:latin typeface="微软雅黑" panose="020B0503020204020204" pitchFamily="34" charset="-122"/>
-                      <a:ea typeface="微软雅黑" panose="020B0503020204020204" pitchFamily="34" charset="-122"/>
-                    </a:rPr>
-                    <a:t>Propagation</a:t>
-                  </a:r>
-                  <a:endParaRPr lang="zh-CN" altLang="en-US" sz="1400" b="1" dirty="0">
-                    <a:latin typeface="微软雅黑" panose="020B0503020204020204" pitchFamily="34" charset="-122"/>
-                    <a:ea typeface="微软雅黑" panose="020B0503020204020204" pitchFamily="34" charset="-122"/>
-                  </a:endParaRPr>
-                </a:p>
-              </p:txBody>
-            </p:sp>
           </p:grpSp>
           <p:sp>
             <p:nvSpPr>
-              <p:cNvPr id="13" name="文本框 12">
+              <p:cNvPr id="103" name="文本框 102">
                 <a:extLst>
                   <a:ext uri="{FF2B5EF4-FFF2-40B4-BE49-F238E27FC236}">
-                    <a16:creationId xmlns:a16="http://schemas.microsoft.com/office/drawing/2014/main" id="{27D5D5F3-7821-AC4E-B121-44FDE744FFD3}"/>
+                    <a16:creationId xmlns:a16="http://schemas.microsoft.com/office/drawing/2014/main" id="{B6754782-B54A-9D42-B386-2D0615562876}"/>
                   </a:ext>
                 </a:extLst>
               </p:cNvPr>
@@ -10245,14 +10329,14 @@
             </p:nvSpPr>
             <p:spPr>
               <a:xfrm>
-                <a:off x="3821239" y="986221"/>
-                <a:ext cx="2945319" cy="395538"/>
+                <a:off x="6929574" y="2922472"/>
+                <a:ext cx="1379518" cy="307777"/>
               </a:xfrm>
               <a:prstGeom prst="rect">
                 <a:avLst/>
               </a:prstGeom>
               <a:solidFill>
-                <a:srgbClr val="819DDC"/>
+                <a:srgbClr val="C2C2C2"/>
               </a:solidFill>
             </p:spPr>
             <p:txBody>
@@ -10263,19 +10347,13 @@
               <a:p>
                 <a:pPr algn="ctr"/>
                 <a:r>
-                  <a:rPr lang="en-GB" altLang="zh-CN" dirty="0">
-                    <a:solidFill>
-                      <a:schemeClr val="bg1"/>
-                    </a:solidFill>
+                  <a:rPr lang="en-US" altLang="zh-CN" sz="1400" b="1" dirty="0">
                     <a:latin typeface="微软雅黑" panose="020B0503020204020204" pitchFamily="34" charset="-122"/>
                     <a:ea typeface="微软雅黑" panose="020B0503020204020204" pitchFamily="34" charset="-122"/>
                   </a:rPr>
-                  <a:t>Tentative Structure</a:t>
+                  <a:t>DDoS</a:t>
                 </a:r>
-                <a:endParaRPr lang="zh-CN" altLang="en-US" dirty="0">
-                  <a:solidFill>
-                    <a:schemeClr val="bg1"/>
-                  </a:solidFill>
+                <a:endParaRPr lang="zh-CN" altLang="en-US" sz="1400" b="1" dirty="0">
                   <a:latin typeface="微软雅黑" panose="020B0503020204020204" pitchFamily="34" charset="-122"/>
                   <a:ea typeface="微软雅黑" panose="020B0503020204020204" pitchFamily="34" charset="-122"/>
                 </a:endParaRPr>
@@ -10285,10 +10363,10 @@
         </p:grpSp>
         <p:sp>
           <p:nvSpPr>
-            <p:cNvPr id="103" name="文本框 102">
+            <p:cNvPr id="78" name="文本框 77">
               <a:extLst>
                 <a:ext uri="{FF2B5EF4-FFF2-40B4-BE49-F238E27FC236}">
-                  <a16:creationId xmlns:a16="http://schemas.microsoft.com/office/drawing/2014/main" id="{B6754782-B54A-9D42-B386-2D0615562876}"/>
+                  <a16:creationId xmlns:a16="http://schemas.microsoft.com/office/drawing/2014/main" id="{3C4B54AD-25D9-984B-AFE4-75EAFB0FBFF1}"/>
                 </a:ext>
               </a:extLst>
             </p:cNvPr>
@@ -10297,8 +10375,8 @@
           </p:nvSpPr>
           <p:spPr>
             <a:xfrm>
-              <a:off x="6929574" y="2922472"/>
-              <a:ext cx="1379518" cy="307777"/>
+              <a:off x="8168467" y="6594014"/>
+              <a:ext cx="1837045" cy="261610"/>
             </a:xfrm>
             <a:prstGeom prst="rect">
               <a:avLst/>
@@ -10315,11 +10393,55 @@
             <a:p>
               <a:pPr algn="ctr"/>
               <a:r>
-                <a:rPr lang="en-US" altLang="zh-CN" sz="1400" b="1" dirty="0">
+                <a:rPr lang="en-US" altLang="zh-CN" sz="1100" b="1" dirty="0">
                   <a:latin typeface="微软雅黑" panose="020B0503020204020204" pitchFamily="34" charset="-122"/>
                   <a:ea typeface="微软雅黑" panose="020B0503020204020204" pitchFamily="34" charset="-122"/>
                 </a:rPr>
-                <a:t>DDoS</a:t>
+                <a:t>IoT Incidents</a:t>
+              </a:r>
+              <a:endParaRPr lang="zh-CN" altLang="en-US" sz="1100" b="1" dirty="0">
+                <a:latin typeface="微软雅黑" panose="020B0503020204020204" pitchFamily="34" charset="-122"/>
+                <a:ea typeface="微软雅黑" panose="020B0503020204020204" pitchFamily="34" charset="-122"/>
+              </a:endParaRPr>
+            </a:p>
+          </p:txBody>
+        </p:sp>
+        <p:sp>
+          <p:nvSpPr>
+            <p:cNvPr id="88" name="文本框 87">
+              <a:extLst>
+                <a:ext uri="{FF2B5EF4-FFF2-40B4-BE49-F238E27FC236}">
+                  <a16:creationId xmlns:a16="http://schemas.microsoft.com/office/drawing/2014/main" id="{3D647D68-F28E-BB40-A228-DEDE01D04F4D}"/>
+                </a:ext>
+              </a:extLst>
+            </p:cNvPr>
+            <p:cNvSpPr txBox="1"/>
+            <p:nvPr/>
+          </p:nvSpPr>
+          <p:spPr>
+            <a:xfrm>
+              <a:off x="8168467" y="7341702"/>
+              <a:ext cx="1823171" cy="261610"/>
+            </a:xfrm>
+            <a:prstGeom prst="rect">
+              <a:avLst/>
+            </a:prstGeom>
+            <a:solidFill>
+              <a:srgbClr val="C2C2C2"/>
+            </a:solidFill>
+          </p:spPr>
+          <p:txBody>
+            <a:bodyPr wrap="square" rtlCol="0">
+              <a:spAutoFit/>
+            </a:bodyPr>
+            <a:lstStyle/>
+            <a:p>
+              <a:r>
+                <a:rPr lang="en-US" altLang="zh-CN" sz="1100" b="1" dirty="0">
+                  <a:latin typeface="微软雅黑" panose="020B0503020204020204" pitchFamily="34" charset="-122"/>
+                  <a:ea typeface="微软雅黑" panose="020B0503020204020204" pitchFamily="34" charset="-122"/>
+                </a:rPr>
+                <a:t>             Preventing</a:t>
               </a:r>
               <a:endParaRPr lang="zh-CN" altLang="en-US" sz="1400" b="1" dirty="0">
                 <a:latin typeface="微软雅黑" panose="020B0503020204020204" pitchFamily="34" charset="-122"/>
@@ -10328,6 +10450,85 @@
             </a:p>
           </p:txBody>
         </p:sp>
+        <p:cxnSp>
+          <p:nvCxnSpPr>
+            <p:cNvPr id="89" name="直接连接符 100">
+              <a:extLst>
+                <a:ext uri="{FF2B5EF4-FFF2-40B4-BE49-F238E27FC236}">
+                  <a16:creationId xmlns:a16="http://schemas.microsoft.com/office/drawing/2014/main" id="{B53DBDEB-1EF8-DA4D-B7B9-0CAD1D0F6381}"/>
+                </a:ext>
+              </a:extLst>
+            </p:cNvPr>
+            <p:cNvCxnSpPr>
+              <a:cxnSpLocks/>
+              <a:endCxn id="78" idx="1"/>
+            </p:cNvCxnSpPr>
+            <p:nvPr/>
+          </p:nvCxnSpPr>
+          <p:spPr>
+            <a:xfrm>
+              <a:off x="7609626" y="6723545"/>
+              <a:ext cx="558841" cy="1274"/>
+            </a:xfrm>
+            <a:prstGeom prst="line">
+              <a:avLst/>
+            </a:prstGeom>
+            <a:ln w="19050"/>
+          </p:spPr>
+          <p:style>
+            <a:lnRef idx="1">
+              <a:schemeClr val="dk1"/>
+            </a:lnRef>
+            <a:fillRef idx="0">
+              <a:schemeClr val="dk1"/>
+            </a:fillRef>
+            <a:effectRef idx="0">
+              <a:schemeClr val="dk1"/>
+            </a:effectRef>
+            <a:fontRef idx="minor">
+              <a:schemeClr val="tx1"/>
+            </a:fontRef>
+          </p:style>
+        </p:cxnSp>
+        <p:cxnSp>
+          <p:nvCxnSpPr>
+            <p:cNvPr id="90" name="直接连接符 100">
+              <a:extLst>
+                <a:ext uri="{FF2B5EF4-FFF2-40B4-BE49-F238E27FC236}">
+                  <a16:creationId xmlns:a16="http://schemas.microsoft.com/office/drawing/2014/main" id="{3E8B5D7B-520E-8642-9C85-84D2BA8838A4}"/>
+                </a:ext>
+              </a:extLst>
+            </p:cNvPr>
+            <p:cNvCxnSpPr>
+              <a:cxnSpLocks/>
+            </p:cNvCxnSpPr>
+            <p:nvPr/>
+          </p:nvCxnSpPr>
+          <p:spPr>
+            <a:xfrm>
+              <a:off x="7621925" y="7060569"/>
+              <a:ext cx="558841" cy="1274"/>
+            </a:xfrm>
+            <a:prstGeom prst="line">
+              <a:avLst/>
+            </a:prstGeom>
+            <a:ln w="19050"/>
+          </p:spPr>
+          <p:style>
+            <a:lnRef idx="1">
+              <a:schemeClr val="dk1"/>
+            </a:lnRef>
+            <a:fillRef idx="0">
+              <a:schemeClr val="dk1"/>
+            </a:fillRef>
+            <a:effectRef idx="0">
+              <a:schemeClr val="dk1"/>
+            </a:effectRef>
+            <a:fontRef idx="minor">
+              <a:schemeClr val="tx1"/>
+            </a:fontRef>
+          </p:style>
+        </p:cxnSp>
       </p:grpSp>
     </p:spTree>
     <p:extLst>
@@ -10662,7 +10863,7 @@
         <p:spPr>
           <a:xfrm>
             <a:off x="659695" y="1263938"/>
-            <a:ext cx="12521467" cy="9233297"/>
+            <a:ext cx="12521467" cy="7848302"/>
           </a:xfrm>
           <a:prstGeom prst="rect">
             <a:avLst/>
@@ -10675,470 +10876,415 @@
           </a:bodyPr>
           <a:lstStyle/>
           <a:p>
-            <a:pPr algn="just"/>
-            <a:r>
-              <a:rPr lang="en-US" altLang="zh-CN" dirty="0"/>
+            <a:r>
+              <a:rPr lang="en-GB" altLang="zh-CN" dirty="0"/>
               <a:t>[1].Manos </a:t>
             </a:r>
             <a:r>
-              <a:rPr lang="en-US" altLang="zh-CN" dirty="0" err="1"/>
+              <a:rPr lang="en-GB" altLang="zh-CN" dirty="0" err="1"/>
               <a:t>Antonakakis</a:t>
             </a:r>
             <a:r>
-              <a:rPr lang="en-US" altLang="zh-CN" dirty="0"/>
+              <a:rPr lang="en-GB" altLang="zh-CN" dirty="0"/>
               <a:t>, Georgia Institute of Technology; Tim April, Akamai; Michael Bailey, University of Illinois, Urbana-Champaign; Matt Bernhard, University of Michigan, Ann Arbor; Elie </a:t>
             </a:r>
             <a:r>
-              <a:rPr lang="en-US" altLang="zh-CN" dirty="0" err="1"/>
+              <a:rPr lang="en-GB" altLang="zh-CN" dirty="0" err="1"/>
               <a:t>Bursztein</a:t>
             </a:r>
             <a:r>
-              <a:rPr lang="en-US" altLang="zh-CN" dirty="0"/>
+              <a:rPr lang="en-GB" altLang="zh-CN" dirty="0"/>
               <a:t>, Google; Jaime Cochran, Cloudflare; Zakir </a:t>
             </a:r>
             <a:r>
-              <a:rPr lang="en-US" altLang="zh-CN" dirty="0" err="1"/>
+              <a:rPr lang="en-GB" altLang="zh-CN" dirty="0" err="1"/>
               <a:t>Durumeric</a:t>
             </a:r>
             <a:r>
-              <a:rPr lang="en-US" altLang="zh-CN" dirty="0"/>
+              <a:rPr lang="en-GB" altLang="zh-CN" dirty="0"/>
               <a:t> and J. Alex </a:t>
             </a:r>
             <a:r>
-              <a:rPr lang="en-US" altLang="zh-CN" dirty="0" err="1"/>
+              <a:rPr lang="en-GB" altLang="zh-CN" dirty="0" err="1"/>
               <a:t>Halderman</a:t>
             </a:r>
             <a:r>
-              <a:rPr lang="en-US" altLang="zh-CN" dirty="0"/>
+              <a:rPr lang="en-GB" altLang="zh-CN" dirty="0"/>
               <a:t>, University of Michigan, Ann Arbor; Luca </a:t>
             </a:r>
             <a:r>
-              <a:rPr lang="en-US" altLang="zh-CN" dirty="0" err="1"/>
+              <a:rPr lang="en-GB" altLang="zh-CN" dirty="0" err="1"/>
               <a:t>Invernizzi</a:t>
             </a:r>
             <a:r>
-              <a:rPr lang="en-US" altLang="zh-CN" dirty="0"/>
+              <a:rPr lang="en-GB" altLang="zh-CN" dirty="0"/>
               <a:t>, Google; Michalis </a:t>
             </a:r>
             <a:r>
-              <a:rPr lang="en-US" altLang="zh-CN" dirty="0" err="1"/>
+              <a:rPr lang="en-GB" altLang="zh-CN" dirty="0" err="1"/>
               <a:t>Kallitsis</a:t>
             </a:r>
             <a:r>
-              <a:rPr lang="en-US" altLang="zh-CN" dirty="0"/>
+              <a:rPr lang="en-GB" altLang="zh-CN" dirty="0"/>
               <a:t>, Merit Network, Inc.; Deepak Kumar, University of Illinois, Urbana-Champaign; Chaz Lever, Georgia Institute of Technology; Zane Ma and Joshua Mason, University of Illinois, Urbana-Champaign; Damian </a:t>
             </a:r>
             <a:r>
-              <a:rPr lang="en-US" altLang="zh-CN" dirty="0" err="1"/>
+              <a:rPr lang="en-GB" altLang="zh-CN" dirty="0" err="1"/>
               <a:t>Menscher</a:t>
             </a:r>
             <a:r>
-              <a:rPr lang="en-US" altLang="zh-CN" dirty="0"/>
+              <a:rPr lang="en-GB" altLang="zh-CN" dirty="0"/>
               <a:t>, Google; Chad Seaman, Akamai; Nick Sullivan, Cloudflare; Kurt Thomas, Google; Yi Zhou, University of Illinois, Urbana-</a:t>
             </a:r>
             <a:r>
-              <a:rPr lang="en-US" altLang="zh-CN" dirty="0" err="1"/>
+              <a:rPr lang="en-GB" altLang="zh-CN" dirty="0" err="1"/>
               <a:t>Champaign.</a:t>
             </a:r>
             <a:r>
-              <a:rPr lang="en-US" altLang="zh-CN" b="1" dirty="0" err="1"/>
+              <a:rPr lang="en-GB" altLang="zh-CN" b="1" dirty="0" err="1"/>
               <a:t>Understanding</a:t>
             </a:r>
             <a:r>
-              <a:rPr lang="en-US" altLang="zh-CN" b="1" dirty="0"/>
+              <a:rPr lang="en-GB" altLang="zh-CN" b="1" dirty="0"/>
               <a:t> the </a:t>
             </a:r>
             <a:r>
-              <a:rPr lang="en-US" altLang="zh-CN" b="1" dirty="0" err="1"/>
+              <a:rPr lang="en-GB" altLang="zh-CN" b="1" dirty="0" err="1"/>
               <a:t>Mirai</a:t>
             </a:r>
             <a:r>
-              <a:rPr lang="en-US" altLang="zh-CN" b="1" dirty="0"/>
-              <a:t> Botnet</a:t>
-            </a:r>
-            <a:r>
-              <a:rPr lang="en-US" altLang="zh-CN" dirty="0"/>
-              <a:t>. (2017)</a:t>
-            </a:r>
-          </a:p>
-          <a:p>
-            <a:pPr algn="just"/>
-            <a:endParaRPr lang="en-US" altLang="zh-CN" dirty="0"/>
-          </a:p>
-          <a:p>
-            <a:pPr algn="just"/>
-            <a:r>
-              <a:rPr lang="en-US" altLang="zh-CN" dirty="0"/>
+              <a:rPr lang="en-GB" altLang="zh-CN" b="1" dirty="0"/>
+              <a:t> Botnet.</a:t>
+            </a:r>
+            <a:r>
+              <a:rPr lang="en-GB" altLang="zh-CN" dirty="0"/>
+              <a:t> (2017)</a:t>
+            </a:r>
+          </a:p>
+          <a:p>
+            <a:r>
+              <a:rPr lang="en-GB" altLang="zh-CN" dirty="0"/>
+              <a:t> </a:t>
+            </a:r>
+            <a:r>
+              <a:rPr lang="en-GB" altLang="zh-CN" dirty="0">
+                <a:hlinkClick r:id="rId2"/>
+              </a:rPr>
+              <a:t>URL:https://www.usenix.org/conference/usenixsecurity17/technical-sessions/presentation/antonakakis</a:t>
+            </a:r>
+            <a:endParaRPr lang="en-GB" altLang="zh-CN" dirty="0"/>
+          </a:p>
+          <a:p>
+            <a:endParaRPr lang="en-GB" altLang="zh-CN" dirty="0"/>
+          </a:p>
+          <a:p>
+            <a:r>
+              <a:rPr lang="en-GB" altLang="zh-CN" dirty="0"/>
               <a:t>[2]. Kishore </a:t>
             </a:r>
             <a:r>
-              <a:rPr lang="en-US" altLang="zh-CN" dirty="0" err="1"/>
+              <a:rPr lang="en-GB" altLang="zh-CN" dirty="0" err="1"/>
               <a:t>Angrishi</a:t>
             </a:r>
             <a:r>
-              <a:rPr lang="en-US" altLang="zh-CN" dirty="0"/>
-              <a:t>. </a:t>
-            </a:r>
-            <a:r>
-              <a:rPr lang="en-US" altLang="zh-CN" b="1" dirty="0"/>
+              <a:rPr lang="en-GB" altLang="zh-CN" dirty="0"/>
+              <a:t>. </a:t>
+            </a:r>
+            <a:r>
+              <a:rPr lang="en-GB" altLang="zh-CN" b="1" dirty="0"/>
               <a:t>Turning Internet of Things(IoT) into Internet of Vulnerabilities (</a:t>
             </a:r>
             <a:r>
-              <a:rPr lang="en-US" altLang="zh-CN" b="1" dirty="0" err="1"/>
+              <a:rPr lang="en-GB" altLang="zh-CN" b="1" dirty="0" err="1"/>
               <a:t>IoV</a:t>
             </a:r>
             <a:r>
-              <a:rPr lang="en-US" altLang="zh-CN" b="1" dirty="0"/>
-              <a:t>) : IoT Botnets</a:t>
-            </a:r>
-            <a:r>
-              <a:rPr lang="en-US" altLang="zh-CN" dirty="0"/>
-              <a:t>. (2017)</a:t>
-            </a:r>
-          </a:p>
-          <a:p>
-            <a:pPr algn="just"/>
-            <a:endParaRPr lang="en-US" altLang="zh-CN" dirty="0"/>
-          </a:p>
-          <a:p>
-            <a:pPr algn="just"/>
-            <a:r>
-              <a:rPr lang="en-US" altLang="zh-CN" dirty="0"/>
+              <a:rPr lang="en-GB" altLang="zh-CN" b="1" dirty="0"/>
+              <a:t>) : IoT Botnets.</a:t>
+            </a:r>
+            <a:r>
+              <a:rPr lang="en-GB" altLang="zh-CN" dirty="0"/>
+              <a:t> (2017) URL: </a:t>
+            </a:r>
+            <a:r>
+              <a:rPr lang="en-GB" altLang="zh-CN" dirty="0">
+                <a:hlinkClick r:id="rId3"/>
+              </a:rPr>
+              <a:t>https://arxiv.org/pdf/1702.03681.pdf</a:t>
+            </a:r>
+            <a:endParaRPr lang="en-GB" altLang="zh-CN" dirty="0"/>
+          </a:p>
+          <a:p>
+            <a:endParaRPr lang="en-GB" altLang="zh-CN" dirty="0"/>
+          </a:p>
+          <a:p>
+            <a:r>
+              <a:rPr lang="en-GB" altLang="zh-CN" dirty="0"/>
               <a:t>[3]. Artur Marzano, David Alexander, O. Fonseca, E. </a:t>
             </a:r>
             <a:r>
-              <a:rPr lang="en-US" altLang="zh-CN" dirty="0" err="1"/>
+              <a:rPr lang="en-GB" altLang="zh-CN" dirty="0" err="1"/>
               <a:t>Fazzion</a:t>
             </a:r>
             <a:r>
-              <a:rPr lang="en-US" altLang="zh-CN" dirty="0"/>
+              <a:rPr lang="en-GB" altLang="zh-CN" dirty="0"/>
               <a:t>, C. </a:t>
             </a:r>
             <a:r>
-              <a:rPr lang="en-US" altLang="zh-CN" dirty="0" err="1"/>
+              <a:rPr lang="en-GB" altLang="zh-CN" dirty="0" err="1"/>
               <a:t>Hoepers</a:t>
             </a:r>
             <a:r>
-              <a:rPr lang="en-US" altLang="zh-CN" dirty="0"/>
+              <a:rPr lang="en-GB" altLang="zh-CN" dirty="0"/>
               <a:t>, Klaus </a:t>
             </a:r>
             <a:r>
-              <a:rPr lang="en-US" altLang="zh-CN" dirty="0" err="1"/>
+              <a:rPr lang="en-GB" altLang="zh-CN" dirty="0" err="1"/>
               <a:t>Steding</a:t>
             </a:r>
             <a:r>
-              <a:rPr lang="en-US" altLang="zh-CN" dirty="0"/>
-              <a:t>-Jessen, M. H. P. Chaves, </a:t>
-            </a:r>
-            <a:r>
-              <a:rPr lang="en-US" altLang="zh-CN" dirty="0" err="1"/>
+              <a:rPr lang="en-GB" altLang="zh-CN" dirty="0"/>
+              <a:t>-Jessen, M. H. P. </a:t>
+            </a:r>
+            <a:r>
+              <a:rPr lang="en-GB" altLang="zh-CN" dirty="0" err="1"/>
+              <a:t>Chaves</a:t>
+            </a:r>
+            <a:r>
+              <a:rPr lang="en-GB" altLang="zh-CN" dirty="0"/>
+              <a:t>, </a:t>
+            </a:r>
+            <a:r>
+              <a:rPr lang="en-GB" altLang="zh-CN" dirty="0" err="1"/>
               <a:t>Ítalo</a:t>
             </a:r>
             <a:r>
-              <a:rPr lang="en-US" altLang="zh-CN" dirty="0"/>
+              <a:rPr lang="en-GB" altLang="zh-CN" dirty="0"/>
               <a:t> S. Cunha, D. Guedes, W. </a:t>
             </a:r>
             <a:r>
-              <a:rPr lang="en-US" altLang="zh-CN" dirty="0" err="1"/>
+              <a:rPr lang="en-GB" altLang="zh-CN" dirty="0" err="1"/>
               <a:t>Meira</a:t>
             </a:r>
             <a:r>
-              <a:rPr lang="en-US" altLang="zh-CN" dirty="0"/>
+              <a:rPr lang="en-GB" altLang="zh-CN" dirty="0"/>
               <a:t> .</a:t>
             </a:r>
             <a:r>
-              <a:rPr lang="en-US" altLang="zh-CN" b="1" dirty="0"/>
+              <a:rPr lang="en-GB" altLang="zh-CN" b="1" dirty="0"/>
               <a:t>The Evolution of </a:t>
             </a:r>
             <a:r>
-              <a:rPr lang="en-US" altLang="zh-CN" b="1" dirty="0" err="1"/>
+              <a:rPr lang="en-GB" altLang="zh-CN" b="1" dirty="0" err="1"/>
               <a:t>Bashlite</a:t>
             </a:r>
             <a:r>
-              <a:rPr lang="en-US" altLang="zh-CN" b="1" dirty="0"/>
+              <a:rPr lang="en-GB" altLang="zh-CN" b="1" dirty="0"/>
               <a:t> and </a:t>
             </a:r>
             <a:r>
-              <a:rPr lang="en-US" altLang="zh-CN" b="1" dirty="0" err="1"/>
+              <a:rPr lang="en-GB" altLang="zh-CN" b="1" dirty="0" err="1"/>
               <a:t>Mirai</a:t>
             </a:r>
             <a:r>
-              <a:rPr lang="en-US" altLang="zh-CN" b="1" dirty="0"/>
-              <a:t> IoT Botnets. </a:t>
-            </a:r>
-            <a:r>
-              <a:rPr lang="en-US" altLang="zh-CN" dirty="0"/>
-              <a:t>2018 IEEE Symposium on Computers and Communications (ISCC)</a:t>
-            </a:r>
-          </a:p>
-          <a:p>
-            <a:pPr algn="just"/>
-            <a:endParaRPr lang="en-US" altLang="zh-CN" dirty="0"/>
-          </a:p>
-          <a:p>
-            <a:pPr algn="just"/>
-            <a:r>
-              <a:rPr lang="en-US" altLang="zh-CN" dirty="0"/>
+              <a:rPr lang="en-GB" altLang="zh-CN" b="1" dirty="0"/>
+              <a:t> IoT Botnets.</a:t>
+            </a:r>
+            <a:r>
+              <a:rPr lang="en-GB" altLang="zh-CN" dirty="0"/>
+              <a:t> 2018 IEEE Symposium on Computers and Communications (ISCC) URL: </a:t>
+            </a:r>
+            <a:r>
+              <a:rPr lang="en-GB" altLang="zh-CN" dirty="0">
+                <a:hlinkClick r:id="rId4"/>
+              </a:rPr>
+              <a:t>https://honeytarg.cert.br/honeypots/docs/papers/honeypots-iscc18.pdf</a:t>
+            </a:r>
+            <a:endParaRPr lang="en-GB" altLang="zh-CN" dirty="0"/>
+          </a:p>
+          <a:p>
+            <a:endParaRPr lang="en-GB" altLang="zh-CN" dirty="0"/>
+          </a:p>
+          <a:p>
+            <a:r>
+              <a:rPr lang="en-GB" altLang="zh-CN" dirty="0"/>
               <a:t>[4]. Basheer Al-</a:t>
             </a:r>
             <a:r>
-              <a:rPr lang="en-US" altLang="zh-CN" dirty="0" err="1"/>
+              <a:rPr lang="en-GB" altLang="zh-CN" dirty="0" err="1"/>
               <a:t>Duwairi</a:t>
             </a:r>
             <a:r>
-              <a:rPr lang="en-US" altLang="zh-CN" dirty="0"/>
+              <a:rPr lang="en-GB" altLang="zh-CN" dirty="0"/>
               <a:t>, Wafaa Al-</a:t>
             </a:r>
             <a:r>
-              <a:rPr lang="en-US" altLang="zh-CN" dirty="0" err="1"/>
+              <a:rPr lang="en-GB" altLang="zh-CN" dirty="0" err="1"/>
               <a:t>Kahla</a:t>
             </a:r>
             <a:r>
-              <a:rPr lang="en-US" altLang="zh-CN" dirty="0"/>
+              <a:rPr lang="en-GB" altLang="zh-CN" dirty="0"/>
               <a:t>, </a:t>
             </a:r>
             <a:r>
-              <a:rPr lang="en-US" altLang="zh-CN" dirty="0" err="1"/>
+              <a:rPr lang="en-GB" altLang="zh-CN" dirty="0" err="1"/>
               <a:t>Mhd</a:t>
             </a:r>
             <a:r>
-              <a:rPr lang="en-US" altLang="zh-CN" dirty="0"/>
+              <a:rPr lang="en-GB" altLang="zh-CN" dirty="0"/>
               <a:t> Ammar </a:t>
             </a:r>
             <a:r>
-              <a:rPr lang="en-US" altLang="zh-CN" dirty="0" err="1"/>
+              <a:rPr lang="en-GB" altLang="zh-CN" dirty="0" err="1"/>
               <a:t>AlRefai</a:t>
             </a:r>
             <a:r>
-              <a:rPr lang="en-US" altLang="zh-CN" dirty="0"/>
+              <a:rPr lang="en-GB" altLang="zh-CN" dirty="0"/>
               <a:t>, Yazid </a:t>
             </a:r>
             <a:r>
-              <a:rPr lang="en-US" altLang="zh-CN" dirty="0" err="1"/>
+              <a:rPr lang="en-GB" altLang="zh-CN" dirty="0" err="1"/>
               <a:t>Abdelqader</a:t>
             </a:r>
             <a:r>
-              <a:rPr lang="en-US" altLang="zh-CN" dirty="0"/>
+              <a:rPr lang="en-GB" altLang="zh-CN" dirty="0"/>
               <a:t>, Abdullah </a:t>
             </a:r>
             <a:r>
-              <a:rPr lang="en-US" altLang="zh-CN" dirty="0" err="1"/>
+              <a:rPr lang="en-GB" altLang="zh-CN" dirty="0" err="1"/>
               <a:t>Rawash</a:t>
             </a:r>
             <a:r>
-              <a:rPr lang="en-US" altLang="zh-CN" dirty="0"/>
+              <a:rPr lang="en-GB" altLang="zh-CN" dirty="0"/>
               <a:t>, Rana </a:t>
             </a:r>
             <a:r>
-              <a:rPr lang="en-US" altLang="zh-CN" dirty="0" err="1"/>
+              <a:rPr lang="en-GB" altLang="zh-CN" dirty="0" err="1"/>
               <a:t>Fahmawi</a:t>
             </a:r>
             <a:r>
-              <a:rPr lang="en-US" altLang="zh-CN" dirty="0"/>
-              <a:t>. </a:t>
-            </a:r>
-            <a:r>
-              <a:rPr lang="en-US" altLang="zh-CN" b="1" dirty="0"/>
+              <a:rPr lang="en-GB" altLang="zh-CN" dirty="0"/>
+              <a:t>. </a:t>
+            </a:r>
+            <a:r>
+              <a:rPr lang="en-GB" altLang="zh-CN" b="1" dirty="0"/>
               <a:t>SIEM-based detection and mitigation of IoT-botnet DDoS attacks.</a:t>
             </a:r>
             <a:r>
-              <a:rPr lang="en-US" altLang="zh-CN" dirty="0"/>
-              <a:t> (2019)</a:t>
-            </a:r>
-          </a:p>
-          <a:p>
-            <a:pPr algn="just"/>
-            <a:endParaRPr lang="en-US" altLang="zh-CN" dirty="0"/>
-          </a:p>
-          <a:p>
-            <a:pPr algn="just"/>
-            <a:r>
-              <a:rPr lang="en-US" altLang="zh-CN" dirty="0"/>
+              <a:rPr lang="en-GB" altLang="zh-CN" dirty="0"/>
+              <a:t> (2019) URL: </a:t>
+            </a:r>
+            <a:r>
+              <a:rPr lang="en-GB" altLang="zh-CN" dirty="0">
+                <a:hlinkClick r:id="rId5"/>
+              </a:rPr>
+              <a:t>https://www.researchgate.net/publication/340357755_SIEM-based_detection_and_mitigation_of_IoT-botnet_DDoS_attacks</a:t>
+            </a:r>
+            <a:endParaRPr lang="en-GB" altLang="zh-CN" dirty="0"/>
+          </a:p>
+          <a:p>
+            <a:endParaRPr lang="en-GB" altLang="zh-CN" dirty="0"/>
+          </a:p>
+          <a:p>
+            <a:r>
+              <a:rPr lang="en-GB" altLang="zh-CN" dirty="0"/>
               <a:t>[5]. </a:t>
             </a:r>
             <a:r>
-              <a:rPr lang="en-US" altLang="zh-CN" dirty="0" err="1"/>
+              <a:rPr lang="en-GB" altLang="zh-CN" dirty="0" err="1"/>
               <a:t>Huy-Trung</a:t>
             </a:r>
             <a:r>
-              <a:rPr lang="en-US" altLang="zh-CN" dirty="0"/>
-              <a:t> Nguyen, Quoc-Dung Ngo, Van-Hoang Le. </a:t>
-            </a:r>
-            <a:r>
-              <a:rPr lang="en-US" altLang="zh-CN" b="1" dirty="0"/>
-              <a:t>A novel graph-based approach for IoT botnet detection</a:t>
-            </a:r>
-            <a:r>
-              <a:rPr lang="en-US" altLang="zh-CN" dirty="0"/>
-              <a:t>. (2019)</a:t>
-            </a:r>
-          </a:p>
-          <a:p>
-            <a:pPr algn="just"/>
-            <a:endParaRPr lang="en-US" altLang="zh-CN" dirty="0"/>
-          </a:p>
-          <a:p>
-            <a:pPr algn="just"/>
-            <a:r>
-              <a:rPr lang="en-US" altLang="zh-CN" dirty="0"/>
+              <a:rPr lang="en-GB" altLang="zh-CN" dirty="0"/>
+              <a:t> Nguyen, Quoc-Dung Ngo, Van-Hoang Le. </a:t>
+            </a:r>
+            <a:r>
+              <a:rPr lang="en-GB" altLang="zh-CN" b="1" dirty="0"/>
+              <a:t>A novel graph-based approach for IoT botnet detection.</a:t>
+            </a:r>
+            <a:r>
+              <a:rPr lang="en-GB" altLang="zh-CN" dirty="0"/>
+              <a:t> (2019) URL: </a:t>
+            </a:r>
+            <a:r>
+              <a:rPr lang="en-GB" altLang="zh-CN" dirty="0">
+                <a:hlinkClick r:id="rId6"/>
+              </a:rPr>
+              <a:t>https://link.springer.com/article/10.1007/s10207-019-00475-6</a:t>
+            </a:r>
+            <a:endParaRPr lang="en-GB" altLang="zh-CN" dirty="0"/>
+          </a:p>
+          <a:p>
+            <a:endParaRPr lang="en-GB" altLang="zh-CN" dirty="0"/>
+          </a:p>
+          <a:p>
+            <a:r>
+              <a:rPr lang="en-GB" altLang="zh-CN" dirty="0"/>
               <a:t>[6]. Stephen Herwig, </a:t>
             </a:r>
             <a:r>
-              <a:rPr lang="en-US" altLang="zh-CN" dirty="0" err="1"/>
+              <a:rPr lang="en-GB" altLang="zh-CN" dirty="0" err="1"/>
               <a:t>Katura</a:t>
             </a:r>
             <a:r>
-              <a:rPr lang="en-US" altLang="zh-CN" dirty="0"/>
-              <a:t> Harvey, George Hughey, Richard Roberts, Dave Levin. </a:t>
-            </a:r>
-            <a:r>
-              <a:rPr lang="en-US" altLang="zh-CN" b="1" dirty="0"/>
-              <a:t>Measurement and Analysis of Hajime, a Peer-to-peer IoT Botnet. </a:t>
-            </a:r>
-            <a:r>
-              <a:rPr lang="en-US" altLang="zh-CN" dirty="0"/>
-              <a:t>(2019)</a:t>
-            </a:r>
-            <a:endParaRPr lang="zh-CN" altLang="zh-CN" dirty="0"/>
-          </a:p>
-          <a:p>
-            <a:pPr algn="just"/>
-            <a:endParaRPr lang="en-US" altLang="zh-CN" dirty="0"/>
-          </a:p>
-          <a:p>
-            <a:pPr algn="just"/>
-            <a:r>
-              <a:rPr lang="en-US" altLang="zh-CN" dirty="0"/>
+              <a:rPr lang="en-GB" altLang="zh-CN" dirty="0"/>
+              <a:t> Harvey, George Hughey, Richard Roberts, Dave Levin. </a:t>
+            </a:r>
+            <a:r>
+              <a:rPr lang="en-GB" altLang="zh-CN" b="1" dirty="0"/>
+              <a:t>Measurement and Analysis of Hajime, a Peer-to-peer IoT Botnet.</a:t>
+            </a:r>
+            <a:r>
+              <a:rPr lang="en-GB" altLang="zh-CN" dirty="0"/>
+              <a:t> (2019) URL: </a:t>
+            </a:r>
+            <a:r>
+              <a:rPr lang="en-GB" altLang="zh-CN" dirty="0">
+                <a:hlinkClick r:id="rId7"/>
+              </a:rPr>
+              <a:t>https://www.ndss-symposium.org/wp-content/uploads/2019/02/ndss2019_02B-3_Herwig_paper.pdf</a:t>
+            </a:r>
+            <a:endParaRPr lang="en-GB" altLang="zh-CN" dirty="0"/>
+          </a:p>
+          <a:p>
+            <a:endParaRPr lang="en-GB" altLang="zh-CN" dirty="0"/>
+          </a:p>
+          <a:p>
+            <a:r>
+              <a:rPr lang="en-GB" altLang="zh-CN" dirty="0"/>
               <a:t>[7]. </a:t>
             </a:r>
             <a:r>
-              <a:rPr lang="en-US" altLang="zh-CN" dirty="0" err="1"/>
+              <a:rPr lang="en-GB" altLang="zh-CN" dirty="0" err="1"/>
               <a:t>Xiaolu</a:t>
             </a:r>
             <a:r>
-              <a:rPr lang="en-US" altLang="zh-CN" dirty="0"/>
-              <a:t> Zhang, Oren Upton, Nicole Lang Beebe, Kim-Kwang Raymond Choo</a:t>
-            </a:r>
-            <a:r>
-              <a:rPr lang="en-US" altLang="zh-CN" b="1" dirty="0"/>
-              <a:t>. IoT Botnet Forensics: A Comprehensive Digital Forensic Case Study on </a:t>
-            </a:r>
-            <a:r>
-              <a:rPr lang="en-US" altLang="zh-CN" b="1" dirty="0" err="1"/>
+              <a:rPr lang="en-GB" altLang="zh-CN" dirty="0"/>
+              <a:t> Zhang, Oren Upton, Nicole Lang Beebe, Kim-Kwang Raymond Choo. </a:t>
+            </a:r>
+            <a:r>
+              <a:rPr lang="en-GB" altLang="zh-CN" b="1" dirty="0"/>
+              <a:t>IoT Botnet Forensics: A Comprehensive Digital Forensic Case Study on </a:t>
+            </a:r>
+            <a:r>
+              <a:rPr lang="en-GB" altLang="zh-CN" b="1" dirty="0" err="1"/>
               <a:t>Mirai</a:t>
             </a:r>
             <a:r>
-              <a:rPr lang="en-US" altLang="zh-CN" b="1" dirty="0"/>
-              <a:t> Botnet Servers. </a:t>
-            </a:r>
-            <a:r>
-              <a:rPr lang="en-US" altLang="zh-CN" dirty="0"/>
-              <a:t>(2020)</a:t>
-            </a:r>
-          </a:p>
-          <a:p>
-            <a:pPr algn="just"/>
-            <a:endParaRPr lang="en-US" altLang="zh-CN" dirty="0"/>
-          </a:p>
-          <a:p>
-            <a:pPr algn="just"/>
-            <a:r>
-              <a:rPr lang="en-US" altLang="zh-CN" dirty="0"/>
-              <a:t>[8]. </a:t>
-            </a:r>
-            <a:r>
-              <a:rPr lang="en-US" altLang="zh-CN" dirty="0" err="1"/>
-              <a:t>Constantinos</a:t>
-            </a:r>
-            <a:r>
-              <a:rPr lang="en-US" altLang="zh-CN" dirty="0"/>
-              <a:t> </a:t>
-            </a:r>
-            <a:r>
-              <a:rPr lang="en-US" altLang="zh-CN" dirty="0" err="1"/>
-              <a:t>Kolias</a:t>
-            </a:r>
-            <a:r>
-              <a:rPr lang="en-US" altLang="zh-CN" dirty="0"/>
-              <a:t>, George Mason University, Georgios </a:t>
-            </a:r>
-            <a:r>
-              <a:rPr lang="en-US" altLang="zh-CN" dirty="0" err="1"/>
-              <a:t>Kambourakis</a:t>
-            </a:r>
-            <a:r>
-              <a:rPr lang="en-US" altLang="zh-CN" dirty="0"/>
-              <a:t>, University of the Aegean </a:t>
-            </a:r>
-            <a:r>
-              <a:rPr lang="en-US" altLang="zh-CN" dirty="0" err="1"/>
-              <a:t>Angelos</a:t>
-            </a:r>
-            <a:r>
-              <a:rPr lang="en-US" altLang="zh-CN" dirty="0"/>
-              <a:t> </a:t>
-            </a:r>
-            <a:r>
-              <a:rPr lang="en-US" altLang="zh-CN" dirty="0" err="1"/>
-              <a:t>Stavrou</a:t>
-            </a:r>
-            <a:r>
-              <a:rPr lang="en-US" altLang="zh-CN" dirty="0"/>
-              <a:t>, George Mason University Jeffrey </a:t>
-            </a:r>
-            <a:r>
-              <a:rPr lang="en-US" altLang="zh-CN" dirty="0" err="1"/>
-              <a:t>Voas</a:t>
-            </a:r>
-            <a:r>
-              <a:rPr lang="en-US" altLang="zh-CN" dirty="0"/>
-              <a:t>, IEEE Fellow. </a:t>
-            </a:r>
-            <a:r>
-              <a:rPr lang="en-US" altLang="zh-CN" b="1" dirty="0"/>
-              <a:t>DDoS in the IoT: </a:t>
-            </a:r>
-            <a:r>
-              <a:rPr lang="en-US" altLang="zh-CN" b="1" dirty="0" err="1"/>
-              <a:t>Mirai</a:t>
-            </a:r>
-            <a:r>
-              <a:rPr lang="en-US" altLang="zh-CN" b="1" dirty="0"/>
-              <a:t> and Other Botnets</a:t>
-            </a:r>
-            <a:r>
-              <a:rPr lang="en-US" altLang="zh-CN" dirty="0"/>
-              <a:t>. (2017)</a:t>
-            </a:r>
-            <a:endParaRPr lang="zh-CN" altLang="zh-CN" dirty="0"/>
-          </a:p>
-          <a:p>
-            <a:pPr algn="just"/>
-            <a:endParaRPr lang="zh-CN" altLang="zh-CN" dirty="0"/>
-          </a:p>
-          <a:p>
-            <a:pPr algn="just"/>
-            <a:endParaRPr lang="zh-CN" altLang="zh-CN" dirty="0"/>
-          </a:p>
-          <a:p>
-            <a:pPr algn="just"/>
-            <a:endParaRPr lang="zh-CN" altLang="zh-CN" dirty="0"/>
-          </a:p>
-          <a:p>
-            <a:pPr algn="just"/>
-            <a:endParaRPr lang="zh-CN" altLang="zh-CN" dirty="0"/>
-          </a:p>
-          <a:p>
-            <a:pPr algn="just"/>
-            <a:endParaRPr lang="en-US" altLang="zh-CN" dirty="0"/>
-          </a:p>
-          <a:p>
-            <a:pPr algn="just"/>
-            <a:endParaRPr lang="en-US" altLang="zh-CN" dirty="0"/>
-          </a:p>
-          <a:p>
-            <a:pPr algn="just"/>
-            <a:endParaRPr lang="zh-CN" altLang="zh-CN" dirty="0"/>
+              <a:rPr lang="en-GB" altLang="zh-CN" b="1" dirty="0"/>
+              <a:t> Botnet Servers.</a:t>
+            </a:r>
+            <a:r>
+              <a:rPr lang="en-GB" altLang="zh-CN" dirty="0"/>
+              <a:t> (2020) URL: </a:t>
+            </a:r>
+            <a:r>
+              <a:rPr lang="en-GB" altLang="zh-CN" dirty="0">
+                <a:hlinkClick r:id="rId8"/>
+              </a:rPr>
+              <a:t>https://www.sciencedirect.com/science/article/pii/S2666281720300214</a:t>
+            </a:r>
+            <a:endParaRPr lang="en-GB" altLang="zh-CN" dirty="0"/>
           </a:p>
           <a:p>
             <a:pPr algn="just"/>
@@ -11478,8 +11624,8 @@
         </p:nvSpPr>
         <p:spPr>
           <a:xfrm>
-            <a:off x="659695" y="1544200"/>
-            <a:ext cx="12886612" cy="6463308"/>
+            <a:off x="659695" y="985432"/>
+            <a:ext cx="12886612" cy="3970318"/>
           </a:xfrm>
           <a:prstGeom prst="rect">
             <a:avLst/>
@@ -11493,230 +11639,290 @@
           <a:lstStyle/>
           <a:p>
             <a:r>
-              <a:rPr lang="en-US" altLang="zh-CN" dirty="0"/>
+              <a:rPr lang="en-GB" altLang="zh-CN" dirty="0"/>
+              <a:t>[8]. </a:t>
+            </a:r>
+            <a:r>
+              <a:rPr lang="en-GB" altLang="zh-CN" dirty="0" err="1"/>
+              <a:t>Constantinos</a:t>
+            </a:r>
+            <a:r>
+              <a:rPr lang="en-GB" altLang="zh-CN" dirty="0"/>
+              <a:t> </a:t>
+            </a:r>
+            <a:r>
+              <a:rPr lang="en-GB" altLang="zh-CN" dirty="0" err="1"/>
+              <a:t>Kolias</a:t>
+            </a:r>
+            <a:r>
+              <a:rPr lang="en-GB" altLang="zh-CN" dirty="0"/>
+              <a:t>, George Mason University, Georgios </a:t>
+            </a:r>
+            <a:r>
+              <a:rPr lang="en-GB" altLang="zh-CN" dirty="0" err="1"/>
+              <a:t>Kambourakis</a:t>
+            </a:r>
+            <a:r>
+              <a:rPr lang="en-GB" altLang="zh-CN" dirty="0"/>
+              <a:t>, University of the Aegean </a:t>
+            </a:r>
+            <a:r>
+              <a:rPr lang="en-GB" altLang="zh-CN" dirty="0" err="1"/>
+              <a:t>Angelos</a:t>
+            </a:r>
+            <a:r>
+              <a:rPr lang="en-GB" altLang="zh-CN" dirty="0"/>
+              <a:t> </a:t>
+            </a:r>
+            <a:r>
+              <a:rPr lang="en-GB" altLang="zh-CN" dirty="0" err="1"/>
+              <a:t>Stavrou</a:t>
+            </a:r>
+            <a:r>
+              <a:rPr lang="en-GB" altLang="zh-CN" dirty="0"/>
+              <a:t>, George Mason University Jeffrey </a:t>
+            </a:r>
+            <a:r>
+              <a:rPr lang="en-GB" altLang="zh-CN" dirty="0" err="1"/>
+              <a:t>Voas</a:t>
+            </a:r>
+            <a:r>
+              <a:rPr lang="en-GB" altLang="zh-CN" dirty="0"/>
+              <a:t>, IEEE Fellow. </a:t>
+            </a:r>
+            <a:r>
+              <a:rPr lang="en-GB" altLang="zh-CN" b="1" dirty="0"/>
+              <a:t>DDoS in the IoT: </a:t>
+            </a:r>
+            <a:r>
+              <a:rPr lang="en-GB" altLang="zh-CN" b="1" dirty="0" err="1"/>
+              <a:t>Mirai</a:t>
+            </a:r>
+            <a:r>
+              <a:rPr lang="en-GB" altLang="zh-CN" b="1" dirty="0"/>
+              <a:t> and Other Botnets.</a:t>
+            </a:r>
+            <a:r>
+              <a:rPr lang="en-GB" altLang="zh-CN" dirty="0"/>
+              <a:t> (2017) URL: </a:t>
+            </a:r>
+            <a:r>
+              <a:rPr lang="en-GB" altLang="zh-CN" dirty="0">
+                <a:hlinkClick r:id="rId2"/>
+              </a:rPr>
+              <a:t>https://ieeexplore.ieee.org/document/7971869</a:t>
+            </a:r>
+            <a:endParaRPr lang="en-GB" altLang="zh-CN" dirty="0"/>
+          </a:p>
+          <a:p>
+            <a:r>
+              <a:rPr lang="en-GB" altLang="zh-CN" dirty="0"/>
               <a:t>[9]. Priscilla </a:t>
             </a:r>
             <a:r>
-              <a:rPr lang="en-US" altLang="zh-CN" dirty="0" err="1"/>
+              <a:rPr lang="en-GB" altLang="zh-CN" dirty="0" err="1"/>
               <a:t>Moriuchi</a:t>
             </a:r>
             <a:r>
-              <a:rPr lang="en-US" altLang="zh-CN" dirty="0"/>
+              <a:rPr lang="en-GB" altLang="zh-CN" dirty="0"/>
               <a:t>, </a:t>
             </a:r>
             <a:r>
-              <a:rPr lang="en-US" altLang="zh-CN" dirty="0" err="1"/>
+              <a:rPr lang="en-GB" altLang="zh-CN" dirty="0" err="1"/>
               <a:t>Sanil</a:t>
             </a:r>
             <a:r>
-              <a:rPr lang="en-US" altLang="zh-CN" dirty="0"/>
+              <a:rPr lang="en-GB" altLang="zh-CN" dirty="0"/>
               <a:t> </a:t>
             </a:r>
             <a:r>
-              <a:rPr lang="en-US" altLang="zh-CN" dirty="0" err="1"/>
+              <a:rPr lang="en-GB" altLang="zh-CN" dirty="0" err="1"/>
               <a:t>Chohan</a:t>
             </a:r>
             <a:r>
-              <a:rPr lang="en-US" altLang="zh-CN" dirty="0"/>
-              <a:t>. </a:t>
-            </a:r>
-            <a:r>
-              <a:rPr lang="en-US" altLang="zh-CN" b="1" dirty="0" err="1"/>
+              <a:rPr lang="en-GB" altLang="zh-CN" dirty="0"/>
+              <a:t>. </a:t>
+            </a:r>
+            <a:r>
+              <a:rPr lang="en-GB" altLang="zh-CN" b="1" dirty="0" err="1"/>
               <a:t>Mirai</a:t>
             </a:r>
             <a:r>
-              <a:rPr lang="en-US" altLang="zh-CN" b="1" dirty="0"/>
-              <a:t>-Variant IoT Botnet Used to Target Financial Sector in January 2018</a:t>
-            </a:r>
-            <a:r>
-              <a:rPr lang="en-US" altLang="zh-CN" dirty="0"/>
-              <a:t>. (2018)</a:t>
-            </a:r>
-          </a:p>
-          <a:p>
-            <a:endParaRPr lang="en-US" altLang="zh-CN" dirty="0"/>
-          </a:p>
-          <a:p>
-            <a:r>
-              <a:rPr lang="en-US" altLang="zh-CN" dirty="0"/>
+              <a:rPr lang="en-GB" altLang="zh-CN" b="1" dirty="0"/>
+              <a:t>-Variant IoT Botnet Used to Target Financial Sector in January 2018.</a:t>
+            </a:r>
+            <a:r>
+              <a:rPr lang="en-GB" altLang="zh-CN" dirty="0"/>
+              <a:t> (2018) URL: </a:t>
+            </a:r>
+            <a:r>
+              <a:rPr lang="en-GB" altLang="zh-CN" dirty="0">
+                <a:hlinkClick r:id="rId3"/>
+              </a:rPr>
+              <a:t>https://go.recordedfuture.com/hubfs/reports/cta-2018-0405.pdf</a:t>
+            </a:r>
+            <a:endParaRPr lang="en-GB" altLang="zh-CN" dirty="0"/>
+          </a:p>
+          <a:p>
+            <a:r>
+              <a:rPr lang="en-GB" altLang="zh-CN" dirty="0"/>
               <a:t>[10]. Elisa </a:t>
             </a:r>
             <a:r>
-              <a:rPr lang="en-US" altLang="zh-CN" dirty="0" err="1"/>
+              <a:rPr lang="en-GB" altLang="zh-CN" dirty="0" err="1"/>
               <a:t>Bertino</a:t>
             </a:r>
             <a:r>
-              <a:rPr lang="en-US" altLang="zh-CN" dirty="0"/>
-              <a:t>, Purdue University, Nayeem Islam, Qualcomm. </a:t>
-            </a:r>
-            <a:r>
-              <a:rPr lang="en-US" altLang="zh-CN" b="1" dirty="0"/>
-              <a:t>Botnets and Internet of Things Security. </a:t>
-            </a:r>
-            <a:r>
-              <a:rPr lang="en-US" altLang="zh-CN" dirty="0"/>
-              <a:t>(2017)</a:t>
-            </a:r>
-          </a:p>
-          <a:p>
-            <a:endParaRPr lang="en-US" altLang="zh-CN" dirty="0"/>
-          </a:p>
-          <a:p>
-            <a:r>
-              <a:rPr lang="en-US" altLang="zh-CN" dirty="0"/>
+              <a:rPr lang="en-GB" altLang="zh-CN" dirty="0"/>
+              <a:t>, Purdue University, Nayeem Islam, Qualcomm. </a:t>
+            </a:r>
+            <a:r>
+              <a:rPr lang="en-GB" altLang="zh-CN" b="1" dirty="0"/>
+              <a:t>Botnets and Internet of Things Security.</a:t>
+            </a:r>
+            <a:r>
+              <a:rPr lang="en-GB" altLang="zh-CN" dirty="0"/>
+              <a:t> (2017) URL: </a:t>
+            </a:r>
+            <a:r>
+              <a:rPr lang="en-GB" altLang="zh-CN" dirty="0">
+                <a:hlinkClick r:id="rId4"/>
+              </a:rPr>
+              <a:t>https://ieeexplore.ieee.org/document/7842850</a:t>
+            </a:r>
+            <a:endParaRPr lang="en-GB" altLang="zh-CN" dirty="0"/>
+          </a:p>
+          <a:p>
+            <a:r>
+              <a:rPr lang="en-GB" altLang="zh-CN" dirty="0"/>
               <a:t>[11]. Saleh </a:t>
             </a:r>
             <a:r>
-              <a:rPr lang="en-US" altLang="zh-CN" dirty="0" err="1"/>
+              <a:rPr lang="en-GB" altLang="zh-CN" dirty="0" err="1"/>
               <a:t>Soltan</a:t>
             </a:r>
             <a:r>
-              <a:rPr lang="en-US" altLang="zh-CN" dirty="0"/>
-              <a:t>, Prateek Mittal, and H. Vincent Poor, Princeton University. </a:t>
-            </a:r>
-            <a:r>
-              <a:rPr lang="en-US" altLang="zh-CN" b="1" dirty="0" err="1"/>
+              <a:rPr lang="en-GB" altLang="zh-CN" dirty="0"/>
+              <a:t>, Prateek Mittal, and H. Vincent Poor, Princeton University. </a:t>
+            </a:r>
+            <a:r>
+              <a:rPr lang="en-GB" altLang="zh-CN" b="1" dirty="0" err="1"/>
               <a:t>BlackIoT</a:t>
             </a:r>
             <a:r>
-              <a:rPr lang="en-US" altLang="zh-CN" b="1" dirty="0"/>
-              <a:t>: IoT Botnet of High Wattage Devices Can Disrupt the Power Grid. </a:t>
-            </a:r>
-            <a:r>
-              <a:rPr lang="en-US" altLang="zh-CN" dirty="0"/>
-              <a:t>(2018)</a:t>
-            </a:r>
-            <a:r>
-              <a:rPr lang="zh-CN" altLang="zh-CN" dirty="0"/>
+              <a:rPr lang="en-GB" altLang="zh-CN" b="1" dirty="0"/>
+              <a:t>: IoT Botnet of High Wattage Devices Can Disrupt the Power Grid.</a:t>
+            </a:r>
+            <a:r>
+              <a:rPr lang="en-GB" altLang="zh-CN" dirty="0"/>
+              <a:t> (2018) URL: </a:t>
+            </a:r>
+            <a:r>
+              <a:rPr lang="en-GB" altLang="zh-CN" dirty="0">
+                <a:hlinkClick r:id="rId5"/>
+              </a:rPr>
+              <a:t>https://www.usenix.org/conference/usenixsecurity18/presentation/soltan</a:t>
+            </a:r>
+            <a:endParaRPr lang="en-GB" altLang="zh-CN" dirty="0"/>
+          </a:p>
+          <a:p>
+            <a:r>
+              <a:rPr lang="en-GB" altLang="zh-CN" dirty="0"/>
+              <a:t>[12]. </a:t>
+            </a:r>
+            <a:r>
+              <a:rPr lang="en-GB" altLang="zh-CN" dirty="0" err="1"/>
+              <a:t>Amaal</a:t>
+            </a:r>
+            <a:r>
+              <a:rPr lang="en-GB" altLang="zh-CN" dirty="0"/>
+              <a:t> Al </a:t>
+            </a:r>
+            <a:r>
+              <a:rPr lang="en-GB" altLang="zh-CN" dirty="0" err="1"/>
+              <a:t>Shorman</a:t>
+            </a:r>
+            <a:r>
+              <a:rPr lang="en-GB" altLang="zh-CN" dirty="0"/>
+              <a:t>, Hossam Faris, Ibrahim </a:t>
+            </a:r>
+            <a:r>
+              <a:rPr lang="en-GB" altLang="zh-CN" dirty="0" err="1"/>
+              <a:t>Aljarah</a:t>
+            </a:r>
+            <a:r>
+              <a:rPr lang="en-GB" altLang="zh-CN" dirty="0"/>
+              <a:t>. </a:t>
+            </a:r>
+            <a:r>
+              <a:rPr lang="en-GB" altLang="zh-CN" b="1" dirty="0"/>
+              <a:t>Unsupervised intelligent system based on one class support vector machine and Grey Wolf optimization for IoT botnet detection.</a:t>
+            </a:r>
+            <a:r>
+              <a:rPr lang="en-GB" altLang="zh-CN" dirty="0"/>
+              <a:t> (2019) URL: </a:t>
+            </a:r>
+            <a:r>
+              <a:rPr lang="en-GB" altLang="zh-CN" dirty="0">
+                <a:hlinkClick r:id="rId6"/>
+              </a:rPr>
+              <a:t>https://link.springer.com/article/10.1007/s12652-019-01387-y</a:t>
+            </a:r>
+            <a:endParaRPr lang="en-GB" altLang="zh-CN" dirty="0"/>
+          </a:p>
+          <a:p>
+            <a:r>
+              <a:rPr lang="en-GB" altLang="zh-CN" dirty="0"/>
+              <a:t>[13]. </a:t>
+            </a:r>
+            <a:r>
+              <a:rPr lang="en-GB" altLang="zh-CN" dirty="0" err="1"/>
+              <a:t>Vinayakumar</a:t>
+            </a:r>
+            <a:r>
+              <a:rPr lang="en-GB" altLang="zh-CN" dirty="0"/>
+              <a:t> R, </a:t>
+            </a:r>
+            <a:r>
+              <a:rPr lang="en-GB" altLang="zh-CN" dirty="0" err="1"/>
+              <a:t>Mamoun</a:t>
+            </a:r>
+            <a:r>
+              <a:rPr lang="en-GB" altLang="zh-CN" dirty="0"/>
               <a:t> </a:t>
             </a:r>
-            <a:endParaRPr lang="en-US" altLang="zh-CN" dirty="0"/>
-          </a:p>
-          <a:p>
-            <a:endParaRPr lang="en-US" altLang="zh-CN" dirty="0"/>
-          </a:p>
-          <a:p>
-            <a:r>
-              <a:rPr lang="en-US" altLang="zh-CN" dirty="0"/>
-              <a:t>[12]. </a:t>
-            </a:r>
-            <a:r>
-              <a:rPr lang="en-US" altLang="zh-CN" dirty="0" err="1"/>
-              <a:t>Amaal</a:t>
-            </a:r>
-            <a:r>
-              <a:rPr lang="en-US" altLang="zh-CN" dirty="0"/>
-              <a:t> Al </a:t>
-            </a:r>
-            <a:r>
-              <a:rPr lang="en-US" altLang="zh-CN" dirty="0" err="1"/>
-              <a:t>Shorman</a:t>
-            </a:r>
-            <a:r>
-              <a:rPr lang="en-US" altLang="zh-CN" dirty="0"/>
-              <a:t>, Hossam Faris, Ibrahim </a:t>
-            </a:r>
-            <a:r>
-              <a:rPr lang="en-US" altLang="zh-CN" dirty="0" err="1"/>
-              <a:t>Aljarah</a:t>
-            </a:r>
-            <a:r>
-              <a:rPr lang="en-US" altLang="zh-CN" b="1" dirty="0"/>
-              <a:t>. Unsupervised intelligent system based on one class support vector machine and Grey Wolf optimization for IoT botnet detection. </a:t>
-            </a:r>
-            <a:r>
-              <a:rPr lang="en-US" altLang="zh-CN" dirty="0"/>
-              <a:t>(2019)</a:t>
-            </a:r>
-            <a:r>
-              <a:rPr lang="zh-CN" altLang="zh-CN" dirty="0"/>
-              <a:t> </a:t>
-            </a:r>
-            <a:endParaRPr lang="en-US" altLang="zh-CN" dirty="0"/>
-          </a:p>
-          <a:p>
-            <a:endParaRPr lang="en-US" altLang="zh-CN" dirty="0"/>
-          </a:p>
-          <a:p>
-            <a:r>
-              <a:rPr lang="en-US" altLang="zh-CN" dirty="0"/>
-              <a:t>[13]. </a:t>
-            </a:r>
-            <a:r>
-              <a:rPr lang="en-US" altLang="zh-CN" dirty="0" err="1"/>
-              <a:t>Vinayakumar</a:t>
-            </a:r>
-            <a:r>
-              <a:rPr lang="en-US" altLang="zh-CN" dirty="0"/>
-              <a:t> R, </a:t>
-            </a:r>
-            <a:r>
-              <a:rPr lang="en-US" altLang="zh-CN" dirty="0" err="1"/>
-              <a:t>Mamoun</a:t>
-            </a:r>
-            <a:r>
-              <a:rPr lang="en-US" altLang="zh-CN" dirty="0"/>
-              <a:t> </a:t>
-            </a:r>
-            <a:r>
-              <a:rPr lang="en-US" altLang="zh-CN" dirty="0" err="1"/>
+            <a:r>
+              <a:rPr lang="en-GB" altLang="zh-CN" dirty="0" err="1"/>
               <a:t>Alazab</a:t>
             </a:r>
             <a:r>
-              <a:rPr lang="en-US" altLang="zh-CN" dirty="0"/>
-              <a:t> Senior Member, IEEE, Sriram S, Quoc-Viet Pham, Soman KP, Simran K. </a:t>
-            </a:r>
-            <a:r>
-              <a:rPr lang="en-US" altLang="zh-CN" b="1" dirty="0"/>
-              <a:t>A Visualized Botnet Detection System based Deep Learning for the Internet of Things Networks of Smart Cities. </a:t>
-            </a:r>
-            <a:r>
-              <a:rPr lang="en-US" altLang="zh-CN" dirty="0"/>
-              <a:t>(2020)</a:t>
-            </a:r>
-            <a:endParaRPr lang="zh-CN" altLang="zh-CN" dirty="0"/>
-          </a:p>
-          <a:p>
-            <a:endParaRPr lang="zh-CN" altLang="zh-CN" dirty="0"/>
-          </a:p>
-          <a:p>
-            <a:endParaRPr lang="zh-CN" altLang="zh-CN" dirty="0"/>
-          </a:p>
-          <a:p>
-            <a:endParaRPr lang="en-US" altLang="zh-CN" dirty="0"/>
-          </a:p>
-          <a:p>
-            <a:endParaRPr lang="zh-CN" altLang="zh-CN" dirty="0"/>
-          </a:p>
-          <a:p>
-            <a:endParaRPr lang="zh-CN" altLang="zh-CN" dirty="0"/>
-          </a:p>
-          <a:p>
-            <a:endParaRPr lang="zh-CN" altLang="zh-CN" dirty="0"/>
-          </a:p>
-          <a:p>
-            <a:endParaRPr lang="zh-CN" altLang="zh-CN" dirty="0"/>
-          </a:p>
-          <a:p>
-            <a:endParaRPr lang="en-US" altLang="zh-CN" dirty="0"/>
-          </a:p>
-          <a:p>
-            <a:endParaRPr lang="en-US" altLang="zh-CN" dirty="0"/>
-          </a:p>
-          <a:p>
-            <a:endParaRPr lang="zh-CN" altLang="zh-CN" dirty="0"/>
-          </a:p>
-          <a:p>
-            <a:endParaRPr lang="en-US" dirty="0"/>
+              <a:rPr lang="en-GB" altLang="zh-CN" dirty="0"/>
+              <a:t> Senior Member, IEEE, Sriram S, Quoc-Viet Pham, Soman KP, Simran K. </a:t>
+            </a:r>
+            <a:r>
+              <a:rPr lang="en-GB" altLang="zh-CN" b="1" dirty="0"/>
+              <a:t>A Visualized Botnet Detection System based Deep Learning for the Internet of Things Networks of Smart Cities.</a:t>
+            </a:r>
+            <a:r>
+              <a:rPr lang="en-GB" altLang="zh-CN" dirty="0"/>
+              <a:t> (2020) URL: </a:t>
+            </a:r>
+            <a:r>
+              <a:rPr lang="en-GB" altLang="zh-CN" dirty="0">
+                <a:hlinkClick r:id="rId7"/>
+              </a:rPr>
+              <a:t>https://ieeexplore.ieee.org/document/8985278</a:t>
+            </a:r>
+            <a:endParaRPr lang="en-GB" altLang="zh-CN" dirty="0"/>
           </a:p>
         </p:txBody>
       </p:sp>
       <p:grpSp>
         <p:nvGrpSpPr>
-          <p:cNvPr id="24" name="组合 23">
+          <p:cNvPr id="11" name="组合 10">
             <a:extLst>
               <a:ext uri="{FF2B5EF4-FFF2-40B4-BE49-F238E27FC236}">
-                <a16:creationId xmlns:a16="http://schemas.microsoft.com/office/drawing/2014/main" id="{9A5FE433-4B85-4E40-9A67-3E97C4ADB413}"/>
+                <a16:creationId xmlns:a16="http://schemas.microsoft.com/office/drawing/2014/main" id="{DEFE8F46-42EC-7348-AE3C-2CE579B278CE}"/>
               </a:ext>
             </a:extLst>
           </p:cNvPr>
@@ -11725,18 +11931,18 @@
         </p:nvGrpSpPr>
         <p:grpSpPr>
           <a:xfrm>
-            <a:off x="2130292" y="4873995"/>
+            <a:off x="2130292" y="4955750"/>
             <a:ext cx="10360723" cy="4125543"/>
-            <a:chOff x="2489521" y="5363856"/>
+            <a:chOff x="2130292" y="4873995"/>
             <a:chExt cx="10360723" cy="4125543"/>
           </a:xfrm>
         </p:grpSpPr>
         <p:grpSp>
           <p:nvGrpSpPr>
-            <p:cNvPr id="23" name="组合 22">
+            <p:cNvPr id="24" name="组合 23">
               <a:extLst>
                 <a:ext uri="{FF2B5EF4-FFF2-40B4-BE49-F238E27FC236}">
-                  <a16:creationId xmlns:a16="http://schemas.microsoft.com/office/drawing/2014/main" id="{BC56FF5F-DE7C-A643-BC3C-0272C74CBBB0}"/>
+                  <a16:creationId xmlns:a16="http://schemas.microsoft.com/office/drawing/2014/main" id="{9A5FE433-4B85-4E40-9A67-3E97C4ADB413}"/>
                 </a:ext>
               </a:extLst>
             </p:cNvPr>
@@ -11745,80 +11951,18 @@
           </p:nvGrpSpPr>
           <p:grpSpPr>
             <a:xfrm>
-              <a:off x="2489521" y="5421276"/>
-              <a:ext cx="10360723" cy="4068123"/>
-              <a:chOff x="2141909" y="4862715"/>
-              <a:chExt cx="10360723" cy="4068123"/>
+              <a:off x="2130292" y="4873995"/>
+              <a:ext cx="10360723" cy="4125543"/>
+              <a:chOff x="2489521" y="5363856"/>
+              <a:chExt cx="10360723" cy="4125543"/>
             </a:xfrm>
           </p:grpSpPr>
-          <p:sp>
-            <p:nvSpPr>
-              <p:cNvPr id="22" name="矩形 21">
+          <p:grpSp>
+            <p:nvGrpSpPr>
+              <p:cNvPr id="23" name="组合 22">
                 <a:extLst>
                   <a:ext uri="{FF2B5EF4-FFF2-40B4-BE49-F238E27FC236}">
-                    <a16:creationId xmlns:a16="http://schemas.microsoft.com/office/drawing/2014/main" id="{079B48C8-D0E3-4F45-8FC3-CE8A9E90883A}"/>
-                  </a:ext>
-                </a:extLst>
-              </p:cNvPr>
-              <p:cNvSpPr/>
-              <p:nvPr/>
-            </p:nvSpPr>
-            <p:spPr>
-              <a:xfrm>
-                <a:off x="2141909" y="4862715"/>
-                <a:ext cx="9859591" cy="4015938"/>
-              </a:xfrm>
-              <a:prstGeom prst="rect">
-                <a:avLst/>
-              </a:prstGeom>
-              <a:pattFill prst="pct5">
-                <a:fgClr>
-                  <a:schemeClr val="accent1"/>
-                </a:fgClr>
-                <a:bgClr>
-                  <a:schemeClr val="bg1"/>
-                </a:bgClr>
-              </a:pattFill>
-              <a:ln w="12700">
-                <a:solidFill>
-                  <a:schemeClr val="tx1">
-                    <a:lumMod val="85000"/>
-                    <a:lumOff val="15000"/>
-                  </a:schemeClr>
-                </a:solidFill>
-              </a:ln>
-            </p:spPr>
-            <p:style>
-              <a:lnRef idx="2">
-                <a:schemeClr val="accent1">
-                  <a:shade val="50000"/>
-                </a:schemeClr>
-              </a:lnRef>
-              <a:fillRef idx="1">
-                <a:schemeClr val="accent1"/>
-              </a:fillRef>
-              <a:effectRef idx="0">
-                <a:schemeClr val="accent1"/>
-              </a:effectRef>
-              <a:fontRef idx="minor">
-                <a:schemeClr val="lt1"/>
-              </a:fontRef>
-            </p:style>
-            <p:txBody>
-              <a:bodyPr rtlCol="0" anchor="ctr"/>
-              <a:lstStyle/>
-              <a:p>
-                <a:pPr algn="ctr"/>
-                <a:endParaRPr lang="en-US"/>
-              </a:p>
-            </p:txBody>
-          </p:sp>
-          <p:grpSp>
-            <p:nvGrpSpPr>
-              <p:cNvPr id="21" name="组合 20">
-                <a:extLst>
-                  <a:ext uri="{FF2B5EF4-FFF2-40B4-BE49-F238E27FC236}">
-                    <a16:creationId xmlns:a16="http://schemas.microsoft.com/office/drawing/2014/main" id="{7C099D8F-0710-0244-810D-C675EA6563F4}"/>
+                    <a16:creationId xmlns:a16="http://schemas.microsoft.com/office/drawing/2014/main" id="{BC56FF5F-DE7C-A643-BC3C-0272C74CBBB0}"/>
                   </a:ext>
                 </a:extLst>
               </p:cNvPr>
@@ -11827,18 +11971,80 @@
             </p:nvGrpSpPr>
             <p:grpSpPr>
               <a:xfrm>
-                <a:off x="2297590" y="5132670"/>
-                <a:ext cx="10205042" cy="3798168"/>
-                <a:chOff x="2297590" y="5132670"/>
-                <a:chExt cx="10205042" cy="3798168"/>
+                <a:off x="2489521" y="5421276"/>
+                <a:ext cx="10360723" cy="4068123"/>
+                <a:chOff x="2141909" y="4862715"/>
+                <a:chExt cx="10360723" cy="4068123"/>
               </a:xfrm>
             </p:grpSpPr>
+            <p:sp>
+              <p:nvSpPr>
+                <p:cNvPr id="22" name="矩形 21">
+                  <a:extLst>
+                    <a:ext uri="{FF2B5EF4-FFF2-40B4-BE49-F238E27FC236}">
+                      <a16:creationId xmlns:a16="http://schemas.microsoft.com/office/drawing/2014/main" id="{079B48C8-D0E3-4F45-8FC3-CE8A9E90883A}"/>
+                    </a:ext>
+                  </a:extLst>
+                </p:cNvPr>
+                <p:cNvSpPr/>
+                <p:nvPr/>
+              </p:nvSpPr>
+              <p:spPr>
+                <a:xfrm>
+                  <a:off x="2141909" y="4862715"/>
+                  <a:ext cx="9859591" cy="4015938"/>
+                </a:xfrm>
+                <a:prstGeom prst="rect">
+                  <a:avLst/>
+                </a:prstGeom>
+                <a:pattFill prst="pct5">
+                  <a:fgClr>
+                    <a:schemeClr val="accent1"/>
+                  </a:fgClr>
+                  <a:bgClr>
+                    <a:schemeClr val="bg1"/>
+                  </a:bgClr>
+                </a:pattFill>
+                <a:ln w="12700">
+                  <a:solidFill>
+                    <a:schemeClr val="tx1">
+                      <a:lumMod val="85000"/>
+                      <a:lumOff val="15000"/>
+                    </a:schemeClr>
+                  </a:solidFill>
+                </a:ln>
+              </p:spPr>
+              <p:style>
+                <a:lnRef idx="2">
+                  <a:schemeClr val="accent1">
+                    <a:shade val="50000"/>
+                  </a:schemeClr>
+                </a:lnRef>
+                <a:fillRef idx="1">
+                  <a:schemeClr val="accent1"/>
+                </a:fillRef>
+                <a:effectRef idx="0">
+                  <a:schemeClr val="accent1"/>
+                </a:effectRef>
+                <a:fontRef idx="minor">
+                  <a:schemeClr val="lt1"/>
+                </a:fontRef>
+              </p:style>
+              <p:txBody>
+                <a:bodyPr rtlCol="0" anchor="ctr"/>
+                <a:lstStyle/>
+                <a:p>
+                  <a:pPr algn="ctr"/>
+                  <a:endParaRPr lang="en-US"/>
+                </a:p>
+              </p:txBody>
+            </p:sp>
             <p:grpSp>
               <p:nvGrpSpPr>
-                <p:cNvPr id="12" name="组合 11">
+                <p:cNvPr id="21" name="组合 20">
                   <a:extLst>
                     <a:ext uri="{FF2B5EF4-FFF2-40B4-BE49-F238E27FC236}">
-                      <a16:creationId xmlns:a16="http://schemas.microsoft.com/office/drawing/2014/main" id="{617C6EB0-5133-2248-AAD6-F713EF94CF8D}"/>
+                      <a16:creationId xmlns:a16="http://schemas.microsoft.com/office/drawing/2014/main" id="{7C099D8F-0710-0244-810D-C675EA6563F4}"/>
                     </a:ext>
                   </a:extLst>
                 </p:cNvPr>
@@ -11853,94 +12059,316 @@
                   <a:chExt cx="10205042" cy="3798168"/>
                 </a:xfrm>
               </p:grpSpPr>
-              <p:cxnSp>
-                <p:nvCxnSpPr>
-                  <p:cNvPr id="7" name="直线连接符 6">
+              <p:grpSp>
+                <p:nvGrpSpPr>
+                  <p:cNvPr id="12" name="组合 11">
                     <a:extLst>
                       <a:ext uri="{FF2B5EF4-FFF2-40B4-BE49-F238E27FC236}">
-                        <a16:creationId xmlns:a16="http://schemas.microsoft.com/office/drawing/2014/main" id="{FFACE648-C35D-3940-B45F-D411DF6FBFC2}"/>
+                        <a16:creationId xmlns:a16="http://schemas.microsoft.com/office/drawing/2014/main" id="{617C6EB0-5133-2248-AAD6-F713EF94CF8D}"/>
                       </a:ext>
                     </a:extLst>
                   </p:cNvPr>
-                  <p:cNvCxnSpPr>
-                    <a:cxnSpLocks/>
-                  </p:cNvCxnSpPr>
+                  <p:cNvGrpSpPr/>
                   <p:nvPr/>
-                </p:nvCxnSpPr>
-                <p:spPr>
+                </p:nvGrpSpPr>
+                <p:grpSpPr>
                   <a:xfrm>
-                    <a:off x="2297590" y="8700006"/>
-                    <a:ext cx="8896689" cy="0"/>
+                    <a:off x="2297590" y="5132670"/>
+                    <a:ext cx="10205042" cy="3798168"/>
+                    <a:chOff x="2297590" y="5132670"/>
+                    <a:chExt cx="10205042" cy="3798168"/>
                   </a:xfrm>
-                  <a:prstGeom prst="line">
-                    <a:avLst/>
-                  </a:prstGeom>
-                  <a:ln w="38100">
+                </p:grpSpPr>
+                <p:cxnSp>
+                  <p:nvCxnSpPr>
+                    <p:cNvPr id="7" name="直线连接符 6">
+                      <a:extLst>
+                        <a:ext uri="{FF2B5EF4-FFF2-40B4-BE49-F238E27FC236}">
+                          <a16:creationId xmlns:a16="http://schemas.microsoft.com/office/drawing/2014/main" id="{FFACE648-C35D-3940-B45F-D411DF6FBFC2}"/>
+                        </a:ext>
+                      </a:extLst>
+                    </p:cNvPr>
+                    <p:cNvCxnSpPr>
+                      <a:cxnSpLocks/>
+                    </p:cNvCxnSpPr>
+                    <p:nvPr/>
+                  </p:nvCxnSpPr>
+                  <p:spPr>
+                    <a:xfrm>
+                      <a:off x="2297590" y="8700006"/>
+                      <a:ext cx="8896689" cy="0"/>
+                    </a:xfrm>
+                    <a:prstGeom prst="line">
+                      <a:avLst/>
+                    </a:prstGeom>
+                    <a:ln w="38100">
+                      <a:solidFill>
+                        <a:srgbClr val="4A6A89"/>
+                      </a:solidFill>
+                    </a:ln>
+                  </p:spPr>
+                  <p:style>
+                    <a:lnRef idx="1">
+                      <a:schemeClr val="accent1"/>
+                    </a:lnRef>
+                    <a:fillRef idx="0">
+                      <a:schemeClr val="accent1"/>
+                    </a:fillRef>
+                    <a:effectRef idx="0">
+                      <a:schemeClr val="accent1"/>
+                    </a:effectRef>
+                    <a:fontRef idx="minor">
+                      <a:schemeClr val="tx1"/>
+                    </a:fontRef>
+                  </p:style>
+                </p:cxnSp>
+                <p:sp>
+                  <p:nvSpPr>
+                    <p:cNvPr id="5" name="文本框 4">
+                      <a:extLst>
+                        <a:ext uri="{FF2B5EF4-FFF2-40B4-BE49-F238E27FC236}">
+                          <a16:creationId xmlns:a16="http://schemas.microsoft.com/office/drawing/2014/main" id="{0BE560DD-EB95-F64B-B15D-DBB0306054BB}"/>
+                        </a:ext>
+                      </a:extLst>
+                    </p:cNvPr>
+                    <p:cNvSpPr txBox="1"/>
+                    <p:nvPr/>
+                  </p:nvSpPr>
+                  <p:spPr>
+                    <a:xfrm>
+                      <a:off x="11042132" y="8469173"/>
+                      <a:ext cx="1460500" cy="461665"/>
+                    </a:xfrm>
+                    <a:prstGeom prst="rect">
+                      <a:avLst/>
+                    </a:prstGeom>
+                    <a:noFill/>
+                  </p:spPr>
+                  <p:txBody>
+                    <a:bodyPr wrap="square" rtlCol="0">
+                      <a:spAutoFit/>
+                    </a:bodyPr>
+                    <a:lstStyle/>
+                    <a:p>
+                      <a:r>
+                        <a:rPr lang="en-US" sz="2400" b="1" dirty="0">
+                          <a:solidFill>
+                            <a:srgbClr val="003365"/>
+                          </a:solidFill>
+                        </a:rPr>
+                        <a:t>Width</a:t>
+                      </a:r>
+                    </a:p>
+                  </p:txBody>
+                </p:sp>
+                <p:sp>
+                  <p:nvSpPr>
+                    <p:cNvPr id="6" name="椭圆 5">
+                      <a:extLst>
+                        <a:ext uri="{FF2B5EF4-FFF2-40B4-BE49-F238E27FC236}">
+                          <a16:creationId xmlns:a16="http://schemas.microsoft.com/office/drawing/2014/main" id="{1C1FA863-E47F-0F47-A2CC-6CC8E63061A9}"/>
+                        </a:ext>
+                      </a:extLst>
+                    </p:cNvPr>
+                    <p:cNvSpPr/>
+                    <p:nvPr/>
+                  </p:nvSpPr>
+                  <p:spPr>
+                    <a:xfrm>
+                      <a:off x="5045143" y="7126362"/>
+                      <a:ext cx="1164240" cy="681327"/>
+                    </a:xfrm>
+                    <a:prstGeom prst="ellipse">
+                      <a:avLst/>
+                    </a:prstGeom>
                     <a:solidFill>
                       <a:srgbClr val="4A6A89"/>
                     </a:solidFill>
-                  </a:ln>
-                </p:spPr>
-                <p:style>
-                  <a:lnRef idx="1">
-                    <a:schemeClr val="accent1"/>
-                  </a:lnRef>
-                  <a:fillRef idx="0">
-                    <a:schemeClr val="accent1"/>
-                  </a:fillRef>
-                  <a:effectRef idx="0">
-                    <a:schemeClr val="accent1"/>
-                  </a:effectRef>
-                  <a:fontRef idx="minor">
-                    <a:schemeClr val="tx1"/>
-                  </a:fontRef>
-                </p:style>
-              </p:cxnSp>
+                  </p:spPr>
+                  <p:style>
+                    <a:lnRef idx="2">
+                      <a:schemeClr val="accent1">
+                        <a:shade val="50000"/>
+                      </a:schemeClr>
+                    </a:lnRef>
+                    <a:fillRef idx="1">
+                      <a:schemeClr val="accent1"/>
+                    </a:fillRef>
+                    <a:effectRef idx="0">
+                      <a:schemeClr val="accent1"/>
+                    </a:effectRef>
+                    <a:fontRef idx="minor">
+                      <a:schemeClr val="lt1"/>
+                    </a:fontRef>
+                  </p:style>
+                  <p:txBody>
+                    <a:bodyPr rtlCol="0" anchor="ctr"/>
+                    <a:lstStyle/>
+                    <a:p>
+                      <a:pPr algn="ctr"/>
+                      <a:r>
+                        <a:rPr lang="en-US" dirty="0"/>
+                        <a:t>Botnet</a:t>
+                      </a:r>
+                    </a:p>
+                  </p:txBody>
+                </p:sp>
+                <p:sp>
+                  <p:nvSpPr>
+                    <p:cNvPr id="9" name="椭圆 8">
+                      <a:extLst>
+                        <a:ext uri="{FF2B5EF4-FFF2-40B4-BE49-F238E27FC236}">
+                          <a16:creationId xmlns:a16="http://schemas.microsoft.com/office/drawing/2014/main" id="{823F16B0-E216-0449-A2C7-E602F75B165D}"/>
+                        </a:ext>
+                      </a:extLst>
+                    </p:cNvPr>
+                    <p:cNvSpPr/>
+                    <p:nvPr/>
+                  </p:nvSpPr>
+                  <p:spPr>
+                    <a:xfrm>
+                      <a:off x="4540626" y="7898832"/>
+                      <a:ext cx="1164239" cy="681326"/>
+                    </a:xfrm>
+                    <a:prstGeom prst="ellipse">
+                      <a:avLst/>
+                    </a:prstGeom>
+                    <a:solidFill>
+                      <a:srgbClr val="4A6A89"/>
+                    </a:solidFill>
+                  </p:spPr>
+                  <p:style>
+                    <a:lnRef idx="2">
+                      <a:schemeClr val="accent1">
+                        <a:shade val="50000"/>
+                      </a:schemeClr>
+                    </a:lnRef>
+                    <a:fillRef idx="1">
+                      <a:schemeClr val="accent1"/>
+                    </a:fillRef>
+                    <a:effectRef idx="0">
+                      <a:schemeClr val="accent1"/>
+                    </a:effectRef>
+                    <a:fontRef idx="minor">
+                      <a:schemeClr val="lt1"/>
+                    </a:fontRef>
+                  </p:style>
+                  <p:txBody>
+                    <a:bodyPr rtlCol="0" anchor="ctr"/>
+                    <a:lstStyle/>
+                    <a:p>
+                      <a:pPr algn="ctr"/>
+                      <a:r>
+                        <a:rPr lang="en-US" sz="1400" dirty="0" err="1"/>
+                        <a:t>Bashlite</a:t>
+                      </a:r>
+                      <a:endParaRPr lang="en-US" dirty="0"/>
+                    </a:p>
+                  </p:txBody>
+                </p:sp>
+                <p:cxnSp>
+                  <p:nvCxnSpPr>
+                    <p:cNvPr id="10" name="直线连接符 9">
+                      <a:extLst>
+                        <a:ext uri="{FF2B5EF4-FFF2-40B4-BE49-F238E27FC236}">
+                          <a16:creationId xmlns:a16="http://schemas.microsoft.com/office/drawing/2014/main" id="{00E407B8-C71C-2946-B56C-CAE2D7FC39E1}"/>
+                        </a:ext>
+                      </a:extLst>
+                    </p:cNvPr>
+                    <p:cNvCxnSpPr>
+                      <a:cxnSpLocks/>
+                    </p:cNvCxnSpPr>
+                    <p:nvPr/>
+                  </p:nvCxnSpPr>
+                  <p:spPr>
+                    <a:xfrm flipV="1">
+                      <a:off x="6663954" y="5132670"/>
+                      <a:ext cx="0" cy="3550636"/>
+                    </a:xfrm>
+                    <a:prstGeom prst="line">
+                      <a:avLst/>
+                    </a:prstGeom>
+                    <a:ln w="38100">
+                      <a:solidFill>
+                        <a:srgbClr val="4A6A89"/>
+                      </a:solidFill>
+                    </a:ln>
+                  </p:spPr>
+                  <p:style>
+                    <a:lnRef idx="1">
+                      <a:schemeClr val="accent1"/>
+                    </a:lnRef>
+                    <a:fillRef idx="0">
+                      <a:schemeClr val="accent1"/>
+                    </a:fillRef>
+                    <a:effectRef idx="0">
+                      <a:schemeClr val="accent1"/>
+                    </a:effectRef>
+                    <a:fontRef idx="minor">
+                      <a:schemeClr val="tx1"/>
+                    </a:fontRef>
+                  </p:style>
+                </p:cxnSp>
+                <p:sp>
+                  <p:nvSpPr>
+                    <p:cNvPr id="8" name="椭圆 7">
+                      <a:extLst>
+                        <a:ext uri="{FF2B5EF4-FFF2-40B4-BE49-F238E27FC236}">
+                          <a16:creationId xmlns:a16="http://schemas.microsoft.com/office/drawing/2014/main" id="{627C21A5-947C-564A-94D5-416CBDF0E7C9}"/>
+                        </a:ext>
+                      </a:extLst>
+                    </p:cNvPr>
+                    <p:cNvSpPr/>
+                    <p:nvPr/>
+                  </p:nvSpPr>
+                  <p:spPr>
+                    <a:xfrm>
+                      <a:off x="6209383" y="7732355"/>
+                      <a:ext cx="806013" cy="681326"/>
+                    </a:xfrm>
+                    <a:prstGeom prst="ellipse">
+                      <a:avLst/>
+                    </a:prstGeom>
+                    <a:solidFill>
+                      <a:srgbClr val="4A6A89"/>
+                    </a:solidFill>
+                  </p:spPr>
+                  <p:style>
+                    <a:lnRef idx="2">
+                      <a:schemeClr val="accent1">
+                        <a:shade val="50000"/>
+                      </a:schemeClr>
+                    </a:lnRef>
+                    <a:fillRef idx="1">
+                      <a:schemeClr val="accent1"/>
+                    </a:fillRef>
+                    <a:effectRef idx="0">
+                      <a:schemeClr val="accent1"/>
+                    </a:effectRef>
+                    <a:fontRef idx="minor">
+                      <a:schemeClr val="lt1"/>
+                    </a:fontRef>
+                  </p:style>
+                  <p:txBody>
+                    <a:bodyPr rtlCol="0" anchor="ctr"/>
+                    <a:lstStyle/>
+                    <a:p>
+                      <a:pPr algn="ctr"/>
+                      <a:r>
+                        <a:rPr lang="en-US" sz="1400" dirty="0" err="1"/>
+                        <a:t>Mirai</a:t>
+                      </a:r>
+                      <a:endParaRPr lang="en-US" dirty="0"/>
+                    </a:p>
+                  </p:txBody>
+                </p:sp>
+              </p:grpSp>
               <p:sp>
                 <p:nvSpPr>
-                  <p:cNvPr id="5" name="文本框 4">
+                  <p:cNvPr id="14" name="椭圆 13">
                     <a:extLst>
                       <a:ext uri="{FF2B5EF4-FFF2-40B4-BE49-F238E27FC236}">
-                        <a16:creationId xmlns:a16="http://schemas.microsoft.com/office/drawing/2014/main" id="{0BE560DD-EB95-F64B-B15D-DBB0306054BB}"/>
-                      </a:ext>
-                    </a:extLst>
-                  </p:cNvPr>
-                  <p:cNvSpPr txBox="1"/>
-                  <p:nvPr/>
-                </p:nvSpPr>
-                <p:spPr>
-                  <a:xfrm>
-                    <a:off x="11042132" y="8469173"/>
-                    <a:ext cx="1460500" cy="461665"/>
-                  </a:xfrm>
-                  <a:prstGeom prst="rect">
-                    <a:avLst/>
-                  </a:prstGeom>
-                  <a:noFill/>
-                </p:spPr>
-                <p:txBody>
-                  <a:bodyPr wrap="square" rtlCol="0">
-                    <a:spAutoFit/>
-                  </a:bodyPr>
-                  <a:lstStyle/>
-                  <a:p>
-                    <a:r>
-                      <a:rPr lang="en-US" sz="2400" b="1" dirty="0">
-                        <a:solidFill>
-                          <a:srgbClr val="003365"/>
-                        </a:solidFill>
-                      </a:rPr>
-                      <a:t>Width</a:t>
-                    </a:r>
-                  </a:p>
-                </p:txBody>
-              </p:sp>
-              <p:sp>
-                <p:nvSpPr>
-                  <p:cNvPr id="6" name="椭圆 5">
-                    <a:extLst>
-                      <a:ext uri="{FF2B5EF4-FFF2-40B4-BE49-F238E27FC236}">
-                        <a16:creationId xmlns:a16="http://schemas.microsoft.com/office/drawing/2014/main" id="{1C1FA863-E47F-0F47-A2CC-6CC8E63061A9}"/>
+                        <a16:creationId xmlns:a16="http://schemas.microsoft.com/office/drawing/2014/main" id="{FE2380ED-45C8-B244-8B33-13B60A7075E6}"/>
                       </a:ext>
                     </a:extLst>
                   </p:cNvPr>
@@ -11949,8 +12377,8 @@
                 </p:nvSpPr>
                 <p:spPr>
                   <a:xfrm>
-                    <a:off x="5045143" y="7126362"/>
-                    <a:ext cx="1164240" cy="681327"/>
+                    <a:off x="3871930" y="7239677"/>
+                    <a:ext cx="1033436" cy="624669"/>
                   </a:xfrm>
                   <a:prstGeom prst="ellipse">
                     <a:avLst/>
@@ -11981,18 +12409,19 @@
                   <a:p>
                     <a:pPr algn="ctr"/>
                     <a:r>
-                      <a:rPr lang="en-US" dirty="0"/>
-                      <a:t>Botnet</a:t>
+                      <a:rPr lang="en-US" sz="1400" dirty="0"/>
+                      <a:t>Hajime</a:t>
                     </a:r>
+                    <a:endParaRPr lang="en-US" dirty="0"/>
                   </a:p>
                 </p:txBody>
               </p:sp>
               <p:sp>
                 <p:nvSpPr>
-                  <p:cNvPr id="9" name="椭圆 8">
+                  <p:cNvPr id="15" name="椭圆 14">
                     <a:extLst>
                       <a:ext uri="{FF2B5EF4-FFF2-40B4-BE49-F238E27FC236}">
-                        <a16:creationId xmlns:a16="http://schemas.microsoft.com/office/drawing/2014/main" id="{823F16B0-E216-0449-A2C7-E602F75B165D}"/>
+                        <a16:creationId xmlns:a16="http://schemas.microsoft.com/office/drawing/2014/main" id="{EC3563AC-212F-6E46-80FF-1DC6E3020C6B}"/>
                       </a:ext>
                     </a:extLst>
                   </p:cNvPr>
@@ -12001,14 +12430,17 @@
                 </p:nvSpPr>
                 <p:spPr>
                   <a:xfrm>
-                    <a:off x="4540626" y="7898832"/>
-                    <a:ext cx="1164239" cy="681326"/>
+                    <a:off x="6209383" y="6558350"/>
+                    <a:ext cx="1820871" cy="681327"/>
                   </a:xfrm>
                   <a:prstGeom prst="ellipse">
                     <a:avLst/>
                   </a:prstGeom>
                   <a:solidFill>
-                    <a:srgbClr val="4A6A89"/>
+                    <a:schemeClr val="accent2">
+                      <a:lumMod val="60000"/>
+                      <a:lumOff val="40000"/>
+                    </a:schemeClr>
                   </a:solidFill>
                 </p:spPr>
                 <p:style>
@@ -12033,62 +12465,18 @@
                   <a:p>
                     <a:pPr algn="ctr"/>
                     <a:r>
-                      <a:rPr lang="en-US" sz="1400" dirty="0" err="1"/>
-                      <a:t>Bashlite</a:t>
+                      <a:rPr lang="en-US" dirty="0"/>
+                      <a:t>Botnet-Detection</a:t>
                     </a:r>
-                    <a:endParaRPr lang="en-US" dirty="0"/>
                   </a:p>
                 </p:txBody>
               </p:sp>
-              <p:cxnSp>
-                <p:nvCxnSpPr>
-                  <p:cNvPr id="10" name="直线连接符 9">
+              <p:sp>
+                <p:nvSpPr>
+                  <p:cNvPr id="16" name="椭圆 15">
                     <a:extLst>
                       <a:ext uri="{FF2B5EF4-FFF2-40B4-BE49-F238E27FC236}">
-                        <a16:creationId xmlns:a16="http://schemas.microsoft.com/office/drawing/2014/main" id="{00E407B8-C71C-2946-B56C-CAE2D7FC39E1}"/>
-                      </a:ext>
-                    </a:extLst>
-                  </p:cNvPr>
-                  <p:cNvCxnSpPr>
-                    <a:cxnSpLocks/>
-                  </p:cNvCxnSpPr>
-                  <p:nvPr/>
-                </p:nvCxnSpPr>
-                <p:spPr>
-                  <a:xfrm flipV="1">
-                    <a:off x="6663954" y="5132670"/>
-                    <a:ext cx="0" cy="3550636"/>
-                  </a:xfrm>
-                  <a:prstGeom prst="line">
-                    <a:avLst/>
-                  </a:prstGeom>
-                  <a:ln w="38100">
-                    <a:solidFill>
-                      <a:srgbClr val="4A6A89"/>
-                    </a:solidFill>
-                  </a:ln>
-                </p:spPr>
-                <p:style>
-                  <a:lnRef idx="1">
-                    <a:schemeClr val="accent1"/>
-                  </a:lnRef>
-                  <a:fillRef idx="0">
-                    <a:schemeClr val="accent1"/>
-                  </a:fillRef>
-                  <a:effectRef idx="0">
-                    <a:schemeClr val="accent1"/>
-                  </a:effectRef>
-                  <a:fontRef idx="minor">
-                    <a:schemeClr val="tx1"/>
-                  </a:fontRef>
-                </p:style>
-              </p:cxnSp>
-              <p:sp>
-                <p:nvSpPr>
-                  <p:cNvPr id="8" name="椭圆 7">
-                    <a:extLst>
-                      <a:ext uri="{FF2B5EF4-FFF2-40B4-BE49-F238E27FC236}">
-                        <a16:creationId xmlns:a16="http://schemas.microsoft.com/office/drawing/2014/main" id="{627C21A5-947C-564A-94D5-416CBDF0E7C9}"/>
+                        <a16:creationId xmlns:a16="http://schemas.microsoft.com/office/drawing/2014/main" id="{49AE1F56-7485-2C4C-A024-48085DB145DF}"/>
                       </a:ext>
                     </a:extLst>
                   </p:cNvPr>
@@ -12097,14 +12485,17 @@
                 </p:nvSpPr>
                 <p:spPr>
                   <a:xfrm>
-                    <a:off x="6209383" y="7732355"/>
-                    <a:ext cx="806013" cy="681326"/>
+                    <a:off x="8141304" y="6870684"/>
+                    <a:ext cx="1244974" cy="681327"/>
                   </a:xfrm>
                   <a:prstGeom prst="ellipse">
                     <a:avLst/>
                   </a:prstGeom>
                   <a:solidFill>
-                    <a:srgbClr val="4A6A89"/>
+                    <a:schemeClr val="accent2">
+                      <a:lumMod val="60000"/>
+                      <a:lumOff val="40000"/>
+                    </a:schemeClr>
                   </a:solidFill>
                 </p:spPr>
                 <p:style>
@@ -12129,492 +12520,328 @@
                   <a:p>
                     <a:pPr algn="ctr"/>
                     <a:r>
-                      <a:rPr lang="en-US" sz="1400" dirty="0" err="1"/>
-                      <a:t>Mirai</a:t>
+                      <a:rPr lang="en-US" dirty="0"/>
+                      <a:t>ML+DL</a:t>
+                    </a:r>
+                  </a:p>
+                </p:txBody>
+              </p:sp>
+              <p:sp>
+                <p:nvSpPr>
+                  <p:cNvPr id="17" name="椭圆 16">
+                    <a:extLst>
+                      <a:ext uri="{FF2B5EF4-FFF2-40B4-BE49-F238E27FC236}">
+                        <a16:creationId xmlns:a16="http://schemas.microsoft.com/office/drawing/2014/main" id="{E7ABA7F6-8534-3549-8D2C-F0671A737170}"/>
+                      </a:ext>
+                    </a:extLst>
+                  </p:cNvPr>
+                  <p:cNvSpPr/>
+                  <p:nvPr/>
+                </p:nvSpPr>
+                <p:spPr>
+                  <a:xfrm>
+                    <a:off x="5849012" y="5559722"/>
+                    <a:ext cx="1820871" cy="681327"/>
+                  </a:xfrm>
+                  <a:prstGeom prst="ellipse">
+                    <a:avLst/>
+                  </a:prstGeom>
+                  <a:solidFill>
+                    <a:srgbClr val="9BCA05"/>
+                  </a:solidFill>
+                </p:spPr>
+                <p:style>
+                  <a:lnRef idx="2">
+                    <a:schemeClr val="accent1">
+                      <a:shade val="50000"/>
+                    </a:schemeClr>
+                  </a:lnRef>
+                  <a:fillRef idx="1">
+                    <a:schemeClr val="accent1"/>
+                  </a:fillRef>
+                  <a:effectRef idx="0">
+                    <a:schemeClr val="accent1"/>
+                  </a:effectRef>
+                  <a:fontRef idx="minor">
+                    <a:schemeClr val="lt1"/>
+                  </a:fontRef>
+                </p:style>
+                <p:txBody>
+                  <a:bodyPr rtlCol="0" anchor="ctr"/>
+                  <a:lstStyle/>
+                  <a:p>
+                    <a:pPr algn="ctr"/>
+                    <a:r>
+                      <a:rPr lang="en-US" dirty="0"/>
+                      <a:t>Botnet-</a:t>
+                    </a:r>
+                    <a:r>
+                      <a:rPr lang="en-US" altLang="zh-CN" dirty="0"/>
+                      <a:t>Prevention</a:t>
                     </a:r>
                     <a:endParaRPr lang="en-US" dirty="0"/>
                   </a:p>
                 </p:txBody>
               </p:sp>
+              <p:sp>
+                <p:nvSpPr>
+                  <p:cNvPr id="18" name="椭圆 17">
+                    <a:extLst>
+                      <a:ext uri="{FF2B5EF4-FFF2-40B4-BE49-F238E27FC236}">
+                        <a16:creationId xmlns:a16="http://schemas.microsoft.com/office/drawing/2014/main" id="{1AD78B3F-A9AC-2449-A724-D73091DBE4C3}"/>
+                      </a:ext>
+                    </a:extLst>
+                  </p:cNvPr>
+                  <p:cNvSpPr/>
+                  <p:nvPr/>
+                </p:nvSpPr>
+                <p:spPr>
+                  <a:xfrm>
+                    <a:off x="7252752" y="7825843"/>
+                    <a:ext cx="1244974" cy="681327"/>
+                  </a:xfrm>
+                  <a:prstGeom prst="ellipse">
+                    <a:avLst/>
+                  </a:prstGeom>
+                  <a:solidFill>
+                    <a:srgbClr val="003464">
+                      <a:alpha val="50000"/>
+                    </a:srgbClr>
+                  </a:solidFill>
+                </p:spPr>
+                <p:style>
+                  <a:lnRef idx="2">
+                    <a:schemeClr val="accent1">
+                      <a:shade val="50000"/>
+                    </a:schemeClr>
+                  </a:lnRef>
+                  <a:fillRef idx="1">
+                    <a:schemeClr val="accent1"/>
+                  </a:fillRef>
+                  <a:effectRef idx="0">
+                    <a:schemeClr val="accent1"/>
+                  </a:effectRef>
+                  <a:fontRef idx="minor">
+                    <a:schemeClr val="lt1"/>
+                  </a:fontRef>
+                </p:style>
+                <p:txBody>
+                  <a:bodyPr rtlCol="0" anchor="ctr"/>
+                  <a:lstStyle/>
+                  <a:p>
+                    <a:pPr algn="ctr"/>
+                    <a:r>
+                      <a:rPr lang="en-US" dirty="0"/>
+                      <a:t>Smart City</a:t>
+                    </a:r>
+                  </a:p>
+                </p:txBody>
+              </p:sp>
+              <p:sp>
+                <p:nvSpPr>
+                  <p:cNvPr id="19" name="椭圆 18">
+                    <a:extLst>
+                      <a:ext uri="{FF2B5EF4-FFF2-40B4-BE49-F238E27FC236}">
+                        <a16:creationId xmlns:a16="http://schemas.microsoft.com/office/drawing/2014/main" id="{92F8E9D6-94FD-B048-9BC9-3C64507D7B79}"/>
+                      </a:ext>
+                    </a:extLst>
+                  </p:cNvPr>
+                  <p:cNvSpPr/>
+                  <p:nvPr/>
+                </p:nvSpPr>
+                <p:spPr>
+                  <a:xfrm>
+                    <a:off x="8720041" y="7855999"/>
+                    <a:ext cx="1127004" cy="681327"/>
+                  </a:xfrm>
+                  <a:prstGeom prst="ellipse">
+                    <a:avLst/>
+                  </a:prstGeom>
+                  <a:solidFill>
+                    <a:srgbClr val="003464">
+                      <a:alpha val="50000"/>
+                    </a:srgbClr>
+                  </a:solidFill>
+                </p:spPr>
+                <p:style>
+                  <a:lnRef idx="2">
+                    <a:schemeClr val="accent1">
+                      <a:shade val="50000"/>
+                    </a:schemeClr>
+                  </a:lnRef>
+                  <a:fillRef idx="1">
+                    <a:schemeClr val="accent1"/>
+                  </a:fillRef>
+                  <a:effectRef idx="0">
+                    <a:schemeClr val="accent1"/>
+                  </a:effectRef>
+                  <a:fontRef idx="minor">
+                    <a:schemeClr val="lt1"/>
+                  </a:fontRef>
+                </p:style>
+                <p:txBody>
+                  <a:bodyPr rtlCol="0" anchor="ctr"/>
+                  <a:lstStyle/>
+                  <a:p>
+                    <a:pPr algn="ctr"/>
+                    <a:r>
+                      <a:rPr lang="en-US" dirty="0"/>
+                      <a:t>Financial</a:t>
+                    </a:r>
+                  </a:p>
+                </p:txBody>
+              </p:sp>
+              <p:sp>
+                <p:nvSpPr>
+                  <p:cNvPr id="20" name="椭圆 19">
+                    <a:extLst>
+                      <a:ext uri="{FF2B5EF4-FFF2-40B4-BE49-F238E27FC236}">
+                        <a16:creationId xmlns:a16="http://schemas.microsoft.com/office/drawing/2014/main" id="{1F9FB557-F525-2745-810E-A35B46C29BB7}"/>
+                      </a:ext>
+                    </a:extLst>
+                  </p:cNvPr>
+                  <p:cNvSpPr/>
+                  <p:nvPr/>
+                </p:nvSpPr>
+                <p:spPr>
+                  <a:xfrm>
+                    <a:off x="2567913" y="7807690"/>
+                    <a:ext cx="1621271" cy="804952"/>
+                  </a:xfrm>
+                  <a:prstGeom prst="ellipse">
+                    <a:avLst/>
+                  </a:prstGeom>
+                  <a:solidFill>
+                    <a:srgbClr val="003464">
+                      <a:alpha val="50000"/>
+                    </a:srgbClr>
+                  </a:solidFill>
+                </p:spPr>
+                <p:style>
+                  <a:lnRef idx="2">
+                    <a:schemeClr val="accent1">
+                      <a:shade val="50000"/>
+                    </a:schemeClr>
+                  </a:lnRef>
+                  <a:fillRef idx="1">
+                    <a:schemeClr val="accent1"/>
+                  </a:fillRef>
+                  <a:effectRef idx="0">
+                    <a:schemeClr val="accent1"/>
+                  </a:effectRef>
+                  <a:fontRef idx="minor">
+                    <a:schemeClr val="lt1"/>
+                  </a:fontRef>
+                </p:style>
+                <p:txBody>
+                  <a:bodyPr rtlCol="0" anchor="ctr"/>
+                  <a:lstStyle/>
+                  <a:p>
+                    <a:pPr algn="ctr"/>
+                    <a:r>
+                      <a:rPr lang="en-US" dirty="0"/>
+                      <a:t>High Wattage</a:t>
+                    </a:r>
+                  </a:p>
+                </p:txBody>
+              </p:sp>
             </p:grpSp>
-            <p:sp>
-              <p:nvSpPr>
-                <p:cNvPr id="14" name="椭圆 13">
-                  <a:extLst>
-                    <a:ext uri="{FF2B5EF4-FFF2-40B4-BE49-F238E27FC236}">
-                      <a16:creationId xmlns:a16="http://schemas.microsoft.com/office/drawing/2014/main" id="{FE2380ED-45C8-B244-8B33-13B60A7075E6}"/>
-                    </a:ext>
-                  </a:extLst>
-                </p:cNvPr>
-                <p:cNvSpPr/>
-                <p:nvPr/>
-              </p:nvSpPr>
-              <p:spPr>
-                <a:xfrm>
-                  <a:off x="3871930" y="7239677"/>
-                  <a:ext cx="1033436" cy="624669"/>
-                </a:xfrm>
-                <a:prstGeom prst="ellipse">
-                  <a:avLst/>
-                </a:prstGeom>
-                <a:solidFill>
-                  <a:srgbClr val="4A6A89"/>
-                </a:solidFill>
-              </p:spPr>
-              <p:style>
-                <a:lnRef idx="2">
-                  <a:schemeClr val="accent1">
-                    <a:shade val="50000"/>
-                  </a:schemeClr>
-                </a:lnRef>
-                <a:fillRef idx="1">
-                  <a:schemeClr val="accent1"/>
-                </a:fillRef>
-                <a:effectRef idx="0">
-                  <a:schemeClr val="accent1"/>
-                </a:effectRef>
-                <a:fontRef idx="minor">
-                  <a:schemeClr val="lt1"/>
-                </a:fontRef>
-              </p:style>
-              <p:txBody>
-                <a:bodyPr rtlCol="0" anchor="ctr"/>
-                <a:lstStyle/>
-                <a:p>
-                  <a:pPr algn="ctr"/>
-                  <a:r>
-                    <a:rPr lang="en-US" sz="1400" dirty="0"/>
-                    <a:t>Hajime</a:t>
-                  </a:r>
-                  <a:endParaRPr lang="en-US" dirty="0"/>
-                </a:p>
-              </p:txBody>
-            </p:sp>
-            <p:sp>
-              <p:nvSpPr>
-                <p:cNvPr id="15" name="椭圆 14">
-                  <a:extLst>
-                    <a:ext uri="{FF2B5EF4-FFF2-40B4-BE49-F238E27FC236}">
-                      <a16:creationId xmlns:a16="http://schemas.microsoft.com/office/drawing/2014/main" id="{EC3563AC-212F-6E46-80FF-1DC6E3020C6B}"/>
-                    </a:ext>
-                  </a:extLst>
-                </p:cNvPr>
-                <p:cNvSpPr/>
-                <p:nvPr/>
-              </p:nvSpPr>
-              <p:spPr>
-                <a:xfrm>
-                  <a:off x="6209383" y="6558350"/>
-                  <a:ext cx="1820871" cy="681327"/>
-                </a:xfrm>
-                <a:prstGeom prst="ellipse">
-                  <a:avLst/>
-                </a:prstGeom>
-                <a:solidFill>
-                  <a:schemeClr val="accent2">
-                    <a:lumMod val="60000"/>
-                    <a:lumOff val="40000"/>
-                  </a:schemeClr>
-                </a:solidFill>
-              </p:spPr>
-              <p:style>
-                <a:lnRef idx="2">
-                  <a:schemeClr val="accent1">
-                    <a:shade val="50000"/>
-                  </a:schemeClr>
-                </a:lnRef>
-                <a:fillRef idx="1">
-                  <a:schemeClr val="accent1"/>
-                </a:fillRef>
-                <a:effectRef idx="0">
-                  <a:schemeClr val="accent1"/>
-                </a:effectRef>
-                <a:fontRef idx="minor">
-                  <a:schemeClr val="lt1"/>
-                </a:fontRef>
-              </p:style>
-              <p:txBody>
-                <a:bodyPr rtlCol="0" anchor="ctr"/>
-                <a:lstStyle/>
-                <a:p>
-                  <a:pPr algn="ctr"/>
-                  <a:r>
-                    <a:rPr lang="en-US" dirty="0"/>
-                    <a:t>Botnet-Detection</a:t>
-                  </a:r>
-                </a:p>
-              </p:txBody>
-            </p:sp>
-            <p:sp>
-              <p:nvSpPr>
-                <p:cNvPr id="16" name="椭圆 15">
-                  <a:extLst>
-                    <a:ext uri="{FF2B5EF4-FFF2-40B4-BE49-F238E27FC236}">
-                      <a16:creationId xmlns:a16="http://schemas.microsoft.com/office/drawing/2014/main" id="{49AE1F56-7485-2C4C-A024-48085DB145DF}"/>
-                    </a:ext>
-                  </a:extLst>
-                </p:cNvPr>
-                <p:cNvSpPr/>
-                <p:nvPr/>
-              </p:nvSpPr>
-              <p:spPr>
-                <a:xfrm>
-                  <a:off x="8141304" y="6870684"/>
-                  <a:ext cx="1244974" cy="681327"/>
-                </a:xfrm>
-                <a:prstGeom prst="ellipse">
-                  <a:avLst/>
-                </a:prstGeom>
-                <a:solidFill>
-                  <a:schemeClr val="accent2">
-                    <a:lumMod val="60000"/>
-                    <a:lumOff val="40000"/>
-                  </a:schemeClr>
-                </a:solidFill>
-              </p:spPr>
-              <p:style>
-                <a:lnRef idx="2">
-                  <a:schemeClr val="accent1">
-                    <a:shade val="50000"/>
-                  </a:schemeClr>
-                </a:lnRef>
-                <a:fillRef idx="1">
-                  <a:schemeClr val="accent1"/>
-                </a:fillRef>
-                <a:effectRef idx="0">
-                  <a:schemeClr val="accent1"/>
-                </a:effectRef>
-                <a:fontRef idx="minor">
-                  <a:schemeClr val="lt1"/>
-                </a:fontRef>
-              </p:style>
-              <p:txBody>
-                <a:bodyPr rtlCol="0" anchor="ctr"/>
-                <a:lstStyle/>
-                <a:p>
-                  <a:pPr algn="ctr"/>
-                  <a:r>
-                    <a:rPr lang="en-US" dirty="0"/>
-                    <a:t>ML+DL</a:t>
-                  </a:r>
-                </a:p>
-              </p:txBody>
-            </p:sp>
-            <p:sp>
-              <p:nvSpPr>
-                <p:cNvPr id="17" name="椭圆 16">
-                  <a:extLst>
-                    <a:ext uri="{FF2B5EF4-FFF2-40B4-BE49-F238E27FC236}">
-                      <a16:creationId xmlns:a16="http://schemas.microsoft.com/office/drawing/2014/main" id="{E7ABA7F6-8534-3549-8D2C-F0671A737170}"/>
-                    </a:ext>
-                  </a:extLst>
-                </p:cNvPr>
-                <p:cNvSpPr/>
-                <p:nvPr/>
-              </p:nvSpPr>
-              <p:spPr>
-                <a:xfrm>
-                  <a:off x="5849012" y="5559722"/>
-                  <a:ext cx="1820871" cy="681327"/>
-                </a:xfrm>
-                <a:prstGeom prst="ellipse">
-                  <a:avLst/>
-                </a:prstGeom>
-                <a:solidFill>
-                  <a:srgbClr val="9BCA05"/>
-                </a:solidFill>
-              </p:spPr>
-              <p:style>
-                <a:lnRef idx="2">
-                  <a:schemeClr val="accent1">
-                    <a:shade val="50000"/>
-                  </a:schemeClr>
-                </a:lnRef>
-                <a:fillRef idx="1">
-                  <a:schemeClr val="accent1"/>
-                </a:fillRef>
-                <a:effectRef idx="0">
-                  <a:schemeClr val="accent1"/>
-                </a:effectRef>
-                <a:fontRef idx="minor">
-                  <a:schemeClr val="lt1"/>
-                </a:fontRef>
-              </p:style>
-              <p:txBody>
-                <a:bodyPr rtlCol="0" anchor="ctr"/>
-                <a:lstStyle/>
-                <a:p>
-                  <a:pPr algn="ctr"/>
-                  <a:r>
-                    <a:rPr lang="en-US" dirty="0"/>
-                    <a:t>Botnet-</a:t>
-                  </a:r>
-                  <a:r>
-                    <a:rPr lang="en-US" altLang="zh-CN" dirty="0"/>
-                    <a:t>Prevention</a:t>
-                  </a:r>
-                  <a:endParaRPr lang="en-US" dirty="0"/>
-                </a:p>
-              </p:txBody>
-            </p:sp>
-            <p:sp>
-              <p:nvSpPr>
-                <p:cNvPr id="18" name="椭圆 17">
-                  <a:extLst>
-                    <a:ext uri="{FF2B5EF4-FFF2-40B4-BE49-F238E27FC236}">
-                      <a16:creationId xmlns:a16="http://schemas.microsoft.com/office/drawing/2014/main" id="{1AD78B3F-A9AC-2449-A724-D73091DBE4C3}"/>
-                    </a:ext>
-                  </a:extLst>
-                </p:cNvPr>
-                <p:cNvSpPr/>
-                <p:nvPr/>
-              </p:nvSpPr>
-              <p:spPr>
-                <a:xfrm>
-                  <a:off x="7252752" y="7825843"/>
-                  <a:ext cx="1244974" cy="681327"/>
-                </a:xfrm>
-                <a:prstGeom prst="ellipse">
-                  <a:avLst/>
-                </a:prstGeom>
-                <a:solidFill>
-                  <a:srgbClr val="003464">
-                    <a:alpha val="50000"/>
-                  </a:srgbClr>
-                </a:solidFill>
-              </p:spPr>
-              <p:style>
-                <a:lnRef idx="2">
-                  <a:schemeClr val="accent1">
-                    <a:shade val="50000"/>
-                  </a:schemeClr>
-                </a:lnRef>
-                <a:fillRef idx="1">
-                  <a:schemeClr val="accent1"/>
-                </a:fillRef>
-                <a:effectRef idx="0">
-                  <a:schemeClr val="accent1"/>
-                </a:effectRef>
-                <a:fontRef idx="minor">
-                  <a:schemeClr val="lt1"/>
-                </a:fontRef>
-              </p:style>
-              <p:txBody>
-                <a:bodyPr rtlCol="0" anchor="ctr"/>
-                <a:lstStyle/>
-                <a:p>
-                  <a:pPr algn="ctr"/>
-                  <a:r>
-                    <a:rPr lang="en-US" dirty="0"/>
-                    <a:t>Smart City</a:t>
-                  </a:r>
-                </a:p>
-              </p:txBody>
-            </p:sp>
-            <p:sp>
-              <p:nvSpPr>
-                <p:cNvPr id="19" name="椭圆 18">
-                  <a:extLst>
-                    <a:ext uri="{FF2B5EF4-FFF2-40B4-BE49-F238E27FC236}">
-                      <a16:creationId xmlns:a16="http://schemas.microsoft.com/office/drawing/2014/main" id="{92F8E9D6-94FD-B048-9BC9-3C64507D7B79}"/>
-                    </a:ext>
-                  </a:extLst>
-                </p:cNvPr>
-                <p:cNvSpPr/>
-                <p:nvPr/>
-              </p:nvSpPr>
-              <p:spPr>
-                <a:xfrm>
-                  <a:off x="8720041" y="7855999"/>
-                  <a:ext cx="1127004" cy="681327"/>
-                </a:xfrm>
-                <a:prstGeom prst="ellipse">
-                  <a:avLst/>
-                </a:prstGeom>
-                <a:solidFill>
-                  <a:srgbClr val="003464">
-                    <a:alpha val="50000"/>
-                  </a:srgbClr>
-                </a:solidFill>
-              </p:spPr>
-              <p:style>
-                <a:lnRef idx="2">
-                  <a:schemeClr val="accent1">
-                    <a:shade val="50000"/>
-                  </a:schemeClr>
-                </a:lnRef>
-                <a:fillRef idx="1">
-                  <a:schemeClr val="accent1"/>
-                </a:fillRef>
-                <a:effectRef idx="0">
-                  <a:schemeClr val="accent1"/>
-                </a:effectRef>
-                <a:fontRef idx="minor">
-                  <a:schemeClr val="lt1"/>
-                </a:fontRef>
-              </p:style>
-              <p:txBody>
-                <a:bodyPr rtlCol="0" anchor="ctr"/>
-                <a:lstStyle/>
-                <a:p>
-                  <a:pPr algn="ctr"/>
-                  <a:r>
-                    <a:rPr lang="en-US" dirty="0"/>
-                    <a:t>Financial</a:t>
-                  </a:r>
-                </a:p>
-              </p:txBody>
-            </p:sp>
-            <p:sp>
-              <p:nvSpPr>
-                <p:cNvPr id="20" name="椭圆 19">
-                  <a:extLst>
-                    <a:ext uri="{FF2B5EF4-FFF2-40B4-BE49-F238E27FC236}">
-                      <a16:creationId xmlns:a16="http://schemas.microsoft.com/office/drawing/2014/main" id="{1F9FB557-F525-2745-810E-A35B46C29BB7}"/>
-                    </a:ext>
-                  </a:extLst>
-                </p:cNvPr>
-                <p:cNvSpPr/>
-                <p:nvPr/>
-              </p:nvSpPr>
-              <p:spPr>
-                <a:xfrm>
-                  <a:off x="2567913" y="7807690"/>
-                  <a:ext cx="1621271" cy="804952"/>
-                </a:xfrm>
-                <a:prstGeom prst="ellipse">
-                  <a:avLst/>
-                </a:prstGeom>
-                <a:solidFill>
-                  <a:srgbClr val="003464">
-                    <a:alpha val="50000"/>
-                  </a:srgbClr>
-                </a:solidFill>
-              </p:spPr>
-              <p:style>
-                <a:lnRef idx="2">
-                  <a:schemeClr val="accent1">
-                    <a:shade val="50000"/>
-                  </a:schemeClr>
-                </a:lnRef>
-                <a:fillRef idx="1">
-                  <a:schemeClr val="accent1"/>
-                </a:fillRef>
-                <a:effectRef idx="0">
-                  <a:schemeClr val="accent1"/>
-                </a:effectRef>
-                <a:fontRef idx="minor">
-                  <a:schemeClr val="lt1"/>
-                </a:fontRef>
-              </p:style>
-              <p:txBody>
-                <a:bodyPr rtlCol="0" anchor="ctr"/>
-                <a:lstStyle/>
-                <a:p>
-                  <a:pPr algn="ctr"/>
-                  <a:r>
-                    <a:rPr lang="en-US" dirty="0"/>
-                    <a:t>High Wattage</a:t>
-                  </a:r>
-                </a:p>
-              </p:txBody>
-            </p:sp>
           </p:grpSp>
+          <p:sp>
+            <p:nvSpPr>
+              <p:cNvPr id="13" name="文本框 12">
+                <a:extLst>
+                  <a:ext uri="{FF2B5EF4-FFF2-40B4-BE49-F238E27FC236}">
+                    <a16:creationId xmlns:a16="http://schemas.microsoft.com/office/drawing/2014/main" id="{06C7950C-0CE6-2F4A-8893-24DB49EA9F04}"/>
+                  </a:ext>
+                </a:extLst>
+              </p:cNvPr>
+              <p:cNvSpPr txBox="1"/>
+              <p:nvPr/>
+            </p:nvSpPr>
+            <p:spPr>
+              <a:xfrm>
+                <a:off x="6562268" y="5363856"/>
+                <a:ext cx="1460500" cy="461665"/>
+              </a:xfrm>
+              <a:prstGeom prst="rect">
+                <a:avLst/>
+              </a:prstGeom>
+              <a:noFill/>
+            </p:spPr>
+            <p:txBody>
+              <a:bodyPr wrap="square" rtlCol="0">
+                <a:spAutoFit/>
+              </a:bodyPr>
+              <a:lstStyle/>
+              <a:p>
+                <a:r>
+                  <a:rPr lang="en-US" sz="2400" b="1" dirty="0">
+                    <a:solidFill>
+                      <a:srgbClr val="003365"/>
+                    </a:solidFill>
+                  </a:rPr>
+                  <a:t>Depth</a:t>
+                </a:r>
+              </a:p>
+            </p:txBody>
+          </p:sp>
         </p:grpSp>
         <p:sp>
           <p:nvSpPr>
-            <p:cNvPr id="13" name="文本框 12">
+            <p:cNvPr id="26" name="椭圆 25">
               <a:extLst>
                 <a:ext uri="{FF2B5EF4-FFF2-40B4-BE49-F238E27FC236}">
-                  <a16:creationId xmlns:a16="http://schemas.microsoft.com/office/drawing/2014/main" id="{06C7950C-0CE6-2F4A-8893-24DB49EA9F04}"/>
+                  <a16:creationId xmlns:a16="http://schemas.microsoft.com/office/drawing/2014/main" id="{520CFFFC-22E2-5A40-8441-8E3D074E020F}"/>
                 </a:ext>
               </a:extLst>
             </p:cNvPr>
-            <p:cNvSpPr txBox="1"/>
+            <p:cNvSpPr/>
             <p:nvPr/>
           </p:nvSpPr>
           <p:spPr>
             <a:xfrm>
-              <a:off x="6562268" y="5363856"/>
-              <a:ext cx="1460500" cy="461665"/>
+              <a:off x="10071424" y="7908733"/>
+              <a:ext cx="1454399" cy="681327"/>
             </a:xfrm>
-            <a:prstGeom prst="rect">
+            <a:prstGeom prst="ellipse">
               <a:avLst/>
             </a:prstGeom>
-            <a:noFill/>
+            <a:solidFill>
+              <a:srgbClr val="003464">
+                <a:alpha val="50000"/>
+              </a:srgbClr>
+            </a:solidFill>
           </p:spPr>
+          <p:style>
+            <a:lnRef idx="2">
+              <a:schemeClr val="accent1">
+                <a:shade val="50000"/>
+              </a:schemeClr>
+            </a:lnRef>
+            <a:fillRef idx="1">
+              <a:schemeClr val="accent1"/>
+            </a:fillRef>
+            <a:effectRef idx="0">
+              <a:schemeClr val="accent1"/>
+            </a:effectRef>
+            <a:fontRef idx="minor">
+              <a:schemeClr val="lt1"/>
+            </a:fontRef>
+          </p:style>
           <p:txBody>
-            <a:bodyPr wrap="square" rtlCol="0">
-              <a:spAutoFit/>
-            </a:bodyPr>
+            <a:bodyPr rtlCol="0" anchor="ctr"/>
             <a:lstStyle/>
             <a:p>
+              <a:pPr algn="ctr"/>
               <a:r>
-                <a:rPr lang="en-US" sz="2400" b="1" dirty="0">
-                  <a:solidFill>
-                    <a:srgbClr val="003365"/>
-                  </a:solidFill>
-                </a:rPr>
-                <a:t>Depth</a:t>
+                <a:rPr lang="en-US" dirty="0"/>
+                <a:t>Digitalization</a:t>
               </a:r>
             </a:p>
           </p:txBody>
         </p:sp>
       </p:grpSp>
-      <p:sp>
-        <p:nvSpPr>
-          <p:cNvPr id="26" name="椭圆 25">
-            <a:extLst>
-              <a:ext uri="{FF2B5EF4-FFF2-40B4-BE49-F238E27FC236}">
-                <a16:creationId xmlns:a16="http://schemas.microsoft.com/office/drawing/2014/main" id="{520CFFFC-22E2-5A40-8441-8E3D074E020F}"/>
-              </a:ext>
-            </a:extLst>
-          </p:cNvPr>
-          <p:cNvSpPr/>
-          <p:nvPr/>
-        </p:nvSpPr>
-        <p:spPr>
-          <a:xfrm>
-            <a:off x="10071424" y="7908733"/>
-            <a:ext cx="1454399" cy="681327"/>
-          </a:xfrm>
-          <a:prstGeom prst="ellipse">
-            <a:avLst/>
-          </a:prstGeom>
-          <a:solidFill>
-            <a:srgbClr val="003464">
-              <a:alpha val="50000"/>
-            </a:srgbClr>
-          </a:solidFill>
-        </p:spPr>
-        <p:style>
-          <a:lnRef idx="2">
-            <a:schemeClr val="accent1">
-              <a:shade val="50000"/>
-            </a:schemeClr>
-          </a:lnRef>
-          <a:fillRef idx="1">
-            <a:schemeClr val="accent1"/>
-          </a:fillRef>
-          <a:effectRef idx="0">
-            <a:schemeClr val="accent1"/>
-          </a:effectRef>
-          <a:fontRef idx="minor">
-            <a:schemeClr val="lt1"/>
-          </a:fontRef>
-        </p:style>
-        <p:txBody>
-          <a:bodyPr rtlCol="0" anchor="ctr"/>
-          <a:lstStyle/>
-          <a:p>
-            <a:pPr algn="ctr"/>
-            <a:r>
-              <a:rPr lang="en-US" dirty="0"/>
-              <a:t>Digitalization</a:t>
-            </a:r>
-          </a:p>
-        </p:txBody>
-      </p:sp>
     </p:spTree>
     <p:extLst>
       <p:ext uri="{BB962C8B-B14F-4D97-AF65-F5344CB8AC3E}">

--- a/Midterm-Presentation/Presentation/Presentation-5-5-FL.pptx
+++ b/Midterm-Presentation/Presentation/Presentation-5-5-FL.pptx
@@ -221,7 +221,7 @@
           <a:p>
             <a:fld id="{3B2A63D3-FCF2-8648-B1D4-91CB73412C68}" type="datetimeFigureOut">
               <a:rPr kumimoji="1" lang="zh-CN" altLang="en-US" smtClean="0"/>
-              <a:t>2021/6/2</a:t>
+              <a:t>2021/6/20</a:t>
             </a:fld>
             <a:endParaRPr kumimoji="1" lang="zh-CN" altLang="en-US"/>
           </a:p>
@@ -743,7 +743,7 @@
           <a:p>
             <a:fld id="{3D1201C3-1FB8-914B-B7D5-C8759CA841C7}" type="datetimeFigureOut">
               <a:rPr kumimoji="1" lang="zh-CN" altLang="en-US" smtClean="0"/>
-              <a:t>2021/6/2</a:t>
+              <a:t>2021/6/20</a:t>
             </a:fld>
             <a:endParaRPr kumimoji="1" lang="zh-CN" altLang="en-US"/>
           </a:p>
@@ -1238,7 +1238,7 @@
           <a:p>
             <a:fld id="{3D1201C3-1FB8-914B-B7D5-C8759CA841C7}" type="datetimeFigureOut">
               <a:rPr kumimoji="1" lang="zh-CN" altLang="en-US" smtClean="0"/>
-              <a:t>2021/6/2</a:t>
+              <a:t>2021/6/20</a:t>
             </a:fld>
             <a:endParaRPr kumimoji="1" lang="zh-CN" altLang="en-US"/>
           </a:p>
@@ -1418,7 +1418,7 @@
           <a:p>
             <a:fld id="{3D1201C3-1FB8-914B-B7D5-C8759CA841C7}" type="datetimeFigureOut">
               <a:rPr kumimoji="1" lang="zh-CN" altLang="en-US" smtClean="0"/>
-              <a:t>2021/6/2</a:t>
+              <a:t>2021/6/20</a:t>
             </a:fld>
             <a:endParaRPr kumimoji="1" lang="zh-CN" altLang="en-US"/>
           </a:p>
@@ -1588,7 +1588,7 @@
           <a:p>
             <a:fld id="{3D1201C3-1FB8-914B-B7D5-C8759CA841C7}" type="datetimeFigureOut">
               <a:rPr kumimoji="1" lang="zh-CN" altLang="en-US" smtClean="0"/>
-              <a:t>2021/6/2</a:t>
+              <a:t>2021/6/20</a:t>
             </a:fld>
             <a:endParaRPr kumimoji="1" lang="zh-CN" altLang="en-US"/>
           </a:p>
@@ -1832,7 +1832,7 @@
           <a:p>
             <a:fld id="{3D1201C3-1FB8-914B-B7D5-C8759CA841C7}" type="datetimeFigureOut">
               <a:rPr kumimoji="1" lang="zh-CN" altLang="en-US" smtClean="0"/>
-              <a:t>2021/6/2</a:t>
+              <a:t>2021/6/20</a:t>
             </a:fld>
             <a:endParaRPr kumimoji="1" lang="zh-CN" altLang="en-US"/>
           </a:p>
@@ -2064,7 +2064,7 @@
           <a:p>
             <a:fld id="{3D1201C3-1FB8-914B-B7D5-C8759CA841C7}" type="datetimeFigureOut">
               <a:rPr kumimoji="1" lang="zh-CN" altLang="en-US" smtClean="0"/>
-              <a:t>2021/6/2</a:t>
+              <a:t>2021/6/20</a:t>
             </a:fld>
             <a:endParaRPr kumimoji="1" lang="zh-CN" altLang="en-US"/>
           </a:p>
@@ -2431,7 +2431,7 @@
           <a:p>
             <a:fld id="{3D1201C3-1FB8-914B-B7D5-C8759CA841C7}" type="datetimeFigureOut">
               <a:rPr kumimoji="1" lang="zh-CN" altLang="en-US" smtClean="0"/>
-              <a:t>2021/6/2</a:t>
+              <a:t>2021/6/20</a:t>
             </a:fld>
             <a:endParaRPr kumimoji="1" lang="zh-CN" altLang="en-US"/>
           </a:p>
@@ -2549,7 +2549,7 @@
           <a:p>
             <a:fld id="{3D1201C3-1FB8-914B-B7D5-C8759CA841C7}" type="datetimeFigureOut">
               <a:rPr kumimoji="1" lang="zh-CN" altLang="en-US" smtClean="0"/>
-              <a:t>2021/6/2</a:t>
+              <a:t>2021/6/20</a:t>
             </a:fld>
             <a:endParaRPr kumimoji="1" lang="zh-CN" altLang="en-US"/>
           </a:p>
@@ -2644,7 +2644,7 @@
           <a:p>
             <a:fld id="{3D1201C3-1FB8-914B-B7D5-C8759CA841C7}" type="datetimeFigureOut">
               <a:rPr kumimoji="1" lang="zh-CN" altLang="en-US" smtClean="0"/>
-              <a:t>2021/6/2</a:t>
+              <a:t>2021/6/20</a:t>
             </a:fld>
             <a:endParaRPr kumimoji="1" lang="zh-CN" altLang="en-US"/>
           </a:p>
@@ -2921,7 +2921,7 @@
           <a:p>
             <a:fld id="{3D1201C3-1FB8-914B-B7D5-C8759CA841C7}" type="datetimeFigureOut">
               <a:rPr kumimoji="1" lang="zh-CN" altLang="en-US" smtClean="0"/>
-              <a:t>2021/6/2</a:t>
+              <a:t>2021/6/20</a:t>
             </a:fld>
             <a:endParaRPr kumimoji="1" lang="zh-CN" altLang="en-US"/>
           </a:p>
@@ -3178,7 +3178,7 @@
           <a:p>
             <a:fld id="{3D1201C3-1FB8-914B-B7D5-C8759CA841C7}" type="datetimeFigureOut">
               <a:rPr kumimoji="1" lang="zh-CN" altLang="en-US" smtClean="0"/>
-              <a:t>2021/6/2</a:t>
+              <a:t>2021/6/20</a:t>
             </a:fld>
             <a:endParaRPr kumimoji="1" lang="zh-CN" altLang="en-US"/>
           </a:p>
@@ -3391,7 +3391,7 @@
           <a:p>
             <a:fld id="{3D1201C3-1FB8-914B-B7D5-C8759CA841C7}" type="datetimeFigureOut">
               <a:rPr kumimoji="1" lang="zh-CN" altLang="en-US" smtClean="0"/>
-              <a:t>2021/6/2</a:t>
+              <a:t>2021/6/20</a:t>
             </a:fld>
             <a:endParaRPr kumimoji="1" lang="zh-CN" altLang="en-US"/>
           </a:p>
@@ -7198,6 +7198,84 @@
           <a:chExt cx="0" cy="0"/>
         </a:xfrm>
       </p:grpSpPr>
+      <p:cxnSp>
+        <p:nvCxnSpPr>
+          <p:cNvPr id="114" name="直接连接符 14">
+            <a:extLst>
+              <a:ext uri="{FF2B5EF4-FFF2-40B4-BE49-F238E27FC236}">
+                <a16:creationId xmlns:a16="http://schemas.microsoft.com/office/drawing/2014/main" id="{288B3B23-99D0-8745-8E30-F3E0CB4DEB2F}"/>
+              </a:ext>
+            </a:extLst>
+          </p:cNvPr>
+          <p:cNvCxnSpPr>
+            <a:cxnSpLocks/>
+          </p:cNvCxnSpPr>
+          <p:nvPr/>
+        </p:nvCxnSpPr>
+        <p:spPr>
+          <a:xfrm>
+            <a:off x="5177864" y="4355681"/>
+            <a:ext cx="0" cy="235135"/>
+          </a:xfrm>
+          <a:prstGeom prst="line">
+            <a:avLst/>
+          </a:prstGeom>
+          <a:ln w="19050"/>
+        </p:spPr>
+        <p:style>
+          <a:lnRef idx="1">
+            <a:schemeClr val="dk1"/>
+          </a:lnRef>
+          <a:fillRef idx="0">
+            <a:schemeClr val="dk1"/>
+          </a:fillRef>
+          <a:effectRef idx="0">
+            <a:schemeClr val="dk1"/>
+          </a:effectRef>
+          <a:fontRef idx="minor">
+            <a:schemeClr val="tx1"/>
+          </a:fontRef>
+        </p:style>
+      </p:cxnSp>
+      <p:cxnSp>
+        <p:nvCxnSpPr>
+          <p:cNvPr id="115" name="直接连接符 14">
+            <a:extLst>
+              <a:ext uri="{FF2B5EF4-FFF2-40B4-BE49-F238E27FC236}">
+                <a16:creationId xmlns:a16="http://schemas.microsoft.com/office/drawing/2014/main" id="{BA7BB64C-8818-A244-883C-9B1177F83D3B}"/>
+              </a:ext>
+            </a:extLst>
+          </p:cNvPr>
+          <p:cNvCxnSpPr>
+            <a:cxnSpLocks/>
+          </p:cNvCxnSpPr>
+          <p:nvPr/>
+        </p:nvCxnSpPr>
+        <p:spPr>
+          <a:xfrm>
+            <a:off x="5192557" y="4866469"/>
+            <a:ext cx="0" cy="235135"/>
+          </a:xfrm>
+          <a:prstGeom prst="line">
+            <a:avLst/>
+          </a:prstGeom>
+          <a:ln w="19050"/>
+        </p:spPr>
+        <p:style>
+          <a:lnRef idx="1">
+            <a:schemeClr val="dk1"/>
+          </a:lnRef>
+          <a:fillRef idx="0">
+            <a:schemeClr val="dk1"/>
+          </a:fillRef>
+          <a:effectRef idx="0">
+            <a:schemeClr val="dk1"/>
+          </a:effectRef>
+          <a:fontRef idx="minor">
+            <a:schemeClr val="tx1"/>
+          </a:fontRef>
+        </p:style>
+      </p:cxnSp>
       <p:sp>
         <p:nvSpPr>
           <p:cNvPr id="2" name="矩形 1">
@@ -7580,6 +7658,45 @@
                   <a:chExt cx="11380209" cy="7076690"/>
                 </a:xfrm>
               </p:grpSpPr>
+              <p:cxnSp>
+                <p:nvCxnSpPr>
+                  <p:cNvPr id="16" name="直接连接符 14">
+                    <a:extLst>
+                      <a:ext uri="{FF2B5EF4-FFF2-40B4-BE49-F238E27FC236}">
+                        <a16:creationId xmlns:a16="http://schemas.microsoft.com/office/drawing/2014/main" id="{6734B596-82B5-A048-8494-462BAB85F99C}"/>
+                      </a:ext>
+                    </a:extLst>
+                  </p:cNvPr>
+                  <p:cNvCxnSpPr>
+                    <a:cxnSpLocks/>
+                  </p:cNvCxnSpPr>
+                  <p:nvPr/>
+                </p:nvCxnSpPr>
+                <p:spPr>
+                  <a:xfrm>
+                    <a:off x="4649389" y="2902175"/>
+                    <a:ext cx="0" cy="251819"/>
+                  </a:xfrm>
+                  <a:prstGeom prst="line">
+                    <a:avLst/>
+                  </a:prstGeom>
+                  <a:ln w="19050"/>
+                </p:spPr>
+                <p:style>
+                  <a:lnRef idx="1">
+                    <a:schemeClr val="dk1"/>
+                  </a:lnRef>
+                  <a:fillRef idx="0">
+                    <a:schemeClr val="dk1"/>
+                  </a:fillRef>
+                  <a:effectRef idx="0">
+                    <a:schemeClr val="dk1"/>
+                  </a:effectRef>
+                  <a:fontRef idx="minor">
+                    <a:schemeClr val="tx1"/>
+                  </a:fontRef>
+                </p:style>
+              </p:cxnSp>
               <p:sp>
                 <p:nvSpPr>
                   <p:cNvPr id="15" name="文本框 14">
@@ -7631,45 +7748,6 @@
                   </a:p>
                 </p:txBody>
               </p:sp>
-              <p:cxnSp>
-                <p:nvCxnSpPr>
-                  <p:cNvPr id="16" name="直接连接符 14">
-                    <a:extLst>
-                      <a:ext uri="{FF2B5EF4-FFF2-40B4-BE49-F238E27FC236}">
-                        <a16:creationId xmlns:a16="http://schemas.microsoft.com/office/drawing/2014/main" id="{6734B596-82B5-A048-8494-462BAB85F99C}"/>
-                      </a:ext>
-                    </a:extLst>
-                  </p:cNvPr>
-                  <p:cNvCxnSpPr>
-                    <a:cxnSpLocks/>
-                  </p:cNvCxnSpPr>
-                  <p:nvPr/>
-                </p:nvCxnSpPr>
-                <p:spPr>
-                  <a:xfrm>
-                    <a:off x="4649104" y="2955586"/>
-                    <a:ext cx="0" cy="251819"/>
-                  </a:xfrm>
-                  <a:prstGeom prst="line">
-                    <a:avLst/>
-                  </a:prstGeom>
-                  <a:ln w="19050"/>
-                </p:spPr>
-                <p:style>
-                  <a:lnRef idx="1">
-                    <a:schemeClr val="dk1"/>
-                  </a:lnRef>
-                  <a:fillRef idx="0">
-                    <a:schemeClr val="dk1"/>
-                  </a:fillRef>
-                  <a:effectRef idx="0">
-                    <a:schemeClr val="dk1"/>
-                  </a:effectRef>
-                  <a:fontRef idx="minor">
-                    <a:schemeClr val="tx1"/>
-                  </a:fontRef>
-                </p:style>
-              </p:cxnSp>
               <p:sp>
                 <p:nvSpPr>
                   <p:cNvPr id="17" name="文本框 16">
@@ -7684,7 +7762,7 @@
                 </p:nvSpPr>
                 <p:spPr>
                   <a:xfrm>
-                    <a:off x="1612380" y="4021737"/>
+                    <a:off x="1604585" y="4830559"/>
                     <a:ext cx="2123786" cy="329615"/>
                   </a:xfrm>
                   <a:prstGeom prst="rect">
@@ -7729,7 +7807,7 @@
                 </p:nvSpPr>
                 <p:spPr>
                   <a:xfrm>
-                    <a:off x="4260632" y="4003604"/>
+                    <a:off x="4236574" y="4825227"/>
                     <a:ext cx="1514555" cy="329615"/>
                   </a:xfrm>
                   <a:prstGeom prst="rect">
@@ -7774,10 +7852,10 @@
                 </p:nvGrpSpPr>
                 <p:grpSpPr>
                   <a:xfrm>
-                    <a:off x="2485959" y="4316814"/>
-                    <a:ext cx="4810126" cy="198695"/>
-                    <a:chOff x="3994145" y="2004755"/>
-                    <a:chExt cx="4810126" cy="198695"/>
+                    <a:off x="2470368" y="5169870"/>
+                    <a:ext cx="4810126" cy="185995"/>
+                    <a:chOff x="3978554" y="2857811"/>
+                    <a:chExt cx="4810126" cy="185995"/>
                   </a:xfrm>
                 </p:grpSpPr>
                 <p:cxnSp>
@@ -7796,7 +7874,7 @@
                   </p:nvCxnSpPr>
                   <p:spPr>
                     <a:xfrm>
-                      <a:off x="3994145" y="2203450"/>
+                      <a:off x="3978554" y="3043806"/>
                       <a:ext cx="4810126" cy="0"/>
                     </a:xfrm>
                     <a:prstGeom prst="line">
@@ -7835,7 +7913,7 @@
                   </p:nvCxnSpPr>
                   <p:spPr>
                     <a:xfrm>
-                      <a:off x="4003674" y="2017455"/>
+                      <a:off x="3993220" y="2857811"/>
                       <a:ext cx="0" cy="185995"/>
                     </a:xfrm>
                     <a:prstGeom prst="line">
@@ -7874,7 +7952,7 @@
                   </p:nvCxnSpPr>
                   <p:spPr>
                     <a:xfrm>
-                      <a:off x="8797924" y="2004755"/>
+                      <a:off x="8785758" y="2857811"/>
                       <a:ext cx="0" cy="185995"/>
                     </a:xfrm>
                     <a:prstGeom prst="line">
@@ -7963,10 +8041,10 @@
                 </p:nvGrpSpPr>
                 <p:grpSpPr>
                   <a:xfrm>
-                    <a:off x="2473262" y="3817009"/>
-                    <a:ext cx="5265686" cy="208504"/>
-                    <a:chOff x="3981448" y="1504950"/>
-                    <a:chExt cx="5265686" cy="208504"/>
+                    <a:off x="2471079" y="4614058"/>
+                    <a:ext cx="5265686" cy="201498"/>
+                    <a:chOff x="3979265" y="2301999"/>
+                    <a:chExt cx="5265686" cy="201498"/>
                   </a:xfrm>
                 </p:grpSpPr>
                 <p:cxnSp>
@@ -7985,7 +8063,7 @@
                   </p:nvCxnSpPr>
                   <p:spPr>
                     <a:xfrm>
-                      <a:off x="9231416" y="1527776"/>
+                      <a:off x="9231418" y="2302260"/>
                       <a:ext cx="0" cy="185678"/>
                     </a:xfrm>
                     <a:prstGeom prst="straightConnector1">
@@ -8024,10 +8102,10 @@
                   </p:nvGrpSpPr>
                   <p:grpSpPr>
                     <a:xfrm>
-                      <a:off x="3981448" y="1504950"/>
-                      <a:ext cx="5265686" cy="208504"/>
-                      <a:chOff x="3981448" y="1504950"/>
-                      <a:chExt cx="5265686" cy="208504"/>
+                      <a:off x="3979265" y="2301999"/>
+                      <a:ext cx="5265686" cy="201498"/>
+                      <a:chOff x="3979265" y="2301999"/>
+                      <a:chExt cx="5265686" cy="201498"/>
                     </a:xfrm>
                   </p:grpSpPr>
                   <p:cxnSp>
@@ -8046,7 +8124,7 @@
                     </p:nvCxnSpPr>
                     <p:spPr>
                       <a:xfrm>
-                        <a:off x="3994145" y="1504950"/>
+                        <a:off x="3993220" y="2315317"/>
                         <a:ext cx="0" cy="185678"/>
                       </a:xfrm>
                       <a:prstGeom prst="straightConnector1">
@@ -8087,7 +8165,7 @@
                     </p:nvCxnSpPr>
                     <p:spPr>
                       <a:xfrm>
-                        <a:off x="6633398" y="1527776"/>
+                        <a:off x="6626572" y="2317819"/>
                         <a:ext cx="0" cy="185678"/>
                       </a:xfrm>
                       <a:prstGeom prst="straightConnector1">
@@ -8128,7 +8206,7 @@
                     </p:nvCxnSpPr>
                     <p:spPr>
                       <a:xfrm>
-                        <a:off x="3981448" y="1511301"/>
+                        <a:off x="3979265" y="2301999"/>
                         <a:ext cx="5265686" cy="10745"/>
                       </a:xfrm>
                       <a:prstGeom prst="line">
@@ -8153,57 +8231,6 @@
                   </p:cxnSp>
                 </p:grpSp>
               </p:grpSp>
-              <p:sp>
-                <p:nvSpPr>
-                  <p:cNvPr id="32" name="文本框 31">
-                    <a:extLst>
-                      <a:ext uri="{FF2B5EF4-FFF2-40B4-BE49-F238E27FC236}">
-                        <a16:creationId xmlns:a16="http://schemas.microsoft.com/office/drawing/2014/main" id="{5016F6D9-08A8-D743-8908-46BDB5A69986}"/>
-                      </a:ext>
-                    </a:extLst>
-                  </p:cNvPr>
-                  <p:cNvSpPr txBox="1"/>
-                  <p:nvPr/>
-                </p:nvSpPr>
-                <p:spPr>
-                  <a:xfrm>
-                    <a:off x="2432407" y="5949587"/>
-                    <a:ext cx="4162792" cy="362576"/>
-                  </a:xfrm>
-                  <a:prstGeom prst="rect">
-                    <a:avLst/>
-                  </a:prstGeom>
-                  <a:solidFill>
-                    <a:srgbClr val="4F81BD"/>
-                  </a:solidFill>
-                </p:spPr>
-                <p:txBody>
-                  <a:bodyPr wrap="square" rtlCol="0">
-                    <a:spAutoFit/>
-                  </a:bodyPr>
-                  <a:lstStyle/>
-                  <a:p>
-                    <a:pPr algn="ctr"/>
-                    <a:r>
-                      <a:rPr lang="en-US" altLang="zh-CN" sz="1600" dirty="0">
-                        <a:solidFill>
-                          <a:schemeClr val="bg1"/>
-                        </a:solidFill>
-                        <a:latin typeface="微软雅黑" panose="020B0503020204020204" pitchFamily="34" charset="-122"/>
-                        <a:ea typeface="微软雅黑" panose="020B0503020204020204" pitchFamily="34" charset="-122"/>
-                      </a:rPr>
-                      <a:t>How to detect it and prevent it</a:t>
-                    </a:r>
-                    <a:endParaRPr lang="zh-CN" altLang="en-US" sz="1600" dirty="0">
-                      <a:solidFill>
-                        <a:schemeClr val="bg1"/>
-                      </a:solidFill>
-                      <a:latin typeface="微软雅黑" panose="020B0503020204020204" pitchFamily="34" charset="-122"/>
-                      <a:ea typeface="微软雅黑" panose="020B0503020204020204" pitchFamily="34" charset="-122"/>
-                    </a:endParaRPr>
-                  </a:p>
-                </p:txBody>
-              </p:sp>
               <p:sp>
                 <p:nvSpPr>
                   <p:cNvPr id="33" name="文本框 32">
@@ -8398,8 +8425,8 @@
                 </p:nvCxnSpPr>
                 <p:spPr>
                   <a:xfrm>
-                    <a:off x="4675829" y="5215065"/>
-                    <a:ext cx="0" cy="734522"/>
+                    <a:off x="4675828" y="5776644"/>
+                    <a:ext cx="0" cy="472315"/>
                   </a:xfrm>
                   <a:prstGeom prst="straightConnector1">
                     <a:avLst/>
@@ -8439,8 +8466,8 @@
                 </p:nvCxnSpPr>
                 <p:spPr>
                   <a:xfrm>
-                    <a:off x="4675829" y="6326613"/>
-                    <a:ext cx="0" cy="809406"/>
+                    <a:off x="4675829" y="6731315"/>
+                    <a:ext cx="0" cy="404703"/>
                   </a:xfrm>
                   <a:prstGeom prst="straightConnector1">
                     <a:avLst/>
@@ -9038,7 +9065,7 @@
                 </p:nvSpPr>
                 <p:spPr>
                   <a:xfrm>
-                    <a:off x="3152770" y="3215491"/>
+                    <a:off x="3007605" y="4100246"/>
                     <a:ext cx="3454378" cy="362576"/>
                   </a:xfrm>
                   <a:prstGeom prst="rect">
@@ -9099,8 +9126,8 @@
                 </p:nvCxnSpPr>
                 <p:spPr>
                   <a:xfrm>
-                    <a:off x="4655660" y="4590612"/>
-                    <a:ext cx="0" cy="261877"/>
+                    <a:off x="4661417" y="5355866"/>
+                    <a:ext cx="0" cy="261878"/>
                   </a:xfrm>
                   <a:prstGeom prst="straightConnector1">
                     <a:avLst/>
@@ -9298,51 +9325,6 @@
                   </a:p>
                 </p:txBody>
               </p:sp>
-              <p:sp>
-                <p:nvSpPr>
-                  <p:cNvPr id="49" name="文本框 48">
-                    <a:extLst>
-                      <a:ext uri="{FF2B5EF4-FFF2-40B4-BE49-F238E27FC236}">
-                        <a16:creationId xmlns:a16="http://schemas.microsoft.com/office/drawing/2014/main" id="{856B1AD0-92F2-3A4B-B9FF-10C9EB0D3A29}"/>
-                      </a:ext>
-                    </a:extLst>
-                  </p:cNvPr>
-                  <p:cNvSpPr txBox="1"/>
-                  <p:nvPr/>
-                </p:nvSpPr>
-                <p:spPr>
-                  <a:xfrm>
-                    <a:off x="7848037" y="5388256"/>
-                    <a:ext cx="1967393" cy="280173"/>
-                  </a:xfrm>
-                  <a:prstGeom prst="rect">
-                    <a:avLst/>
-                  </a:prstGeom>
-                  <a:solidFill>
-                    <a:srgbClr val="C2C2C2"/>
-                  </a:solidFill>
-                </p:spPr>
-                <p:txBody>
-                  <a:bodyPr wrap="square" rtlCol="0">
-                    <a:spAutoFit/>
-                  </a:bodyPr>
-                  <a:lstStyle/>
-                  <a:p>
-                    <a:pPr algn="ctr"/>
-                    <a:r>
-                      <a:rPr lang="en-US" altLang="zh-CN" sz="1100" b="1" dirty="0">
-                        <a:latin typeface="微软雅黑" panose="020B0503020204020204" pitchFamily="34" charset="-122"/>
-                        <a:ea typeface="微软雅黑" panose="020B0503020204020204" pitchFamily="34" charset="-122"/>
-                      </a:rPr>
-                      <a:t>IoT Security Risks</a:t>
-                    </a:r>
-                    <a:endParaRPr lang="zh-CN" altLang="en-US" sz="1100" b="1" dirty="0">
-                      <a:latin typeface="微软雅黑" panose="020B0503020204020204" pitchFamily="34" charset="-122"/>
-                      <a:ea typeface="微软雅黑" panose="020B0503020204020204" pitchFamily="34" charset="-122"/>
-                    </a:endParaRPr>
-                  </a:p>
-                </p:txBody>
-              </p:sp>
               <p:grpSp>
                 <p:nvGrpSpPr>
                   <p:cNvPr id="50" name="组合 49">
@@ -9357,10 +9339,10 @@
                 </p:nvGrpSpPr>
                 <p:grpSpPr>
                   <a:xfrm>
-                    <a:off x="6607335" y="5548978"/>
-                    <a:ext cx="1240701" cy="1195367"/>
-                    <a:chOff x="6607335" y="5548978"/>
-                    <a:chExt cx="1240701" cy="1195367"/>
+                    <a:off x="6607335" y="6149563"/>
+                    <a:ext cx="1228566" cy="742681"/>
+                    <a:chOff x="6607335" y="6149563"/>
+                    <a:chExt cx="1228566" cy="742681"/>
                   </a:xfrm>
                 </p:grpSpPr>
                 <p:cxnSp>
@@ -9379,7 +9361,7 @@
                   </p:nvCxnSpPr>
                   <p:spPr>
                     <a:xfrm>
-                      <a:off x="6607335" y="6116894"/>
+                      <a:off x="6607335" y="6420386"/>
                       <a:ext cx="675489" cy="0"/>
                     </a:xfrm>
                     <a:prstGeom prst="line">
@@ -9417,48 +9399,9 @@
                     <p:nvPr/>
                   </p:nvCxnSpPr>
                   <p:spPr>
-                    <a:xfrm>
-                      <a:off x="7282824" y="5548978"/>
-                      <a:ext cx="0" cy="1195367"/>
-                    </a:xfrm>
-                    <a:prstGeom prst="line">
-                      <a:avLst/>
-                    </a:prstGeom>
-                    <a:ln w="19050"/>
-                  </p:spPr>
-                  <p:style>
-                    <a:lnRef idx="1">
-                      <a:schemeClr val="dk1"/>
-                    </a:lnRef>
-                    <a:fillRef idx="0">
-                      <a:schemeClr val="dk1"/>
-                    </a:fillRef>
-                    <a:effectRef idx="0">
-                      <a:schemeClr val="dk1"/>
-                    </a:effectRef>
-                    <a:fontRef idx="minor">
-                      <a:schemeClr val="tx1"/>
-                    </a:fontRef>
-                  </p:style>
-                </p:cxnSp>
-                <p:cxnSp>
-                  <p:nvCxnSpPr>
-                    <p:cNvPr id="77" name="直接连接符 102">
-                      <a:extLst>
-                        <a:ext uri="{FF2B5EF4-FFF2-40B4-BE49-F238E27FC236}">
-                          <a16:creationId xmlns:a16="http://schemas.microsoft.com/office/drawing/2014/main" id="{3F167C63-8C26-0C4F-996D-034C999E1BD1}"/>
-                        </a:ext>
-                      </a:extLst>
-                    </p:cNvPr>
-                    <p:cNvCxnSpPr>
-                      <a:cxnSpLocks/>
-                    </p:cNvCxnSpPr>
-                    <p:nvPr/>
-                  </p:nvCxnSpPr>
-                  <p:spPr>
-                    <a:xfrm>
-                      <a:off x="7276536" y="5548978"/>
-                      <a:ext cx="571500" cy="0"/>
+                    <a:xfrm flipH="1">
+                      <a:off x="7277572" y="6149563"/>
+                      <a:ext cx="5252" cy="742681"/>
                     </a:xfrm>
                     <a:prstGeom prst="line">
                       <a:avLst/>
@@ -9496,7 +9439,7 @@
                   </p:nvCxnSpPr>
                   <p:spPr>
                     <a:xfrm>
-                      <a:off x="7264401" y="6744345"/>
+                      <a:off x="7264401" y="6892244"/>
                       <a:ext cx="571500" cy="0"/>
                     </a:xfrm>
                     <a:prstGeom prst="line">
@@ -9734,7 +9677,7 @@
                 </p:nvSpPr>
                 <p:spPr>
                   <a:xfrm>
-                    <a:off x="7884003" y="6163935"/>
+                    <a:off x="7869371" y="6041108"/>
                     <a:ext cx="1931427" cy="280173"/>
                   </a:xfrm>
                   <a:prstGeom prst="rect">
@@ -9751,7 +9694,7 @@
                   <a:lstStyle/>
                   <a:p>
                     <a:r>
-                      <a:rPr lang="en-US" altLang="zh-CN" sz="1100" b="1">
+                      <a:rPr lang="en-US" altLang="zh-CN" sz="1100" b="1" dirty="0">
                         <a:latin typeface="微软雅黑" panose="020B0503020204020204" pitchFamily="34" charset="-122"/>
                         <a:ea typeface="微软雅黑" panose="020B0503020204020204" pitchFamily="34" charset="-122"/>
                       </a:rPr>
@@ -9953,7 +9896,7 @@
                 </p:nvCxnSpPr>
                 <p:spPr>
                   <a:xfrm flipH="1">
-                    <a:off x="4661417" y="3587592"/>
+                    <a:off x="4687793" y="4423279"/>
                     <a:ext cx="1" cy="185679"/>
                   </a:xfrm>
                   <a:prstGeom prst="straightConnector1">
@@ -10169,7 +10112,7 @@
                 </p:nvSpPr>
                 <p:spPr>
                   <a:xfrm>
-                    <a:off x="2433984" y="4857910"/>
+                    <a:off x="2703613" y="5617743"/>
                     <a:ext cx="4123400" cy="395538"/>
                   </a:xfrm>
                   <a:prstGeom prst="rect">
@@ -10231,7 +10174,7 @@
                 </p:nvSpPr>
                 <p:spPr>
                   <a:xfrm>
-                    <a:off x="6660329" y="4026977"/>
+                    <a:off x="6658296" y="4815555"/>
                     <a:ext cx="1514552" cy="329615"/>
                   </a:xfrm>
                   <a:prstGeom prst="rect">
@@ -10256,6 +10199,57 @@
                       <a:t>Propagation</a:t>
                     </a:r>
                     <a:endParaRPr lang="zh-CN" altLang="en-US" sz="1400" b="1" dirty="0">
+                      <a:latin typeface="微软雅黑" panose="020B0503020204020204" pitchFamily="34" charset="-122"/>
+                      <a:ea typeface="微软雅黑" panose="020B0503020204020204" pitchFamily="34" charset="-122"/>
+                    </a:endParaRPr>
+                  </a:p>
+                </p:txBody>
+              </p:sp>
+              <p:sp>
+                <p:nvSpPr>
+                  <p:cNvPr id="32" name="文本框 31">
+                    <a:extLst>
+                      <a:ext uri="{FF2B5EF4-FFF2-40B4-BE49-F238E27FC236}">
+                        <a16:creationId xmlns:a16="http://schemas.microsoft.com/office/drawing/2014/main" id="{5016F6D9-08A8-D743-8908-46BDB5A69986}"/>
+                      </a:ext>
+                    </a:extLst>
+                  </p:cNvPr>
+                  <p:cNvSpPr txBox="1"/>
+                  <p:nvPr/>
+                </p:nvSpPr>
+                <p:spPr>
+                  <a:xfrm>
+                    <a:off x="2703613" y="6269854"/>
+                    <a:ext cx="4162792" cy="362576"/>
+                  </a:xfrm>
+                  <a:prstGeom prst="rect">
+                    <a:avLst/>
+                  </a:prstGeom>
+                  <a:solidFill>
+                    <a:srgbClr val="4F81BD"/>
+                  </a:solidFill>
+                </p:spPr>
+                <p:txBody>
+                  <a:bodyPr wrap="square" rtlCol="0">
+                    <a:spAutoFit/>
+                  </a:bodyPr>
+                  <a:lstStyle/>
+                  <a:p>
+                    <a:pPr algn="ctr"/>
+                    <a:r>
+                      <a:rPr lang="en-US" altLang="zh-CN" sz="1600" dirty="0">
+                        <a:solidFill>
+                          <a:schemeClr val="bg1"/>
+                        </a:solidFill>
+                        <a:latin typeface="微软雅黑" panose="020B0503020204020204" pitchFamily="34" charset="-122"/>
+                        <a:ea typeface="微软雅黑" panose="020B0503020204020204" pitchFamily="34" charset="-122"/>
+                      </a:rPr>
+                      <a:t>How to detect it and prevent it</a:t>
+                    </a:r>
+                    <a:endParaRPr lang="zh-CN" altLang="en-US" sz="1600" dirty="0">
+                      <a:solidFill>
+                        <a:schemeClr val="bg1"/>
+                      </a:solidFill>
                       <a:latin typeface="微软雅黑" panose="020B0503020204020204" pitchFamily="34" charset="-122"/>
                       <a:ea typeface="微软雅黑" panose="020B0503020204020204" pitchFamily="34" charset="-122"/>
                     </a:endParaRPr>
@@ -10363,51 +10357,6 @@
         </p:grpSp>
         <p:sp>
           <p:nvSpPr>
-            <p:cNvPr id="78" name="文本框 77">
-              <a:extLst>
-                <a:ext uri="{FF2B5EF4-FFF2-40B4-BE49-F238E27FC236}">
-                  <a16:creationId xmlns:a16="http://schemas.microsoft.com/office/drawing/2014/main" id="{3C4B54AD-25D9-984B-AFE4-75EAFB0FBFF1}"/>
-                </a:ext>
-              </a:extLst>
-            </p:cNvPr>
-            <p:cNvSpPr txBox="1"/>
-            <p:nvPr/>
-          </p:nvSpPr>
-          <p:spPr>
-            <a:xfrm>
-              <a:off x="8168467" y="6594014"/>
-              <a:ext cx="1837045" cy="261610"/>
-            </a:xfrm>
-            <a:prstGeom prst="rect">
-              <a:avLst/>
-            </a:prstGeom>
-            <a:solidFill>
-              <a:srgbClr val="C2C2C2"/>
-            </a:solidFill>
-          </p:spPr>
-          <p:txBody>
-            <a:bodyPr wrap="square" rtlCol="0">
-              <a:spAutoFit/>
-            </a:bodyPr>
-            <a:lstStyle/>
-            <a:p>
-              <a:pPr algn="ctr"/>
-              <a:r>
-                <a:rPr lang="en-US" altLang="zh-CN" sz="1100" b="1" dirty="0">
-                  <a:latin typeface="微软雅黑" panose="020B0503020204020204" pitchFamily="34" charset="-122"/>
-                  <a:ea typeface="微软雅黑" panose="020B0503020204020204" pitchFamily="34" charset="-122"/>
-                </a:rPr>
-                <a:t>IoT Incidents</a:t>
-              </a:r>
-              <a:endParaRPr lang="zh-CN" altLang="en-US" sz="1100" b="1" dirty="0">
-                <a:latin typeface="微软雅黑" panose="020B0503020204020204" pitchFamily="34" charset="-122"/>
-                <a:ea typeface="微软雅黑" panose="020B0503020204020204" pitchFamily="34" charset="-122"/>
-              </a:endParaRPr>
-            </a:p>
-          </p:txBody>
-        </p:sp>
-        <p:sp>
-          <p:nvSpPr>
             <p:cNvPr id="88" name="文本框 87">
               <a:extLst>
                 <a:ext uri="{FF2B5EF4-FFF2-40B4-BE49-F238E27FC236}">
@@ -10420,7 +10369,7 @@
           </p:nvSpPr>
           <p:spPr>
             <a:xfrm>
-              <a:off x="8168467" y="7341702"/>
+              <a:off x="8168467" y="7496593"/>
               <a:ext cx="1823171" cy="261610"/>
             </a:xfrm>
             <a:prstGeom prst="rect">
@@ -10452,46 +10401,6 @@
         </p:sp>
         <p:cxnSp>
           <p:nvCxnSpPr>
-            <p:cNvPr id="89" name="直接连接符 100">
-              <a:extLst>
-                <a:ext uri="{FF2B5EF4-FFF2-40B4-BE49-F238E27FC236}">
-                  <a16:creationId xmlns:a16="http://schemas.microsoft.com/office/drawing/2014/main" id="{B53DBDEB-1EF8-DA4D-B7B9-0CAD1D0F6381}"/>
-                </a:ext>
-              </a:extLst>
-            </p:cNvPr>
-            <p:cNvCxnSpPr>
-              <a:cxnSpLocks/>
-              <a:endCxn id="78" idx="1"/>
-            </p:cNvCxnSpPr>
-            <p:nvPr/>
-          </p:nvCxnSpPr>
-          <p:spPr>
-            <a:xfrm>
-              <a:off x="7609626" y="6723545"/>
-              <a:ext cx="558841" cy="1274"/>
-            </a:xfrm>
-            <a:prstGeom prst="line">
-              <a:avLst/>
-            </a:prstGeom>
-            <a:ln w="19050"/>
-          </p:spPr>
-          <p:style>
-            <a:lnRef idx="1">
-              <a:schemeClr val="dk1"/>
-            </a:lnRef>
-            <a:fillRef idx="0">
-              <a:schemeClr val="dk1"/>
-            </a:fillRef>
-            <a:effectRef idx="0">
-              <a:schemeClr val="dk1"/>
-            </a:effectRef>
-            <a:fontRef idx="minor">
-              <a:schemeClr val="tx1"/>
-            </a:fontRef>
-          </p:style>
-        </p:cxnSp>
-        <p:cxnSp>
-          <p:nvCxnSpPr>
             <p:cNvPr id="90" name="直接连接符 100">
               <a:extLst>
                 <a:ext uri="{FF2B5EF4-FFF2-40B4-BE49-F238E27FC236}">
@@ -10506,7 +10415,7 @@
           </p:nvCxnSpPr>
           <p:spPr>
             <a:xfrm>
-              <a:off x="7621925" y="7060569"/>
+              <a:off x="7609626" y="6935242"/>
               <a:ext cx="558841" cy="1274"/>
             </a:xfrm>
             <a:prstGeom prst="line">
@@ -10530,6 +10439,108 @@
           </p:style>
         </p:cxnSp>
       </p:grpSp>
+      <p:sp>
+        <p:nvSpPr>
+          <p:cNvPr id="109" name="文本框 108">
+            <a:extLst>
+              <a:ext uri="{FF2B5EF4-FFF2-40B4-BE49-F238E27FC236}">
+                <a16:creationId xmlns:a16="http://schemas.microsoft.com/office/drawing/2014/main" id="{8EB23984-AA64-6142-BA27-F35240610194}"/>
+              </a:ext>
+            </a:extLst>
+          </p:cNvPr>
+          <p:cNvSpPr txBox="1"/>
+          <p:nvPr/>
+        </p:nvSpPr>
+        <p:spPr>
+          <a:xfrm>
+            <a:off x="3487795" y="4035200"/>
+            <a:ext cx="3225511" cy="338554"/>
+          </a:xfrm>
+          <a:prstGeom prst="rect">
+            <a:avLst/>
+          </a:prstGeom>
+          <a:solidFill>
+            <a:srgbClr val="4F81BD"/>
+          </a:solidFill>
+        </p:spPr>
+        <p:txBody>
+          <a:bodyPr wrap="square" rtlCol="0">
+            <a:spAutoFit/>
+          </a:bodyPr>
+          <a:lstStyle/>
+          <a:p>
+            <a:pPr algn="ctr"/>
+            <a:r>
+              <a:rPr lang="en-US" altLang="zh-CN" sz="1600" dirty="0">
+                <a:solidFill>
+                  <a:schemeClr val="bg1"/>
+                </a:solidFill>
+                <a:latin typeface="微软雅黑" panose="020B0503020204020204" pitchFamily="34" charset="-122"/>
+                <a:ea typeface="微软雅黑" panose="020B0503020204020204" pitchFamily="34" charset="-122"/>
+              </a:rPr>
+              <a:t>Basics of IoT Botnets</a:t>
+            </a:r>
+            <a:endParaRPr lang="zh-CN" altLang="en-US" sz="1600" dirty="0">
+              <a:solidFill>
+                <a:schemeClr val="bg1"/>
+              </a:solidFill>
+              <a:latin typeface="微软雅黑" panose="020B0503020204020204" pitchFamily="34" charset="-122"/>
+              <a:ea typeface="微软雅黑" panose="020B0503020204020204" pitchFamily="34" charset="-122"/>
+            </a:endParaRPr>
+          </a:p>
+        </p:txBody>
+      </p:sp>
+      <p:sp>
+        <p:nvSpPr>
+          <p:cNvPr id="113" name="文本框 112">
+            <a:extLst>
+              <a:ext uri="{FF2B5EF4-FFF2-40B4-BE49-F238E27FC236}">
+                <a16:creationId xmlns:a16="http://schemas.microsoft.com/office/drawing/2014/main" id="{374CF9CD-0356-374A-B175-50B00FA39020}"/>
+              </a:ext>
+            </a:extLst>
+          </p:cNvPr>
+          <p:cNvSpPr txBox="1"/>
+          <p:nvPr/>
+        </p:nvSpPr>
+        <p:spPr>
+          <a:xfrm>
+            <a:off x="3182629" y="4555399"/>
+            <a:ext cx="4036596" cy="338554"/>
+          </a:xfrm>
+          <a:prstGeom prst="rect">
+            <a:avLst/>
+          </a:prstGeom>
+          <a:solidFill>
+            <a:srgbClr val="4F81BD"/>
+          </a:solidFill>
+        </p:spPr>
+        <p:txBody>
+          <a:bodyPr wrap="square" rtlCol="0">
+            <a:spAutoFit/>
+          </a:bodyPr>
+          <a:lstStyle/>
+          <a:p>
+            <a:pPr algn="ctr"/>
+            <a:r>
+              <a:rPr lang="en-US" altLang="zh-CN" sz="1600" dirty="0">
+                <a:solidFill>
+                  <a:schemeClr val="bg1"/>
+                </a:solidFill>
+                <a:latin typeface="微软雅黑" panose="020B0503020204020204" pitchFamily="34" charset="-122"/>
+                <a:ea typeface="微软雅黑" panose="020B0503020204020204" pitchFamily="34" charset="-122"/>
+              </a:rPr>
+              <a:t>IoT Security Risks and IoT Incidents</a:t>
+            </a:r>
+            <a:endParaRPr lang="zh-CN" altLang="en-US" sz="1600" dirty="0">
+              <a:solidFill>
+                <a:schemeClr val="bg1"/>
+              </a:solidFill>
+              <a:latin typeface="微软雅黑" panose="020B0503020204020204" pitchFamily="34" charset="-122"/>
+              <a:ea typeface="微软雅黑" panose="020B0503020204020204" pitchFamily="34" charset="-122"/>
+            </a:endParaRPr>
+          </a:p>
+        </p:txBody>
+      </p:sp>
     </p:spTree>
     <p:extLst>
       <p:ext uri="{BB962C8B-B14F-4D97-AF65-F5344CB8AC3E}">
